--- a/Final Project.pptx
+++ b/Final Project.pptx
@@ -2,16 +2,20 @@
 <file path=ppt/presentation.xml><?xml version="1.0" encoding="utf-8"?>
 <p:presentation xmlns:a="http://schemas.openxmlformats.org/drawingml/2006/main" xmlns:r="http://schemas.openxmlformats.org/officeDocument/2006/relationships" xmlns:p="http://schemas.openxmlformats.org/presentationml/2006/main" saveSubsetFonts="1">
   <p:sldMasterIdLst>
-    <p:sldMasterId id="2147483648" r:id="rId1"/>
+    <p:sldMasterId id="2147483694" r:id="rId1"/>
   </p:sldMasterIdLst>
   <p:notesMasterIdLst>
-    <p:notesMasterId r:id="rId6"/>
+    <p:notesMasterId r:id="rId10"/>
   </p:notesMasterIdLst>
   <p:sldIdLst>
     <p:sldId id="256" r:id="rId2"/>
-    <p:sldId id="258" r:id="rId3"/>
-    <p:sldId id="261" r:id="rId4"/>
-    <p:sldId id="264" r:id="rId5"/>
+    <p:sldId id="268" r:id="rId3"/>
+    <p:sldId id="258" r:id="rId4"/>
+    <p:sldId id="266" r:id="rId5"/>
+    <p:sldId id="261" r:id="rId6"/>
+    <p:sldId id="264" r:id="rId7"/>
+    <p:sldId id="265" r:id="rId8"/>
+    <p:sldId id="267" r:id="rId9"/>
   </p:sldIdLst>
   <p:sldSz cx="12192000" cy="6858000"/>
   <p:notesSz cx="6858000" cy="9144000"/>
@@ -110,6 +114,11 @@
       </a:defRPr>
     </a:lvl9pPr>
   </p:defaultTextStyle>
+  <p:extLst>
+    <p:ext uri="{EFAFB233-063F-42B5-8137-9DF3F51BA10A}">
+      <p15:sldGuideLst xmlns:p15="http://schemas.microsoft.com/office/powerpoint/2012/main"/>
+    </p:ext>
+  </p:extLst>
 </p:presentation>
 </file>
 
@@ -207,7 +216,7 @@
           <a:p>
             <a:fld id="{7B4E3CB4-DE3D-4758-A60E-7210A97E93F2}" type="datetimeFigureOut">
               <a:rPr lang="en-US" smtClean="0"/>
-              <a:t>7/27/2020</a:t>
+              <a:t>7/28/2020</a:t>
             </a:fld>
             <a:endParaRPr lang="en-US"/>
           </a:p>
@@ -519,6 +528,453 @@
           <a:bodyPr/>
           <a:lstStyle/>
           <a:p>
+            <a:r>
+              <a:rPr lang="en-US" dirty="0" err="1" smtClean="0"/>
+              <a:t>Rimsha</a:t>
+            </a:r>
+            <a:endParaRPr lang="en-US" dirty="0"/>
+          </a:p>
+        </p:txBody>
+      </p:sp>
+      <p:sp>
+        <p:nvSpPr>
+          <p:cNvPr id="4" name="Slide Number Placeholder 3"/>
+          <p:cNvSpPr>
+            <a:spLocks noGrp="1"/>
+          </p:cNvSpPr>
+          <p:nvPr>
+            <p:ph type="sldNum" sz="quarter" idx="10"/>
+          </p:nvPr>
+        </p:nvSpPr>
+        <p:spPr/>
+        <p:txBody>
+          <a:bodyPr/>
+          <a:lstStyle/>
+          <a:p>
+            <a:fld id="{3055ACD7-FFEB-4D45-B5D3-FABBFADBCB0B}" type="slidenum">
+              <a:rPr lang="en-US" smtClean="0"/>
+              <a:t>1</a:t>
+            </a:fld>
+            <a:endParaRPr lang="en-US"/>
+          </a:p>
+        </p:txBody>
+      </p:sp>
+    </p:spTree>
+    <p:extLst>
+      <p:ext uri="{BB962C8B-B14F-4D97-AF65-F5344CB8AC3E}">
+        <p14:creationId xmlns:p14="http://schemas.microsoft.com/office/powerpoint/2010/main" val="1157128739"/>
+      </p:ext>
+    </p:extLst>
+  </p:cSld>
+  <p:clrMapOvr>
+    <a:masterClrMapping/>
+  </p:clrMapOvr>
+</p:notes>
+</file>
+
+<file path=ppt/notesSlides/notesSlide2.xml><?xml version="1.0" encoding="utf-8"?>
+<p:notes xmlns:a="http://schemas.openxmlformats.org/drawingml/2006/main" xmlns:r="http://schemas.openxmlformats.org/officeDocument/2006/relationships" xmlns:p="http://schemas.openxmlformats.org/presentationml/2006/main">
+  <p:cSld>
+    <p:spTree>
+      <p:nvGrpSpPr>
+        <p:cNvPr id="1" name=""/>
+        <p:cNvGrpSpPr/>
+        <p:nvPr/>
+      </p:nvGrpSpPr>
+      <p:grpSpPr>
+        <a:xfrm>
+          <a:off x="0" y="0"/>
+          <a:ext cx="0" cy="0"/>
+          <a:chOff x="0" y="0"/>
+          <a:chExt cx="0" cy="0"/>
+        </a:xfrm>
+      </p:grpSpPr>
+      <p:sp>
+        <p:nvSpPr>
+          <p:cNvPr id="2" name="Slide Image Placeholder 1"/>
+          <p:cNvSpPr>
+            <a:spLocks noGrp="1" noRot="1" noChangeAspect="1"/>
+          </p:cNvSpPr>
+          <p:nvPr>
+            <p:ph type="sldImg"/>
+          </p:nvPr>
+        </p:nvSpPr>
+        <p:spPr/>
+      </p:sp>
+      <p:sp>
+        <p:nvSpPr>
+          <p:cNvPr id="3" name="Notes Placeholder 2"/>
+          <p:cNvSpPr>
+            <a:spLocks noGrp="1"/>
+          </p:cNvSpPr>
+          <p:nvPr>
+            <p:ph type="body" idx="1"/>
+          </p:nvPr>
+        </p:nvSpPr>
+        <p:spPr/>
+        <p:txBody>
+          <a:bodyPr/>
+          <a:lstStyle/>
+          <a:p>
+            <a:r>
+              <a:rPr lang="en-US" dirty="0" err="1" smtClean="0"/>
+              <a:t>Rimsha</a:t>
+            </a:r>
+            <a:endParaRPr lang="en-US" dirty="0"/>
+          </a:p>
+        </p:txBody>
+      </p:sp>
+      <p:sp>
+        <p:nvSpPr>
+          <p:cNvPr id="4" name="Slide Number Placeholder 3"/>
+          <p:cNvSpPr>
+            <a:spLocks noGrp="1"/>
+          </p:cNvSpPr>
+          <p:nvPr>
+            <p:ph type="sldNum" sz="quarter" idx="10"/>
+          </p:nvPr>
+        </p:nvSpPr>
+        <p:spPr/>
+        <p:txBody>
+          <a:bodyPr/>
+          <a:lstStyle/>
+          <a:p>
+            <a:fld id="{3055ACD7-FFEB-4D45-B5D3-FABBFADBCB0B}" type="slidenum">
+              <a:rPr lang="en-US" smtClean="0"/>
+              <a:t>2</a:t>
+            </a:fld>
+            <a:endParaRPr lang="en-US"/>
+          </a:p>
+        </p:txBody>
+      </p:sp>
+    </p:spTree>
+    <p:extLst>
+      <p:ext uri="{BB962C8B-B14F-4D97-AF65-F5344CB8AC3E}">
+        <p14:creationId xmlns:p14="http://schemas.microsoft.com/office/powerpoint/2010/main" val="1424633481"/>
+      </p:ext>
+    </p:extLst>
+  </p:cSld>
+  <p:clrMapOvr>
+    <a:masterClrMapping/>
+  </p:clrMapOvr>
+</p:notes>
+</file>
+
+<file path=ppt/notesSlides/notesSlide3.xml><?xml version="1.0" encoding="utf-8"?>
+<p:notes xmlns:a="http://schemas.openxmlformats.org/drawingml/2006/main" xmlns:r="http://schemas.openxmlformats.org/officeDocument/2006/relationships" xmlns:p="http://schemas.openxmlformats.org/presentationml/2006/main">
+  <p:cSld>
+    <p:spTree>
+      <p:nvGrpSpPr>
+        <p:cNvPr id="1" name=""/>
+        <p:cNvGrpSpPr/>
+        <p:nvPr/>
+      </p:nvGrpSpPr>
+      <p:grpSpPr>
+        <a:xfrm>
+          <a:off x="0" y="0"/>
+          <a:ext cx="0" cy="0"/>
+          <a:chOff x="0" y="0"/>
+          <a:chExt cx="0" cy="0"/>
+        </a:xfrm>
+      </p:grpSpPr>
+      <p:sp>
+        <p:nvSpPr>
+          <p:cNvPr id="2" name="Slide Image Placeholder 1"/>
+          <p:cNvSpPr>
+            <a:spLocks noGrp="1" noRot="1" noChangeAspect="1"/>
+          </p:cNvSpPr>
+          <p:nvPr>
+            <p:ph type="sldImg"/>
+          </p:nvPr>
+        </p:nvSpPr>
+        <p:spPr/>
+      </p:sp>
+      <p:sp>
+        <p:nvSpPr>
+          <p:cNvPr id="3" name="Notes Placeholder 2"/>
+          <p:cNvSpPr>
+            <a:spLocks noGrp="1"/>
+          </p:cNvSpPr>
+          <p:nvPr>
+            <p:ph type="body" idx="1"/>
+          </p:nvPr>
+        </p:nvSpPr>
+        <p:spPr/>
+        <p:txBody>
+          <a:bodyPr/>
+          <a:lstStyle/>
+          <a:p>
+            <a:r>
+              <a:rPr lang="en-US" dirty="0" err="1" smtClean="0"/>
+              <a:t>Rimsha</a:t>
+            </a:r>
+            <a:endParaRPr lang="en-US" dirty="0"/>
+          </a:p>
+        </p:txBody>
+      </p:sp>
+      <p:sp>
+        <p:nvSpPr>
+          <p:cNvPr id="4" name="Slide Number Placeholder 3"/>
+          <p:cNvSpPr>
+            <a:spLocks noGrp="1"/>
+          </p:cNvSpPr>
+          <p:nvPr>
+            <p:ph type="sldNum" sz="quarter" idx="10"/>
+          </p:nvPr>
+        </p:nvSpPr>
+        <p:spPr/>
+        <p:txBody>
+          <a:bodyPr/>
+          <a:lstStyle/>
+          <a:p>
+            <a:fld id="{3055ACD7-FFEB-4D45-B5D3-FABBFADBCB0B}" type="slidenum">
+              <a:rPr lang="en-US" smtClean="0"/>
+              <a:t>3</a:t>
+            </a:fld>
+            <a:endParaRPr lang="en-US"/>
+          </a:p>
+        </p:txBody>
+      </p:sp>
+    </p:spTree>
+    <p:extLst>
+      <p:ext uri="{BB962C8B-B14F-4D97-AF65-F5344CB8AC3E}">
+        <p14:creationId xmlns:p14="http://schemas.microsoft.com/office/powerpoint/2010/main" val="4060479970"/>
+      </p:ext>
+    </p:extLst>
+  </p:cSld>
+  <p:clrMapOvr>
+    <a:masterClrMapping/>
+  </p:clrMapOvr>
+</p:notes>
+</file>
+
+<file path=ppt/notesSlides/notesSlide4.xml><?xml version="1.0" encoding="utf-8"?>
+<p:notes xmlns:a="http://schemas.openxmlformats.org/drawingml/2006/main" xmlns:r="http://schemas.openxmlformats.org/officeDocument/2006/relationships" xmlns:p="http://schemas.openxmlformats.org/presentationml/2006/main">
+  <p:cSld>
+    <p:spTree>
+      <p:nvGrpSpPr>
+        <p:cNvPr id="1" name=""/>
+        <p:cNvGrpSpPr/>
+        <p:nvPr/>
+      </p:nvGrpSpPr>
+      <p:grpSpPr>
+        <a:xfrm>
+          <a:off x="0" y="0"/>
+          <a:ext cx="0" cy="0"/>
+          <a:chOff x="0" y="0"/>
+          <a:chExt cx="0" cy="0"/>
+        </a:xfrm>
+      </p:grpSpPr>
+      <p:sp>
+        <p:nvSpPr>
+          <p:cNvPr id="2" name="Slide Image Placeholder 1"/>
+          <p:cNvSpPr>
+            <a:spLocks noGrp="1" noRot="1" noChangeAspect="1"/>
+          </p:cNvSpPr>
+          <p:nvPr>
+            <p:ph type="sldImg"/>
+          </p:nvPr>
+        </p:nvSpPr>
+        <p:spPr/>
+      </p:sp>
+      <p:sp>
+        <p:nvSpPr>
+          <p:cNvPr id="3" name="Notes Placeholder 2"/>
+          <p:cNvSpPr>
+            <a:spLocks noGrp="1"/>
+          </p:cNvSpPr>
+          <p:nvPr>
+            <p:ph type="body" idx="1"/>
+          </p:nvPr>
+        </p:nvSpPr>
+        <p:spPr/>
+        <p:txBody>
+          <a:bodyPr/>
+          <a:lstStyle/>
+          <a:p>
+            <a:r>
+              <a:rPr lang="en-US" dirty="0" err="1" smtClean="0"/>
+              <a:t>Rimsha</a:t>
+            </a:r>
+            <a:endParaRPr lang="en-US" dirty="0"/>
+          </a:p>
+        </p:txBody>
+      </p:sp>
+      <p:sp>
+        <p:nvSpPr>
+          <p:cNvPr id="4" name="Slide Number Placeholder 3"/>
+          <p:cNvSpPr>
+            <a:spLocks noGrp="1"/>
+          </p:cNvSpPr>
+          <p:nvPr>
+            <p:ph type="sldNum" sz="quarter" idx="10"/>
+          </p:nvPr>
+        </p:nvSpPr>
+        <p:spPr/>
+        <p:txBody>
+          <a:bodyPr/>
+          <a:lstStyle/>
+          <a:p>
+            <a:fld id="{3055ACD7-FFEB-4D45-B5D3-FABBFADBCB0B}" type="slidenum">
+              <a:rPr lang="en-US" smtClean="0"/>
+              <a:t>4</a:t>
+            </a:fld>
+            <a:endParaRPr lang="en-US"/>
+          </a:p>
+        </p:txBody>
+      </p:sp>
+    </p:spTree>
+    <p:extLst>
+      <p:ext uri="{BB962C8B-B14F-4D97-AF65-F5344CB8AC3E}">
+        <p14:creationId xmlns:p14="http://schemas.microsoft.com/office/powerpoint/2010/main" val="1198791890"/>
+      </p:ext>
+    </p:extLst>
+  </p:cSld>
+  <p:clrMapOvr>
+    <a:masterClrMapping/>
+  </p:clrMapOvr>
+</p:notes>
+</file>
+
+<file path=ppt/notesSlides/notesSlide5.xml><?xml version="1.0" encoding="utf-8"?>
+<p:notes xmlns:a="http://schemas.openxmlformats.org/drawingml/2006/main" xmlns:r="http://schemas.openxmlformats.org/officeDocument/2006/relationships" xmlns:p="http://schemas.openxmlformats.org/presentationml/2006/main">
+  <p:cSld>
+    <p:spTree>
+      <p:nvGrpSpPr>
+        <p:cNvPr id="1" name=""/>
+        <p:cNvGrpSpPr/>
+        <p:nvPr/>
+      </p:nvGrpSpPr>
+      <p:grpSpPr>
+        <a:xfrm>
+          <a:off x="0" y="0"/>
+          <a:ext cx="0" cy="0"/>
+          <a:chOff x="0" y="0"/>
+          <a:chExt cx="0" cy="0"/>
+        </a:xfrm>
+      </p:grpSpPr>
+      <p:sp>
+        <p:nvSpPr>
+          <p:cNvPr id="2" name="Slide Image Placeholder 1"/>
+          <p:cNvSpPr>
+            <a:spLocks noGrp="1" noRot="1" noChangeAspect="1"/>
+          </p:cNvSpPr>
+          <p:nvPr>
+            <p:ph type="sldImg"/>
+          </p:nvPr>
+        </p:nvSpPr>
+        <p:spPr/>
+      </p:sp>
+      <p:sp>
+        <p:nvSpPr>
+          <p:cNvPr id="3" name="Notes Placeholder 2"/>
+          <p:cNvSpPr>
+            <a:spLocks noGrp="1"/>
+          </p:cNvSpPr>
+          <p:nvPr>
+            <p:ph type="body" idx="1"/>
+          </p:nvPr>
+        </p:nvSpPr>
+        <p:spPr/>
+        <p:txBody>
+          <a:bodyPr/>
+          <a:lstStyle/>
+          <a:p>
+            <a:r>
+              <a:rPr lang="en-US" dirty="0" err="1" smtClean="0"/>
+              <a:t>Rimsha</a:t>
+            </a:r>
+            <a:endParaRPr lang="en-US" dirty="0"/>
+          </a:p>
+        </p:txBody>
+      </p:sp>
+      <p:sp>
+        <p:nvSpPr>
+          <p:cNvPr id="4" name="Slide Number Placeholder 3"/>
+          <p:cNvSpPr>
+            <a:spLocks noGrp="1"/>
+          </p:cNvSpPr>
+          <p:nvPr>
+            <p:ph type="sldNum" sz="quarter" idx="10"/>
+          </p:nvPr>
+        </p:nvSpPr>
+        <p:spPr/>
+        <p:txBody>
+          <a:bodyPr/>
+          <a:lstStyle/>
+          <a:p>
+            <a:fld id="{3055ACD7-FFEB-4D45-B5D3-FABBFADBCB0B}" type="slidenum">
+              <a:rPr lang="en-US" smtClean="0"/>
+              <a:t>5</a:t>
+            </a:fld>
+            <a:endParaRPr lang="en-US"/>
+          </a:p>
+        </p:txBody>
+      </p:sp>
+    </p:spTree>
+    <p:extLst>
+      <p:ext uri="{BB962C8B-B14F-4D97-AF65-F5344CB8AC3E}">
+        <p14:creationId xmlns:p14="http://schemas.microsoft.com/office/powerpoint/2010/main" val="58255543"/>
+      </p:ext>
+    </p:extLst>
+  </p:cSld>
+  <p:clrMapOvr>
+    <a:masterClrMapping/>
+  </p:clrMapOvr>
+</p:notes>
+</file>
+
+<file path=ppt/notesSlides/notesSlide6.xml><?xml version="1.0" encoding="utf-8"?>
+<p:notes xmlns:a="http://schemas.openxmlformats.org/drawingml/2006/main" xmlns:r="http://schemas.openxmlformats.org/officeDocument/2006/relationships" xmlns:p="http://schemas.openxmlformats.org/presentationml/2006/main">
+  <p:cSld>
+    <p:spTree>
+      <p:nvGrpSpPr>
+        <p:cNvPr id="1" name=""/>
+        <p:cNvGrpSpPr/>
+        <p:nvPr/>
+      </p:nvGrpSpPr>
+      <p:grpSpPr>
+        <a:xfrm>
+          <a:off x="0" y="0"/>
+          <a:ext cx="0" cy="0"/>
+          <a:chOff x="0" y="0"/>
+          <a:chExt cx="0" cy="0"/>
+        </a:xfrm>
+      </p:grpSpPr>
+      <p:sp>
+        <p:nvSpPr>
+          <p:cNvPr id="2" name="Slide Image Placeholder 1"/>
+          <p:cNvSpPr>
+            <a:spLocks noGrp="1" noRot="1" noChangeAspect="1"/>
+          </p:cNvSpPr>
+          <p:nvPr>
+            <p:ph type="sldImg"/>
+          </p:nvPr>
+        </p:nvSpPr>
+        <p:spPr/>
+      </p:sp>
+      <p:sp>
+        <p:nvSpPr>
+          <p:cNvPr id="3" name="Notes Placeholder 2"/>
+          <p:cNvSpPr>
+            <a:spLocks noGrp="1"/>
+          </p:cNvSpPr>
+          <p:nvPr>
+            <p:ph type="body" idx="1"/>
+          </p:nvPr>
+        </p:nvSpPr>
+        <p:spPr/>
+        <p:txBody>
+          <a:bodyPr/>
+          <a:lstStyle/>
+          <a:p>
+            <a:pPr lvl="1"/>
+            <a:r>
+              <a:rPr lang="en-US" dirty="0" smtClean="0"/>
+              <a:t>Eric</a:t>
+            </a:r>
+          </a:p>
+          <a:p>
             <a:pPr lvl="1"/>
             <a:r>
               <a:rPr lang="en-US" dirty="0" smtClean="0"/>
@@ -526,7 +982,11 @@
             </a:r>
             <a:r>
               <a:rPr lang="en-US" baseline="0" dirty="0" smtClean="0"/>
-              <a:t> Technical - </a:t>
+              <a:t> </a:t>
+            </a:r>
+            <a:r>
+              <a:rPr lang="en-US" baseline="0" dirty="0" smtClean="0"/>
+              <a:t>Technical - </a:t>
             </a:r>
             <a:r>
               <a:rPr lang="en-US" dirty="0" smtClean="0">
@@ -583,7 +1043,7 @@
           <a:p>
             <a:fld id="{3055ACD7-FFEB-4D45-B5D3-FABBFADBCB0B}" type="slidenum">
               <a:rPr lang="en-US" smtClean="0"/>
-              <a:t>4</a:t>
+              <a:t>6</a:t>
             </a:fld>
             <a:endParaRPr lang="en-US"/>
           </a:p>
@@ -602,8 +1062,233 @@
 </p:notes>
 </file>
 
+<file path=ppt/notesSlides/notesSlide7.xml><?xml version="1.0" encoding="utf-8"?>
+<p:notes xmlns:a="http://schemas.openxmlformats.org/drawingml/2006/main" xmlns:r="http://schemas.openxmlformats.org/officeDocument/2006/relationships" xmlns:p="http://schemas.openxmlformats.org/presentationml/2006/main">
+  <p:cSld>
+    <p:spTree>
+      <p:nvGrpSpPr>
+        <p:cNvPr id="1" name=""/>
+        <p:cNvGrpSpPr/>
+        <p:nvPr/>
+      </p:nvGrpSpPr>
+      <p:grpSpPr>
+        <a:xfrm>
+          <a:off x="0" y="0"/>
+          <a:ext cx="0" cy="0"/>
+          <a:chOff x="0" y="0"/>
+          <a:chExt cx="0" cy="0"/>
+        </a:xfrm>
+      </p:grpSpPr>
+      <p:sp>
+        <p:nvSpPr>
+          <p:cNvPr id="2" name="Slide Image Placeholder 1"/>
+          <p:cNvSpPr>
+            <a:spLocks noGrp="1" noRot="1" noChangeAspect="1"/>
+          </p:cNvSpPr>
+          <p:nvPr>
+            <p:ph type="sldImg"/>
+          </p:nvPr>
+        </p:nvSpPr>
+        <p:spPr/>
+      </p:sp>
+      <p:sp>
+        <p:nvSpPr>
+          <p:cNvPr id="3" name="Notes Placeholder 2"/>
+          <p:cNvSpPr>
+            <a:spLocks noGrp="1"/>
+          </p:cNvSpPr>
+          <p:nvPr>
+            <p:ph type="body" idx="1"/>
+          </p:nvPr>
+        </p:nvSpPr>
+        <p:spPr/>
+        <p:txBody>
+          <a:bodyPr/>
+          <a:lstStyle/>
+          <a:p>
+            <a:pPr marL="228600" indent="-228600">
+              <a:buAutoNum type="arabicPeriod"/>
+            </a:pPr>
+            <a:r>
+              <a:rPr lang="en-US" dirty="0" smtClean="0"/>
+              <a:t>Optimized</a:t>
+            </a:r>
+            <a:r>
+              <a:rPr lang="en-US" baseline="0" dirty="0" smtClean="0"/>
+              <a:t> Model - Eric</a:t>
+            </a:r>
+          </a:p>
+          <a:p>
+            <a:pPr marL="228600" indent="-228600">
+              <a:buAutoNum type="arabicPeriod"/>
+            </a:pPr>
+            <a:r>
+              <a:rPr lang="en-US" baseline="0" dirty="0" err="1" smtClean="0"/>
+              <a:t>Tensorboard</a:t>
+            </a:r>
+            <a:r>
+              <a:rPr lang="en-US" baseline="0" dirty="0" smtClean="0"/>
+              <a:t>, getting the right parameters – Shreya</a:t>
+            </a:r>
+          </a:p>
+          <a:p>
+            <a:pPr marL="228600" indent="-228600">
+              <a:buAutoNum type="arabicPeriod"/>
+            </a:pPr>
+            <a:r>
+              <a:rPr lang="en-US" baseline="0" dirty="0" smtClean="0"/>
+              <a:t>Flask app for image submission -Shreya</a:t>
+            </a:r>
+          </a:p>
+          <a:p>
+            <a:pPr marL="228600" indent="-228600">
+              <a:buAutoNum type="arabicPeriod"/>
+            </a:pPr>
+            <a:r>
+              <a:rPr lang="en-US" baseline="0" dirty="0" smtClean="0"/>
+              <a:t>Scraping – Andrew</a:t>
+            </a:r>
+          </a:p>
+          <a:p>
+            <a:pPr marL="228600" indent="-228600">
+              <a:buAutoNum type="arabicPeriod"/>
+            </a:pPr>
+            <a:endParaRPr lang="en-US" baseline="0" dirty="0" smtClean="0"/>
+          </a:p>
+          <a:p>
+            <a:pPr marL="228600" indent="-228600">
+              <a:buAutoNum type="arabicPeriod"/>
+            </a:pPr>
+            <a:endParaRPr lang="en-US" baseline="0" dirty="0" smtClean="0"/>
+          </a:p>
+        </p:txBody>
+      </p:sp>
+      <p:sp>
+        <p:nvSpPr>
+          <p:cNvPr id="4" name="Slide Number Placeholder 3"/>
+          <p:cNvSpPr>
+            <a:spLocks noGrp="1"/>
+          </p:cNvSpPr>
+          <p:nvPr>
+            <p:ph type="sldNum" sz="quarter" idx="10"/>
+          </p:nvPr>
+        </p:nvSpPr>
+        <p:spPr/>
+        <p:txBody>
+          <a:bodyPr/>
+          <a:lstStyle/>
+          <a:p>
+            <a:fld id="{3055ACD7-FFEB-4D45-B5D3-FABBFADBCB0B}" type="slidenum">
+              <a:rPr lang="en-US" smtClean="0"/>
+              <a:t>7</a:t>
+            </a:fld>
+            <a:endParaRPr lang="en-US"/>
+          </a:p>
+        </p:txBody>
+      </p:sp>
+    </p:spTree>
+    <p:extLst>
+      <p:ext uri="{BB962C8B-B14F-4D97-AF65-F5344CB8AC3E}">
+        <p14:creationId xmlns:p14="http://schemas.microsoft.com/office/powerpoint/2010/main" val="873820267"/>
+      </p:ext>
+    </p:extLst>
+  </p:cSld>
+  <p:clrMapOvr>
+    <a:masterClrMapping/>
+  </p:clrMapOvr>
+</p:notes>
+</file>
+
+<file path=ppt/notesSlides/notesSlide8.xml><?xml version="1.0" encoding="utf-8"?>
+<p:notes xmlns:a="http://schemas.openxmlformats.org/drawingml/2006/main" xmlns:r="http://schemas.openxmlformats.org/officeDocument/2006/relationships" xmlns:p="http://schemas.openxmlformats.org/presentationml/2006/main">
+  <p:cSld>
+    <p:spTree>
+      <p:nvGrpSpPr>
+        <p:cNvPr id="1" name=""/>
+        <p:cNvGrpSpPr/>
+        <p:nvPr/>
+      </p:nvGrpSpPr>
+      <p:grpSpPr>
+        <a:xfrm>
+          <a:off x="0" y="0"/>
+          <a:ext cx="0" cy="0"/>
+          <a:chOff x="0" y="0"/>
+          <a:chExt cx="0" cy="0"/>
+        </a:xfrm>
+      </p:grpSpPr>
+      <p:sp>
+        <p:nvSpPr>
+          <p:cNvPr id="2" name="Slide Image Placeholder 1"/>
+          <p:cNvSpPr>
+            <a:spLocks noGrp="1" noRot="1" noChangeAspect="1"/>
+          </p:cNvSpPr>
+          <p:nvPr>
+            <p:ph type="sldImg"/>
+          </p:nvPr>
+        </p:nvSpPr>
+        <p:spPr/>
+      </p:sp>
+      <p:sp>
+        <p:nvSpPr>
+          <p:cNvPr id="3" name="Notes Placeholder 2"/>
+          <p:cNvSpPr>
+            <a:spLocks noGrp="1"/>
+          </p:cNvSpPr>
+          <p:nvPr>
+            <p:ph type="body" idx="1"/>
+          </p:nvPr>
+        </p:nvSpPr>
+        <p:spPr/>
+        <p:txBody>
+          <a:bodyPr/>
+          <a:lstStyle/>
+          <a:p>
+            <a:r>
+              <a:rPr lang="en-US" dirty="0" smtClean="0"/>
+              <a:t>Andrew</a:t>
+            </a:r>
+            <a:endParaRPr lang="en-US" dirty="0"/>
+          </a:p>
+        </p:txBody>
+      </p:sp>
+      <p:sp>
+        <p:nvSpPr>
+          <p:cNvPr id="4" name="Slide Number Placeholder 3"/>
+          <p:cNvSpPr>
+            <a:spLocks noGrp="1"/>
+          </p:cNvSpPr>
+          <p:nvPr>
+            <p:ph type="sldNum" sz="quarter" idx="10"/>
+          </p:nvPr>
+        </p:nvSpPr>
+        <p:spPr/>
+        <p:txBody>
+          <a:bodyPr/>
+          <a:lstStyle/>
+          <a:p>
+            <a:fld id="{3055ACD7-FFEB-4D45-B5D3-FABBFADBCB0B}" type="slidenum">
+              <a:rPr lang="en-US" smtClean="0"/>
+              <a:t>8</a:t>
+            </a:fld>
+            <a:endParaRPr lang="en-US"/>
+          </a:p>
+        </p:txBody>
+      </p:sp>
+    </p:spTree>
+    <p:extLst>
+      <p:ext uri="{BB962C8B-B14F-4D97-AF65-F5344CB8AC3E}">
+        <p14:creationId xmlns:p14="http://schemas.microsoft.com/office/powerpoint/2010/main" val="1472244417"/>
+      </p:ext>
+    </p:extLst>
+  </p:cSld>
+  <p:clrMapOvr>
+    <a:masterClrMapping/>
+  </p:clrMapOvr>
+</p:notes>
+</file>
+
 <file path=ppt/slideLayouts/slideLayout1.xml><?xml version="1.0" encoding="utf-8"?>
-<p:sldLayout xmlns:a="http://schemas.openxmlformats.org/drawingml/2006/main" xmlns:r="http://schemas.openxmlformats.org/officeDocument/2006/relationships" xmlns:p="http://schemas.openxmlformats.org/presentationml/2006/main" type="title" preserve="1">
+<p:sldLayout xmlns:a="http://schemas.openxmlformats.org/drawingml/2006/main" xmlns:r="http://schemas.openxmlformats.org/officeDocument/2006/relationships" xmlns:p="http://schemas.openxmlformats.org/presentationml/2006/main" showMasterSp="0" type="title" preserve="1">
   <p:cSld name="Title Slide">
     <p:spTree>
       <p:nvGrpSpPr>
@@ -619,6 +1304,536 @@
           <a:chExt cx="0" cy="0"/>
         </a:xfrm>
       </p:grpSpPr>
+      <p:grpSp>
+        <p:nvGrpSpPr>
+          <p:cNvPr id="7" name="Group 6"/>
+          <p:cNvGrpSpPr/>
+          <p:nvPr/>
+        </p:nvGrpSpPr>
+        <p:grpSpPr>
+          <a:xfrm>
+            <a:off x="0" y="-8467"/>
+            <a:ext cx="12192000" cy="6866467"/>
+            <a:chOff x="0" y="-8467"/>
+            <a:chExt cx="12192000" cy="6866467"/>
+          </a:xfrm>
+        </p:grpSpPr>
+        <p:cxnSp>
+          <p:nvCxnSpPr>
+            <p:cNvPr id="32" name="Straight Connector 31"/>
+            <p:cNvCxnSpPr/>
+            <p:nvPr/>
+          </p:nvCxnSpPr>
+          <p:spPr>
+            <a:xfrm>
+              <a:off x="9371012" y="0"/>
+              <a:ext cx="1219200" cy="6858000"/>
+            </a:xfrm>
+            <a:prstGeom prst="line">
+              <a:avLst/>
+            </a:prstGeom>
+            <a:ln w="9525">
+              <a:solidFill>
+                <a:schemeClr val="bg1">
+                  <a:lumMod val="75000"/>
+                </a:schemeClr>
+              </a:solidFill>
+            </a:ln>
+          </p:spPr>
+          <p:style>
+            <a:lnRef idx="2">
+              <a:schemeClr val="accent1"/>
+            </a:lnRef>
+            <a:fillRef idx="0">
+              <a:schemeClr val="accent1"/>
+            </a:fillRef>
+            <a:effectRef idx="1">
+              <a:schemeClr val="accent1"/>
+            </a:effectRef>
+            <a:fontRef idx="minor">
+              <a:schemeClr val="tx1"/>
+            </a:fontRef>
+          </p:style>
+        </p:cxnSp>
+        <p:cxnSp>
+          <p:nvCxnSpPr>
+            <p:cNvPr id="21" name="Straight Connector 20"/>
+            <p:cNvCxnSpPr/>
+            <p:nvPr/>
+          </p:nvCxnSpPr>
+          <p:spPr>
+            <a:xfrm flipH="1">
+              <a:off x="7425267" y="3681413"/>
+              <a:ext cx="4763558" cy="3176587"/>
+            </a:xfrm>
+            <a:prstGeom prst="line">
+              <a:avLst/>
+            </a:prstGeom>
+            <a:ln w="9525">
+              <a:solidFill>
+                <a:schemeClr val="bg1">
+                  <a:lumMod val="85000"/>
+                </a:schemeClr>
+              </a:solidFill>
+            </a:ln>
+          </p:spPr>
+          <p:style>
+            <a:lnRef idx="2">
+              <a:schemeClr val="accent1"/>
+            </a:lnRef>
+            <a:fillRef idx="0">
+              <a:schemeClr val="accent1"/>
+            </a:fillRef>
+            <a:effectRef idx="1">
+              <a:schemeClr val="accent1"/>
+            </a:effectRef>
+            <a:fontRef idx="minor">
+              <a:schemeClr val="tx1"/>
+            </a:fontRef>
+          </p:style>
+        </p:cxnSp>
+        <p:sp>
+          <p:nvSpPr>
+            <p:cNvPr id="24" name="Rectangle 23"/>
+            <p:cNvSpPr/>
+            <p:nvPr/>
+          </p:nvSpPr>
+          <p:spPr>
+            <a:xfrm>
+              <a:off x="9181476" y="-8467"/>
+              <a:ext cx="3007349" cy="6866467"/>
+            </a:xfrm>
+            <a:custGeom>
+              <a:avLst/>
+              <a:gdLst/>
+              <a:ahLst/>
+              <a:cxnLst/>
+              <a:rect l="l" t="t" r="r" b="b"/>
+              <a:pathLst>
+                <a:path w="3007349" h="6866467">
+                  <a:moveTo>
+                    <a:pt x="2045532" y="0"/>
+                  </a:moveTo>
+                  <a:lnTo>
+                    <a:pt x="3007349" y="0"/>
+                  </a:lnTo>
+                  <a:lnTo>
+                    <a:pt x="3007349" y="6866467"/>
+                  </a:lnTo>
+                  <a:lnTo>
+                    <a:pt x="0" y="6866467"/>
+                  </a:lnTo>
+                  <a:lnTo>
+                    <a:pt x="2045532" y="0"/>
+                  </a:lnTo>
+                  <a:close/>
+                </a:path>
+              </a:pathLst>
+            </a:custGeom>
+            <a:solidFill>
+              <a:schemeClr val="accent1">
+                <a:alpha val="30000"/>
+              </a:schemeClr>
+            </a:solidFill>
+            <a:ln>
+              <a:noFill/>
+            </a:ln>
+            <a:effectLst/>
+          </p:spPr>
+          <p:style>
+            <a:lnRef idx="1">
+              <a:schemeClr val="accent1"/>
+            </a:lnRef>
+            <a:fillRef idx="3">
+              <a:schemeClr val="accent1"/>
+            </a:fillRef>
+            <a:effectRef idx="2">
+              <a:schemeClr val="accent1"/>
+            </a:effectRef>
+            <a:fontRef idx="minor">
+              <a:schemeClr val="lt1"/>
+            </a:fontRef>
+          </p:style>
+        </p:sp>
+        <p:sp>
+          <p:nvSpPr>
+            <p:cNvPr id="26" name="Rectangle 25"/>
+            <p:cNvSpPr/>
+            <p:nvPr/>
+          </p:nvSpPr>
+          <p:spPr>
+            <a:xfrm>
+              <a:off x="9603442" y="-8467"/>
+              <a:ext cx="2588558" cy="6866467"/>
+            </a:xfrm>
+            <a:custGeom>
+              <a:avLst/>
+              <a:gdLst/>
+              <a:ahLst/>
+              <a:cxnLst/>
+              <a:rect l="l" t="t" r="r" b="b"/>
+              <a:pathLst>
+                <a:path w="2573311" h="6866467">
+                  <a:moveTo>
+                    <a:pt x="0" y="0"/>
+                  </a:moveTo>
+                  <a:lnTo>
+                    <a:pt x="2573311" y="0"/>
+                  </a:lnTo>
+                  <a:lnTo>
+                    <a:pt x="2573311" y="6866467"/>
+                  </a:lnTo>
+                  <a:lnTo>
+                    <a:pt x="1202336" y="6866467"/>
+                  </a:lnTo>
+                  <a:lnTo>
+                    <a:pt x="0" y="0"/>
+                  </a:lnTo>
+                  <a:close/>
+                </a:path>
+              </a:pathLst>
+            </a:custGeom>
+            <a:solidFill>
+              <a:schemeClr val="accent1">
+                <a:alpha val="20000"/>
+              </a:schemeClr>
+            </a:solidFill>
+            <a:ln>
+              <a:noFill/>
+            </a:ln>
+            <a:effectLst/>
+          </p:spPr>
+          <p:style>
+            <a:lnRef idx="1">
+              <a:schemeClr val="accent1"/>
+            </a:lnRef>
+            <a:fillRef idx="3">
+              <a:schemeClr val="accent1"/>
+            </a:fillRef>
+            <a:effectRef idx="2">
+              <a:schemeClr val="accent1"/>
+            </a:effectRef>
+            <a:fontRef idx="minor">
+              <a:schemeClr val="lt1"/>
+            </a:fontRef>
+          </p:style>
+        </p:sp>
+        <p:sp>
+          <p:nvSpPr>
+            <p:cNvPr id="27" name="Isosceles Triangle 26"/>
+            <p:cNvSpPr/>
+            <p:nvPr/>
+          </p:nvSpPr>
+          <p:spPr>
+            <a:xfrm>
+              <a:off x="8932333" y="3048000"/>
+              <a:ext cx="3259667" cy="3810000"/>
+            </a:xfrm>
+            <a:prstGeom prst="triangle">
+              <a:avLst>
+                <a:gd name="adj" fmla="val 100000"/>
+              </a:avLst>
+            </a:prstGeom>
+            <a:solidFill>
+              <a:schemeClr val="accent2">
+                <a:alpha val="72000"/>
+              </a:schemeClr>
+            </a:solidFill>
+            <a:ln>
+              <a:noFill/>
+            </a:ln>
+            <a:effectLst/>
+          </p:spPr>
+          <p:style>
+            <a:lnRef idx="1">
+              <a:schemeClr val="accent1"/>
+            </a:lnRef>
+            <a:fillRef idx="3">
+              <a:schemeClr val="accent1"/>
+            </a:fillRef>
+            <a:effectRef idx="2">
+              <a:schemeClr val="accent1"/>
+            </a:effectRef>
+            <a:fontRef idx="minor">
+              <a:schemeClr val="lt1"/>
+            </a:fontRef>
+          </p:style>
+        </p:sp>
+        <p:sp>
+          <p:nvSpPr>
+            <p:cNvPr id="28" name="Rectangle 27"/>
+            <p:cNvSpPr/>
+            <p:nvPr/>
+          </p:nvSpPr>
+          <p:spPr>
+            <a:xfrm>
+              <a:off x="9334500" y="-8467"/>
+              <a:ext cx="2854326" cy="6866467"/>
+            </a:xfrm>
+            <a:custGeom>
+              <a:avLst/>
+              <a:gdLst/>
+              <a:ahLst/>
+              <a:cxnLst/>
+              <a:rect l="l" t="t" r="r" b="b"/>
+              <a:pathLst>
+                <a:path w="2858013" h="6866467">
+                  <a:moveTo>
+                    <a:pt x="0" y="0"/>
+                  </a:moveTo>
+                  <a:lnTo>
+                    <a:pt x="2858013" y="0"/>
+                  </a:lnTo>
+                  <a:lnTo>
+                    <a:pt x="2858013" y="6866467"/>
+                  </a:lnTo>
+                  <a:lnTo>
+                    <a:pt x="2473942" y="6866467"/>
+                  </a:lnTo>
+                  <a:lnTo>
+                    <a:pt x="0" y="0"/>
+                  </a:lnTo>
+                  <a:close/>
+                </a:path>
+              </a:pathLst>
+            </a:custGeom>
+            <a:solidFill>
+              <a:schemeClr val="accent2">
+                <a:lumMod val="75000"/>
+                <a:alpha val="70000"/>
+              </a:schemeClr>
+            </a:solidFill>
+            <a:ln>
+              <a:noFill/>
+            </a:ln>
+            <a:effectLst/>
+          </p:spPr>
+          <p:style>
+            <a:lnRef idx="1">
+              <a:schemeClr val="accent1"/>
+            </a:lnRef>
+            <a:fillRef idx="3">
+              <a:schemeClr val="accent1"/>
+            </a:fillRef>
+            <a:effectRef idx="2">
+              <a:schemeClr val="accent1"/>
+            </a:effectRef>
+            <a:fontRef idx="minor">
+              <a:schemeClr val="lt1"/>
+            </a:fontRef>
+          </p:style>
+        </p:sp>
+        <p:sp>
+          <p:nvSpPr>
+            <p:cNvPr id="29" name="Rectangle 28"/>
+            <p:cNvSpPr/>
+            <p:nvPr/>
+          </p:nvSpPr>
+          <p:spPr>
+            <a:xfrm>
+              <a:off x="10898730" y="-8467"/>
+              <a:ext cx="1290094" cy="6866467"/>
+            </a:xfrm>
+            <a:custGeom>
+              <a:avLst/>
+              <a:gdLst/>
+              <a:ahLst/>
+              <a:cxnLst/>
+              <a:rect l="l" t="t" r="r" b="b"/>
+              <a:pathLst>
+                <a:path w="1290094" h="6858000">
+                  <a:moveTo>
+                    <a:pt x="1019735" y="0"/>
+                  </a:moveTo>
+                  <a:lnTo>
+                    <a:pt x="1290094" y="0"/>
+                  </a:lnTo>
+                  <a:lnTo>
+                    <a:pt x="1290094" y="6858000"/>
+                  </a:lnTo>
+                  <a:lnTo>
+                    <a:pt x="0" y="6858000"/>
+                  </a:lnTo>
+                  <a:lnTo>
+                    <a:pt x="1019735" y="0"/>
+                  </a:lnTo>
+                  <a:close/>
+                </a:path>
+              </a:pathLst>
+            </a:custGeom>
+            <a:solidFill>
+              <a:schemeClr val="accent1">
+                <a:lumMod val="60000"/>
+                <a:lumOff val="40000"/>
+                <a:alpha val="70000"/>
+              </a:schemeClr>
+            </a:solidFill>
+            <a:ln>
+              <a:noFill/>
+            </a:ln>
+            <a:effectLst/>
+          </p:spPr>
+          <p:style>
+            <a:lnRef idx="1">
+              <a:schemeClr val="accent1"/>
+            </a:lnRef>
+            <a:fillRef idx="3">
+              <a:schemeClr val="accent1"/>
+            </a:fillRef>
+            <a:effectRef idx="2">
+              <a:schemeClr val="accent1"/>
+            </a:effectRef>
+            <a:fontRef idx="minor">
+              <a:schemeClr val="lt1"/>
+            </a:fontRef>
+          </p:style>
+        </p:sp>
+        <p:sp>
+          <p:nvSpPr>
+            <p:cNvPr id="30" name="Rectangle 29"/>
+            <p:cNvSpPr/>
+            <p:nvPr/>
+          </p:nvSpPr>
+          <p:spPr>
+            <a:xfrm>
+              <a:off x="10938999" y="-8467"/>
+              <a:ext cx="1249825" cy="6866467"/>
+            </a:xfrm>
+            <a:custGeom>
+              <a:avLst/>
+              <a:gdLst/>
+              <a:ahLst/>
+              <a:cxnLst/>
+              <a:rect l="l" t="t" r="r" b="b"/>
+              <a:pathLst>
+                <a:path w="1249825" h="6858000">
+                  <a:moveTo>
+                    <a:pt x="0" y="0"/>
+                  </a:moveTo>
+                  <a:lnTo>
+                    <a:pt x="1249825" y="0"/>
+                  </a:lnTo>
+                  <a:lnTo>
+                    <a:pt x="1249825" y="6858000"/>
+                  </a:lnTo>
+                  <a:lnTo>
+                    <a:pt x="1109382" y="6858000"/>
+                  </a:lnTo>
+                  <a:lnTo>
+                    <a:pt x="0" y="0"/>
+                  </a:lnTo>
+                  <a:close/>
+                </a:path>
+              </a:pathLst>
+            </a:custGeom>
+            <a:solidFill>
+              <a:schemeClr val="accent1">
+                <a:alpha val="65000"/>
+              </a:schemeClr>
+            </a:solidFill>
+            <a:ln>
+              <a:noFill/>
+            </a:ln>
+            <a:effectLst/>
+          </p:spPr>
+          <p:style>
+            <a:lnRef idx="1">
+              <a:schemeClr val="accent1"/>
+            </a:lnRef>
+            <a:fillRef idx="3">
+              <a:schemeClr val="accent1"/>
+            </a:fillRef>
+            <a:effectRef idx="2">
+              <a:schemeClr val="accent1"/>
+            </a:effectRef>
+            <a:fontRef idx="minor">
+              <a:schemeClr val="lt1"/>
+            </a:fontRef>
+          </p:style>
+        </p:sp>
+        <p:sp>
+          <p:nvSpPr>
+            <p:cNvPr id="31" name="Isosceles Triangle 30"/>
+            <p:cNvSpPr/>
+            <p:nvPr/>
+          </p:nvSpPr>
+          <p:spPr>
+            <a:xfrm>
+              <a:off x="10371666" y="3589867"/>
+              <a:ext cx="1817159" cy="3268133"/>
+            </a:xfrm>
+            <a:prstGeom prst="triangle">
+              <a:avLst>
+                <a:gd name="adj" fmla="val 100000"/>
+              </a:avLst>
+            </a:prstGeom>
+            <a:solidFill>
+              <a:schemeClr val="accent1">
+                <a:alpha val="80000"/>
+              </a:schemeClr>
+            </a:solidFill>
+            <a:ln>
+              <a:noFill/>
+            </a:ln>
+            <a:effectLst/>
+          </p:spPr>
+          <p:style>
+            <a:lnRef idx="1">
+              <a:schemeClr val="accent1"/>
+            </a:lnRef>
+            <a:fillRef idx="3">
+              <a:schemeClr val="accent1"/>
+            </a:fillRef>
+            <a:effectRef idx="2">
+              <a:schemeClr val="accent1"/>
+            </a:effectRef>
+            <a:fontRef idx="minor">
+              <a:schemeClr val="lt1"/>
+            </a:fontRef>
+          </p:style>
+        </p:sp>
+        <p:sp>
+          <p:nvSpPr>
+            <p:cNvPr id="19" name="Isosceles Triangle 18"/>
+            <p:cNvSpPr/>
+            <p:nvPr/>
+          </p:nvSpPr>
+          <p:spPr>
+            <a:xfrm rot="10800000">
+              <a:off x="0" y="0"/>
+              <a:ext cx="842596" cy="5666154"/>
+            </a:xfrm>
+            <a:prstGeom prst="triangle">
+              <a:avLst>
+                <a:gd name="adj" fmla="val 100000"/>
+              </a:avLst>
+            </a:prstGeom>
+            <a:solidFill>
+              <a:schemeClr val="accent1">
+                <a:alpha val="85000"/>
+              </a:schemeClr>
+            </a:solidFill>
+            <a:ln>
+              <a:noFill/>
+            </a:ln>
+            <a:effectLst/>
+          </p:spPr>
+          <p:style>
+            <a:lnRef idx="1">
+              <a:schemeClr val="accent1"/>
+            </a:lnRef>
+            <a:fillRef idx="3">
+              <a:schemeClr val="accent1"/>
+            </a:fillRef>
+            <a:effectRef idx="2">
+              <a:schemeClr val="accent1"/>
+            </a:effectRef>
+            <a:fontRef idx="minor">
+              <a:schemeClr val="lt1"/>
+            </a:fontRef>
+          </p:style>
+        </p:sp>
+      </p:grpSp>
       <p:sp>
         <p:nvSpPr>
           <p:cNvPr id="2" name="Title 1"/>
@@ -631,15 +1846,21 @@
         </p:nvSpPr>
         <p:spPr>
           <a:xfrm>
-            <a:off x="1524000" y="1122363"/>
-            <a:ext cx="9144000" cy="2387600"/>
+            <a:off x="1507067" y="2404534"/>
+            <a:ext cx="7766936" cy="1646302"/>
           </a:xfrm>
         </p:spPr>
         <p:txBody>
-          <a:bodyPr anchor="b"/>
+          <a:bodyPr anchor="b">
+            <a:noAutofit/>
+          </a:bodyPr>
           <a:lstStyle>
-            <a:lvl1pPr algn="ctr">
-              <a:defRPr sz="6000"/>
+            <a:lvl1pPr algn="r">
+              <a:defRPr sz="5400">
+                <a:solidFill>
+                  <a:schemeClr val="accent1"/>
+                </a:solidFill>
+              </a:defRPr>
             </a:lvl1pPr>
           </a:lstStyle>
           <a:p>
@@ -647,7 +1868,7 @@
               <a:rPr lang="en-US" smtClean="0"/>
               <a:t>Click to edit Master title style</a:t>
             </a:r>
-            <a:endParaRPr lang="en-US"/>
+            <a:endParaRPr lang="en-US" dirty="0"/>
           </a:p>
         </p:txBody>
       </p:sp>
@@ -663,48 +1884,103 @@
         </p:nvSpPr>
         <p:spPr>
           <a:xfrm>
-            <a:off x="1524000" y="3602038"/>
-            <a:ext cx="9144000" cy="1655762"/>
+            <a:off x="1507067" y="4050833"/>
+            <a:ext cx="7766936" cy="1096899"/>
           </a:xfrm>
         </p:spPr>
         <p:txBody>
-          <a:bodyPr/>
+          <a:bodyPr anchor="t"/>
           <a:lstStyle>
-            <a:lvl1pPr marL="0" indent="0" algn="ctr">
-              <a:buNone/>
-              <a:defRPr sz="2400"/>
+            <a:lvl1pPr marL="0" indent="0" algn="r">
+              <a:buNone/>
+              <a:defRPr>
+                <a:solidFill>
+                  <a:schemeClr val="tx1">
+                    <a:lumMod val="50000"/>
+                    <a:lumOff val="50000"/>
+                  </a:schemeClr>
+                </a:solidFill>
+              </a:defRPr>
             </a:lvl1pPr>
             <a:lvl2pPr marL="457200" indent="0" algn="ctr">
               <a:buNone/>
-              <a:defRPr sz="2000"/>
+              <a:defRPr>
+                <a:solidFill>
+                  <a:schemeClr val="tx1">
+                    <a:tint val="75000"/>
+                  </a:schemeClr>
+                </a:solidFill>
+              </a:defRPr>
             </a:lvl2pPr>
             <a:lvl3pPr marL="914400" indent="0" algn="ctr">
               <a:buNone/>
-              <a:defRPr sz="1800"/>
+              <a:defRPr>
+                <a:solidFill>
+                  <a:schemeClr val="tx1">
+                    <a:tint val="75000"/>
+                  </a:schemeClr>
+                </a:solidFill>
+              </a:defRPr>
             </a:lvl3pPr>
             <a:lvl4pPr marL="1371600" indent="0" algn="ctr">
               <a:buNone/>
-              <a:defRPr sz="1600"/>
+              <a:defRPr>
+                <a:solidFill>
+                  <a:schemeClr val="tx1">
+                    <a:tint val="75000"/>
+                  </a:schemeClr>
+                </a:solidFill>
+              </a:defRPr>
             </a:lvl4pPr>
             <a:lvl5pPr marL="1828800" indent="0" algn="ctr">
               <a:buNone/>
-              <a:defRPr sz="1600"/>
+              <a:defRPr>
+                <a:solidFill>
+                  <a:schemeClr val="tx1">
+                    <a:tint val="75000"/>
+                  </a:schemeClr>
+                </a:solidFill>
+              </a:defRPr>
             </a:lvl5pPr>
             <a:lvl6pPr marL="2286000" indent="0" algn="ctr">
               <a:buNone/>
-              <a:defRPr sz="1600"/>
+              <a:defRPr>
+                <a:solidFill>
+                  <a:schemeClr val="tx1">
+                    <a:tint val="75000"/>
+                  </a:schemeClr>
+                </a:solidFill>
+              </a:defRPr>
             </a:lvl6pPr>
             <a:lvl7pPr marL="2743200" indent="0" algn="ctr">
               <a:buNone/>
-              <a:defRPr sz="1600"/>
+              <a:defRPr>
+                <a:solidFill>
+                  <a:schemeClr val="tx1">
+                    <a:tint val="75000"/>
+                  </a:schemeClr>
+                </a:solidFill>
+              </a:defRPr>
             </a:lvl7pPr>
             <a:lvl8pPr marL="3200400" indent="0" algn="ctr">
               <a:buNone/>
-              <a:defRPr sz="1600"/>
+              <a:defRPr>
+                <a:solidFill>
+                  <a:schemeClr val="tx1">
+                    <a:tint val="75000"/>
+                  </a:schemeClr>
+                </a:solidFill>
+              </a:defRPr>
             </a:lvl8pPr>
             <a:lvl9pPr marL="3657600" indent="0" algn="ctr">
               <a:buNone/>
-              <a:defRPr sz="1600"/>
+              <a:defRPr>
+                <a:solidFill>
+                  <a:schemeClr val="tx1">
+                    <a:tint val="75000"/>
+                  </a:schemeClr>
+                </a:solidFill>
+              </a:defRPr>
             </a:lvl9pPr>
           </a:lstStyle>
           <a:p>
@@ -712,7 +1988,7 @@
               <a:rPr lang="en-US" smtClean="0"/>
               <a:t>Click to edit Master subtitle style</a:t>
             </a:r>
-            <a:endParaRPr lang="en-US"/>
+            <a:endParaRPr lang="en-US" dirty="0"/>
           </a:p>
         </p:txBody>
       </p:sp>
@@ -733,7 +2009,7 @@
           <a:p>
             <a:fld id="{E147C991-5936-49D3-B8BD-885B9AA452C4}" type="datetimeFigureOut">
               <a:rPr lang="en-US" smtClean="0"/>
-              <a:t>7/27/2020</a:t>
+              <a:t>7/28/2020</a:t>
             </a:fld>
             <a:endParaRPr lang="en-US"/>
           </a:p>
@@ -784,7 +2060,7 @@
     </p:spTree>
     <p:extLst>
       <p:ext uri="{BB962C8B-B14F-4D97-AF65-F5344CB8AC3E}">
-        <p14:creationId xmlns:p14="http://schemas.microsoft.com/office/powerpoint/2010/main" val="1804806565"/>
+        <p14:creationId xmlns:p14="http://schemas.microsoft.com/office/powerpoint/2010/main" val="3864251185"/>
       </p:ext>
     </p:extLst>
   </p:cSld>
@@ -795,6 +2071,1619 @@
 </file>
 
 <file path=ppt/slideLayouts/slideLayout10.xml><?xml version="1.0" encoding="utf-8"?>
+<p:sldLayout xmlns:a="http://schemas.openxmlformats.org/drawingml/2006/main" xmlns:r="http://schemas.openxmlformats.org/officeDocument/2006/relationships" xmlns:p="http://schemas.openxmlformats.org/presentationml/2006/main" preserve="1">
+  <p:cSld name="Title and Caption">
+    <p:spTree>
+      <p:nvGrpSpPr>
+        <p:cNvPr id="1" name=""/>
+        <p:cNvGrpSpPr/>
+        <p:nvPr/>
+      </p:nvGrpSpPr>
+      <p:grpSpPr>
+        <a:xfrm>
+          <a:off x="0" y="0"/>
+          <a:ext cx="0" cy="0"/>
+          <a:chOff x="0" y="0"/>
+          <a:chExt cx="0" cy="0"/>
+        </a:xfrm>
+      </p:grpSpPr>
+      <p:sp>
+        <p:nvSpPr>
+          <p:cNvPr id="2" name="Title 1"/>
+          <p:cNvSpPr>
+            <a:spLocks noGrp="1"/>
+          </p:cNvSpPr>
+          <p:nvPr>
+            <p:ph type="title"/>
+          </p:nvPr>
+        </p:nvSpPr>
+        <p:spPr>
+          <a:xfrm>
+            <a:off x="677335" y="609600"/>
+            <a:ext cx="8596668" cy="3403600"/>
+          </a:xfrm>
+        </p:spPr>
+        <p:txBody>
+          <a:bodyPr anchor="ctr">
+            <a:normAutofit/>
+          </a:bodyPr>
+          <a:lstStyle>
+            <a:lvl1pPr algn="l">
+              <a:defRPr sz="4400" b="0" cap="none"/>
+            </a:lvl1pPr>
+          </a:lstStyle>
+          <a:p>
+            <a:r>
+              <a:rPr lang="en-US" smtClean="0"/>
+              <a:t>Click to edit Master title style</a:t>
+            </a:r>
+            <a:endParaRPr lang="en-US" dirty="0"/>
+          </a:p>
+        </p:txBody>
+      </p:sp>
+      <p:sp>
+        <p:nvSpPr>
+          <p:cNvPr id="3" name="Text Placeholder 2"/>
+          <p:cNvSpPr>
+            <a:spLocks noGrp="1"/>
+          </p:cNvSpPr>
+          <p:nvPr>
+            <p:ph type="body" idx="1"/>
+          </p:nvPr>
+        </p:nvSpPr>
+        <p:spPr>
+          <a:xfrm>
+            <a:off x="677335" y="4470400"/>
+            <a:ext cx="8596668" cy="1570962"/>
+          </a:xfrm>
+        </p:spPr>
+        <p:txBody>
+          <a:bodyPr anchor="ctr">
+            <a:normAutofit/>
+          </a:bodyPr>
+          <a:lstStyle>
+            <a:lvl1pPr marL="0" indent="0" algn="l">
+              <a:buNone/>
+              <a:defRPr sz="1800">
+                <a:solidFill>
+                  <a:schemeClr val="tx1">
+                    <a:lumMod val="75000"/>
+                    <a:lumOff val="25000"/>
+                  </a:schemeClr>
+                </a:solidFill>
+              </a:defRPr>
+            </a:lvl1pPr>
+            <a:lvl2pPr marL="457200" indent="0">
+              <a:buNone/>
+              <a:defRPr sz="1800">
+                <a:solidFill>
+                  <a:schemeClr val="tx1">
+                    <a:tint val="75000"/>
+                  </a:schemeClr>
+                </a:solidFill>
+              </a:defRPr>
+            </a:lvl2pPr>
+            <a:lvl3pPr marL="914400" indent="0">
+              <a:buNone/>
+              <a:defRPr sz="1600">
+                <a:solidFill>
+                  <a:schemeClr val="tx1">
+                    <a:tint val="75000"/>
+                  </a:schemeClr>
+                </a:solidFill>
+              </a:defRPr>
+            </a:lvl3pPr>
+            <a:lvl4pPr marL="1371600" indent="0">
+              <a:buNone/>
+              <a:defRPr sz="1400">
+                <a:solidFill>
+                  <a:schemeClr val="tx1">
+                    <a:tint val="75000"/>
+                  </a:schemeClr>
+                </a:solidFill>
+              </a:defRPr>
+            </a:lvl4pPr>
+            <a:lvl5pPr marL="1828800" indent="0">
+              <a:buNone/>
+              <a:defRPr sz="1400">
+                <a:solidFill>
+                  <a:schemeClr val="tx1">
+                    <a:tint val="75000"/>
+                  </a:schemeClr>
+                </a:solidFill>
+              </a:defRPr>
+            </a:lvl5pPr>
+            <a:lvl6pPr marL="2286000" indent="0">
+              <a:buNone/>
+              <a:defRPr sz="1400">
+                <a:solidFill>
+                  <a:schemeClr val="tx1">
+                    <a:tint val="75000"/>
+                  </a:schemeClr>
+                </a:solidFill>
+              </a:defRPr>
+            </a:lvl6pPr>
+            <a:lvl7pPr marL="2743200" indent="0">
+              <a:buNone/>
+              <a:defRPr sz="1400">
+                <a:solidFill>
+                  <a:schemeClr val="tx1">
+                    <a:tint val="75000"/>
+                  </a:schemeClr>
+                </a:solidFill>
+              </a:defRPr>
+            </a:lvl7pPr>
+            <a:lvl8pPr marL="3200400" indent="0">
+              <a:buNone/>
+              <a:defRPr sz="1400">
+                <a:solidFill>
+                  <a:schemeClr val="tx1">
+                    <a:tint val="75000"/>
+                  </a:schemeClr>
+                </a:solidFill>
+              </a:defRPr>
+            </a:lvl8pPr>
+            <a:lvl9pPr marL="3657600" indent="0">
+              <a:buNone/>
+              <a:defRPr sz="1400">
+                <a:solidFill>
+                  <a:schemeClr val="tx1">
+                    <a:tint val="75000"/>
+                  </a:schemeClr>
+                </a:solidFill>
+              </a:defRPr>
+            </a:lvl9pPr>
+          </a:lstStyle>
+          <a:p>
+            <a:pPr lvl="0"/>
+            <a:r>
+              <a:rPr lang="en-US" smtClean="0"/>
+              <a:t>Click to edit Master text styles</a:t>
+            </a:r>
+          </a:p>
+        </p:txBody>
+      </p:sp>
+      <p:sp>
+        <p:nvSpPr>
+          <p:cNvPr id="4" name="Date Placeholder 3"/>
+          <p:cNvSpPr>
+            <a:spLocks noGrp="1"/>
+          </p:cNvSpPr>
+          <p:nvPr>
+            <p:ph type="dt" sz="half" idx="10"/>
+          </p:nvPr>
+        </p:nvSpPr>
+        <p:spPr/>
+        <p:txBody>
+          <a:bodyPr/>
+          <a:lstStyle/>
+          <a:p>
+            <a:fld id="{E147C991-5936-49D3-B8BD-885B9AA452C4}" type="datetimeFigureOut">
+              <a:rPr lang="en-US" smtClean="0"/>
+              <a:t>7/28/2020</a:t>
+            </a:fld>
+            <a:endParaRPr lang="en-US"/>
+          </a:p>
+        </p:txBody>
+      </p:sp>
+      <p:sp>
+        <p:nvSpPr>
+          <p:cNvPr id="5" name="Footer Placeholder 4"/>
+          <p:cNvSpPr>
+            <a:spLocks noGrp="1"/>
+          </p:cNvSpPr>
+          <p:nvPr>
+            <p:ph type="ftr" sz="quarter" idx="11"/>
+          </p:nvPr>
+        </p:nvSpPr>
+        <p:spPr/>
+        <p:txBody>
+          <a:bodyPr/>
+          <a:lstStyle/>
+          <a:p>
+            <a:endParaRPr lang="en-US"/>
+          </a:p>
+        </p:txBody>
+      </p:sp>
+      <p:sp>
+        <p:nvSpPr>
+          <p:cNvPr id="6" name="Slide Number Placeholder 5"/>
+          <p:cNvSpPr>
+            <a:spLocks noGrp="1"/>
+          </p:cNvSpPr>
+          <p:nvPr>
+            <p:ph type="sldNum" sz="quarter" idx="12"/>
+          </p:nvPr>
+        </p:nvSpPr>
+        <p:spPr/>
+        <p:txBody>
+          <a:bodyPr/>
+          <a:lstStyle/>
+          <a:p>
+            <a:fld id="{47149014-A3A4-43BE-B2E4-296E1EE33DFB}" type="slidenum">
+              <a:rPr lang="en-US" smtClean="0"/>
+              <a:t>‹#›</a:t>
+            </a:fld>
+            <a:endParaRPr lang="en-US"/>
+          </a:p>
+        </p:txBody>
+      </p:sp>
+    </p:spTree>
+    <p:extLst>
+      <p:ext uri="{BB962C8B-B14F-4D97-AF65-F5344CB8AC3E}">
+        <p14:creationId xmlns:p14="http://schemas.microsoft.com/office/powerpoint/2010/main" val="1008717519"/>
+      </p:ext>
+    </p:extLst>
+  </p:cSld>
+  <p:clrMapOvr>
+    <a:masterClrMapping/>
+  </p:clrMapOvr>
+</p:sldLayout>
+</file>
+
+<file path=ppt/slideLayouts/slideLayout11.xml><?xml version="1.0" encoding="utf-8"?>
+<p:sldLayout xmlns:a="http://schemas.openxmlformats.org/drawingml/2006/main" xmlns:r="http://schemas.openxmlformats.org/officeDocument/2006/relationships" xmlns:p="http://schemas.openxmlformats.org/presentationml/2006/main" preserve="1">
+  <p:cSld name="Quote with Caption">
+    <p:spTree>
+      <p:nvGrpSpPr>
+        <p:cNvPr id="1" name=""/>
+        <p:cNvGrpSpPr/>
+        <p:nvPr/>
+      </p:nvGrpSpPr>
+      <p:grpSpPr>
+        <a:xfrm>
+          <a:off x="0" y="0"/>
+          <a:ext cx="0" cy="0"/>
+          <a:chOff x="0" y="0"/>
+          <a:chExt cx="0" cy="0"/>
+        </a:xfrm>
+      </p:grpSpPr>
+      <p:sp>
+        <p:nvSpPr>
+          <p:cNvPr id="2" name="Title 1"/>
+          <p:cNvSpPr>
+            <a:spLocks noGrp="1"/>
+          </p:cNvSpPr>
+          <p:nvPr>
+            <p:ph type="title"/>
+          </p:nvPr>
+        </p:nvSpPr>
+        <p:spPr>
+          <a:xfrm>
+            <a:off x="931334" y="609600"/>
+            <a:ext cx="8094134" cy="3022600"/>
+          </a:xfrm>
+        </p:spPr>
+        <p:txBody>
+          <a:bodyPr anchor="ctr">
+            <a:normAutofit/>
+          </a:bodyPr>
+          <a:lstStyle>
+            <a:lvl1pPr algn="l">
+              <a:defRPr sz="4400" b="0" cap="none"/>
+            </a:lvl1pPr>
+          </a:lstStyle>
+          <a:p>
+            <a:r>
+              <a:rPr lang="en-US" smtClean="0"/>
+              <a:t>Click to edit Master title style</a:t>
+            </a:r>
+            <a:endParaRPr lang="en-US" dirty="0"/>
+          </a:p>
+        </p:txBody>
+      </p:sp>
+      <p:sp>
+        <p:nvSpPr>
+          <p:cNvPr id="23" name="Text Placeholder 9"/>
+          <p:cNvSpPr>
+            <a:spLocks noGrp="1"/>
+          </p:cNvSpPr>
+          <p:nvPr>
+            <p:ph type="body" sz="quarter" idx="13"/>
+          </p:nvPr>
+        </p:nvSpPr>
+        <p:spPr>
+          <a:xfrm>
+            <a:off x="1366139" y="3632200"/>
+            <a:ext cx="7224524" cy="381000"/>
+          </a:xfrm>
+        </p:spPr>
+        <p:txBody>
+          <a:bodyPr anchor="ctr">
+            <a:noAutofit/>
+          </a:bodyPr>
+          <a:lstStyle>
+            <a:lvl1pPr marL="0" indent="0">
+              <a:buFontTx/>
+              <a:buNone/>
+              <a:defRPr sz="1600">
+                <a:solidFill>
+                  <a:schemeClr val="tx1">
+                    <a:lumMod val="50000"/>
+                    <a:lumOff val="50000"/>
+                  </a:schemeClr>
+                </a:solidFill>
+              </a:defRPr>
+            </a:lvl1pPr>
+            <a:lvl2pPr marL="457200" indent="0">
+              <a:buFontTx/>
+              <a:buNone/>
+              <a:defRPr/>
+            </a:lvl2pPr>
+            <a:lvl3pPr marL="914400" indent="0">
+              <a:buFontTx/>
+              <a:buNone/>
+              <a:defRPr/>
+            </a:lvl3pPr>
+            <a:lvl4pPr marL="1371600" indent="0">
+              <a:buFontTx/>
+              <a:buNone/>
+              <a:defRPr/>
+            </a:lvl4pPr>
+            <a:lvl5pPr marL="1828800" indent="0">
+              <a:buFontTx/>
+              <a:buNone/>
+              <a:defRPr/>
+            </a:lvl5pPr>
+          </a:lstStyle>
+          <a:p>
+            <a:pPr lvl="0"/>
+            <a:r>
+              <a:rPr lang="en-US" smtClean="0"/>
+              <a:t>Click to edit Master text styles</a:t>
+            </a:r>
+          </a:p>
+        </p:txBody>
+      </p:sp>
+      <p:sp>
+        <p:nvSpPr>
+          <p:cNvPr id="3" name="Text Placeholder 2"/>
+          <p:cNvSpPr>
+            <a:spLocks noGrp="1"/>
+          </p:cNvSpPr>
+          <p:nvPr>
+            <p:ph type="body" idx="1"/>
+          </p:nvPr>
+        </p:nvSpPr>
+        <p:spPr>
+          <a:xfrm>
+            <a:off x="677335" y="4470400"/>
+            <a:ext cx="8596668" cy="1570962"/>
+          </a:xfrm>
+        </p:spPr>
+        <p:txBody>
+          <a:bodyPr anchor="ctr">
+            <a:normAutofit/>
+          </a:bodyPr>
+          <a:lstStyle>
+            <a:lvl1pPr marL="0" indent="0" algn="l">
+              <a:buNone/>
+              <a:defRPr sz="1800">
+                <a:solidFill>
+                  <a:schemeClr val="tx1">
+                    <a:lumMod val="75000"/>
+                    <a:lumOff val="25000"/>
+                  </a:schemeClr>
+                </a:solidFill>
+              </a:defRPr>
+            </a:lvl1pPr>
+            <a:lvl2pPr marL="457200" indent="0">
+              <a:buNone/>
+              <a:defRPr sz="1800">
+                <a:solidFill>
+                  <a:schemeClr val="tx1">
+                    <a:tint val="75000"/>
+                  </a:schemeClr>
+                </a:solidFill>
+              </a:defRPr>
+            </a:lvl2pPr>
+            <a:lvl3pPr marL="914400" indent="0">
+              <a:buNone/>
+              <a:defRPr sz="1600">
+                <a:solidFill>
+                  <a:schemeClr val="tx1">
+                    <a:tint val="75000"/>
+                  </a:schemeClr>
+                </a:solidFill>
+              </a:defRPr>
+            </a:lvl3pPr>
+            <a:lvl4pPr marL="1371600" indent="0">
+              <a:buNone/>
+              <a:defRPr sz="1400">
+                <a:solidFill>
+                  <a:schemeClr val="tx1">
+                    <a:tint val="75000"/>
+                  </a:schemeClr>
+                </a:solidFill>
+              </a:defRPr>
+            </a:lvl4pPr>
+            <a:lvl5pPr marL="1828800" indent="0">
+              <a:buNone/>
+              <a:defRPr sz="1400">
+                <a:solidFill>
+                  <a:schemeClr val="tx1">
+                    <a:tint val="75000"/>
+                  </a:schemeClr>
+                </a:solidFill>
+              </a:defRPr>
+            </a:lvl5pPr>
+            <a:lvl6pPr marL="2286000" indent="0">
+              <a:buNone/>
+              <a:defRPr sz="1400">
+                <a:solidFill>
+                  <a:schemeClr val="tx1">
+                    <a:tint val="75000"/>
+                  </a:schemeClr>
+                </a:solidFill>
+              </a:defRPr>
+            </a:lvl6pPr>
+            <a:lvl7pPr marL="2743200" indent="0">
+              <a:buNone/>
+              <a:defRPr sz="1400">
+                <a:solidFill>
+                  <a:schemeClr val="tx1">
+                    <a:tint val="75000"/>
+                  </a:schemeClr>
+                </a:solidFill>
+              </a:defRPr>
+            </a:lvl7pPr>
+            <a:lvl8pPr marL="3200400" indent="0">
+              <a:buNone/>
+              <a:defRPr sz="1400">
+                <a:solidFill>
+                  <a:schemeClr val="tx1">
+                    <a:tint val="75000"/>
+                  </a:schemeClr>
+                </a:solidFill>
+              </a:defRPr>
+            </a:lvl8pPr>
+            <a:lvl9pPr marL="3657600" indent="0">
+              <a:buNone/>
+              <a:defRPr sz="1400">
+                <a:solidFill>
+                  <a:schemeClr val="tx1">
+                    <a:tint val="75000"/>
+                  </a:schemeClr>
+                </a:solidFill>
+              </a:defRPr>
+            </a:lvl9pPr>
+          </a:lstStyle>
+          <a:p>
+            <a:pPr lvl="0"/>
+            <a:r>
+              <a:rPr lang="en-US" smtClean="0"/>
+              <a:t>Click to edit Master text styles</a:t>
+            </a:r>
+          </a:p>
+        </p:txBody>
+      </p:sp>
+      <p:sp>
+        <p:nvSpPr>
+          <p:cNvPr id="4" name="Date Placeholder 3"/>
+          <p:cNvSpPr>
+            <a:spLocks noGrp="1"/>
+          </p:cNvSpPr>
+          <p:nvPr>
+            <p:ph type="dt" sz="half" idx="10"/>
+          </p:nvPr>
+        </p:nvSpPr>
+        <p:spPr/>
+        <p:txBody>
+          <a:bodyPr/>
+          <a:lstStyle/>
+          <a:p>
+            <a:fld id="{E147C991-5936-49D3-B8BD-885B9AA452C4}" type="datetimeFigureOut">
+              <a:rPr lang="en-US" smtClean="0"/>
+              <a:t>7/28/2020</a:t>
+            </a:fld>
+            <a:endParaRPr lang="en-US"/>
+          </a:p>
+        </p:txBody>
+      </p:sp>
+      <p:sp>
+        <p:nvSpPr>
+          <p:cNvPr id="5" name="Footer Placeholder 4"/>
+          <p:cNvSpPr>
+            <a:spLocks noGrp="1"/>
+          </p:cNvSpPr>
+          <p:nvPr>
+            <p:ph type="ftr" sz="quarter" idx="11"/>
+          </p:nvPr>
+        </p:nvSpPr>
+        <p:spPr/>
+        <p:txBody>
+          <a:bodyPr/>
+          <a:lstStyle/>
+          <a:p>
+            <a:endParaRPr lang="en-US"/>
+          </a:p>
+        </p:txBody>
+      </p:sp>
+      <p:sp>
+        <p:nvSpPr>
+          <p:cNvPr id="6" name="Slide Number Placeholder 5"/>
+          <p:cNvSpPr>
+            <a:spLocks noGrp="1"/>
+          </p:cNvSpPr>
+          <p:nvPr>
+            <p:ph type="sldNum" sz="quarter" idx="12"/>
+          </p:nvPr>
+        </p:nvSpPr>
+        <p:spPr/>
+        <p:txBody>
+          <a:bodyPr/>
+          <a:lstStyle/>
+          <a:p>
+            <a:fld id="{47149014-A3A4-43BE-B2E4-296E1EE33DFB}" type="slidenum">
+              <a:rPr lang="en-US" smtClean="0"/>
+              <a:t>‹#›</a:t>
+            </a:fld>
+            <a:endParaRPr lang="en-US"/>
+          </a:p>
+        </p:txBody>
+      </p:sp>
+      <p:sp>
+        <p:nvSpPr>
+          <p:cNvPr id="20" name="TextBox 19"/>
+          <p:cNvSpPr txBox="1"/>
+          <p:nvPr/>
+        </p:nvSpPr>
+        <p:spPr>
+          <a:xfrm>
+            <a:off x="541870" y="790378"/>
+            <a:ext cx="609600" cy="584776"/>
+          </a:xfrm>
+          <a:prstGeom prst="rect">
+            <a:avLst/>
+          </a:prstGeom>
+        </p:spPr>
+        <p:txBody>
+          <a:bodyPr vert="horz" lIns="91440" tIns="45720" rIns="91440" bIns="45720" rtlCol="0" anchor="ctr">
+            <a:noAutofit/>
+          </a:bodyPr>
+          <a:lstStyle/>
+          <a:p>
+            <a:pPr lvl="0"/>
+            <a:r>
+              <a:rPr lang="en-US" sz="8000" baseline="0" dirty="0">
+                <a:ln w="3175" cmpd="sng">
+                  <a:noFill/>
+                </a:ln>
+                <a:solidFill>
+                  <a:schemeClr val="accent1">
+                    <a:lumMod val="60000"/>
+                    <a:lumOff val="40000"/>
+                  </a:schemeClr>
+                </a:solidFill>
+                <a:effectLst/>
+                <a:latin typeface="Arial"/>
+              </a:rPr>
+              <a:t>“</a:t>
+            </a:r>
+          </a:p>
+        </p:txBody>
+      </p:sp>
+      <p:sp>
+        <p:nvSpPr>
+          <p:cNvPr id="22" name="TextBox 21"/>
+          <p:cNvSpPr txBox="1"/>
+          <p:nvPr/>
+        </p:nvSpPr>
+        <p:spPr>
+          <a:xfrm>
+            <a:off x="8893011" y="2886556"/>
+            <a:ext cx="609600" cy="584776"/>
+          </a:xfrm>
+          <a:prstGeom prst="rect">
+            <a:avLst/>
+          </a:prstGeom>
+        </p:spPr>
+        <p:txBody>
+          <a:bodyPr vert="horz" lIns="91440" tIns="45720" rIns="91440" bIns="45720" rtlCol="0" anchor="ctr">
+            <a:noAutofit/>
+          </a:bodyPr>
+          <a:lstStyle/>
+          <a:p>
+            <a:pPr lvl="0"/>
+            <a:r>
+              <a:rPr lang="en-US" sz="8000" baseline="0" dirty="0">
+                <a:ln w="3175" cmpd="sng">
+                  <a:noFill/>
+                </a:ln>
+                <a:solidFill>
+                  <a:schemeClr val="accent1">
+                    <a:lumMod val="60000"/>
+                    <a:lumOff val="40000"/>
+                  </a:schemeClr>
+                </a:solidFill>
+                <a:latin typeface="Arial"/>
+              </a:rPr>
+              <a:t>”</a:t>
+            </a:r>
+            <a:endParaRPr lang="en-US" dirty="0">
+              <a:solidFill>
+                <a:schemeClr val="accent1">
+                  <a:lumMod val="60000"/>
+                  <a:lumOff val="40000"/>
+                </a:schemeClr>
+              </a:solidFill>
+              <a:latin typeface="Arial"/>
+            </a:endParaRPr>
+          </a:p>
+        </p:txBody>
+      </p:sp>
+    </p:spTree>
+    <p:extLst>
+      <p:ext uri="{BB962C8B-B14F-4D97-AF65-F5344CB8AC3E}">
+        <p14:creationId xmlns:p14="http://schemas.microsoft.com/office/powerpoint/2010/main" val="79210079"/>
+      </p:ext>
+    </p:extLst>
+  </p:cSld>
+  <p:clrMapOvr>
+    <a:masterClrMapping/>
+  </p:clrMapOvr>
+</p:sldLayout>
+</file>
+
+<file path=ppt/slideLayouts/slideLayout12.xml><?xml version="1.0" encoding="utf-8"?>
+<p:sldLayout xmlns:a="http://schemas.openxmlformats.org/drawingml/2006/main" xmlns:r="http://schemas.openxmlformats.org/officeDocument/2006/relationships" xmlns:p="http://schemas.openxmlformats.org/presentationml/2006/main" preserve="1">
+  <p:cSld name="Name Card">
+    <p:spTree>
+      <p:nvGrpSpPr>
+        <p:cNvPr id="1" name=""/>
+        <p:cNvGrpSpPr/>
+        <p:nvPr/>
+      </p:nvGrpSpPr>
+      <p:grpSpPr>
+        <a:xfrm>
+          <a:off x="0" y="0"/>
+          <a:ext cx="0" cy="0"/>
+          <a:chOff x="0" y="0"/>
+          <a:chExt cx="0" cy="0"/>
+        </a:xfrm>
+      </p:grpSpPr>
+      <p:sp>
+        <p:nvSpPr>
+          <p:cNvPr id="2" name="Title 1"/>
+          <p:cNvSpPr>
+            <a:spLocks noGrp="1"/>
+          </p:cNvSpPr>
+          <p:nvPr>
+            <p:ph type="title"/>
+          </p:nvPr>
+        </p:nvSpPr>
+        <p:spPr>
+          <a:xfrm>
+            <a:off x="677335" y="1931988"/>
+            <a:ext cx="8596668" cy="2595460"/>
+          </a:xfrm>
+        </p:spPr>
+        <p:txBody>
+          <a:bodyPr anchor="b">
+            <a:normAutofit/>
+          </a:bodyPr>
+          <a:lstStyle>
+            <a:lvl1pPr algn="l">
+              <a:defRPr sz="4400" b="0" cap="none"/>
+            </a:lvl1pPr>
+          </a:lstStyle>
+          <a:p>
+            <a:r>
+              <a:rPr lang="en-US" smtClean="0"/>
+              <a:t>Click to edit Master title style</a:t>
+            </a:r>
+            <a:endParaRPr lang="en-US" dirty="0"/>
+          </a:p>
+        </p:txBody>
+      </p:sp>
+      <p:sp>
+        <p:nvSpPr>
+          <p:cNvPr id="3" name="Text Placeholder 2"/>
+          <p:cNvSpPr>
+            <a:spLocks noGrp="1"/>
+          </p:cNvSpPr>
+          <p:nvPr>
+            <p:ph type="body" idx="1"/>
+          </p:nvPr>
+        </p:nvSpPr>
+        <p:spPr>
+          <a:xfrm>
+            <a:off x="677335" y="4527448"/>
+            <a:ext cx="8596668" cy="1513914"/>
+          </a:xfrm>
+        </p:spPr>
+        <p:txBody>
+          <a:bodyPr anchor="t">
+            <a:normAutofit/>
+          </a:bodyPr>
+          <a:lstStyle>
+            <a:lvl1pPr marL="0" indent="0" algn="l">
+              <a:buNone/>
+              <a:defRPr sz="1800">
+                <a:solidFill>
+                  <a:schemeClr val="tx1">
+                    <a:lumMod val="75000"/>
+                    <a:lumOff val="25000"/>
+                  </a:schemeClr>
+                </a:solidFill>
+              </a:defRPr>
+            </a:lvl1pPr>
+            <a:lvl2pPr marL="457200" indent="0">
+              <a:buNone/>
+              <a:defRPr sz="1800">
+                <a:solidFill>
+                  <a:schemeClr val="tx1">
+                    <a:tint val="75000"/>
+                  </a:schemeClr>
+                </a:solidFill>
+              </a:defRPr>
+            </a:lvl2pPr>
+            <a:lvl3pPr marL="914400" indent="0">
+              <a:buNone/>
+              <a:defRPr sz="1600">
+                <a:solidFill>
+                  <a:schemeClr val="tx1">
+                    <a:tint val="75000"/>
+                  </a:schemeClr>
+                </a:solidFill>
+              </a:defRPr>
+            </a:lvl3pPr>
+            <a:lvl4pPr marL="1371600" indent="0">
+              <a:buNone/>
+              <a:defRPr sz="1400">
+                <a:solidFill>
+                  <a:schemeClr val="tx1">
+                    <a:tint val="75000"/>
+                  </a:schemeClr>
+                </a:solidFill>
+              </a:defRPr>
+            </a:lvl4pPr>
+            <a:lvl5pPr marL="1828800" indent="0">
+              <a:buNone/>
+              <a:defRPr sz="1400">
+                <a:solidFill>
+                  <a:schemeClr val="tx1">
+                    <a:tint val="75000"/>
+                  </a:schemeClr>
+                </a:solidFill>
+              </a:defRPr>
+            </a:lvl5pPr>
+            <a:lvl6pPr marL="2286000" indent="0">
+              <a:buNone/>
+              <a:defRPr sz="1400">
+                <a:solidFill>
+                  <a:schemeClr val="tx1">
+                    <a:tint val="75000"/>
+                  </a:schemeClr>
+                </a:solidFill>
+              </a:defRPr>
+            </a:lvl6pPr>
+            <a:lvl7pPr marL="2743200" indent="0">
+              <a:buNone/>
+              <a:defRPr sz="1400">
+                <a:solidFill>
+                  <a:schemeClr val="tx1">
+                    <a:tint val="75000"/>
+                  </a:schemeClr>
+                </a:solidFill>
+              </a:defRPr>
+            </a:lvl7pPr>
+            <a:lvl8pPr marL="3200400" indent="0">
+              <a:buNone/>
+              <a:defRPr sz="1400">
+                <a:solidFill>
+                  <a:schemeClr val="tx1">
+                    <a:tint val="75000"/>
+                  </a:schemeClr>
+                </a:solidFill>
+              </a:defRPr>
+            </a:lvl8pPr>
+            <a:lvl9pPr marL="3657600" indent="0">
+              <a:buNone/>
+              <a:defRPr sz="1400">
+                <a:solidFill>
+                  <a:schemeClr val="tx1">
+                    <a:tint val="75000"/>
+                  </a:schemeClr>
+                </a:solidFill>
+              </a:defRPr>
+            </a:lvl9pPr>
+          </a:lstStyle>
+          <a:p>
+            <a:pPr lvl="0"/>
+            <a:r>
+              <a:rPr lang="en-US" smtClean="0"/>
+              <a:t>Click to edit Master text styles</a:t>
+            </a:r>
+          </a:p>
+        </p:txBody>
+      </p:sp>
+      <p:sp>
+        <p:nvSpPr>
+          <p:cNvPr id="4" name="Date Placeholder 3"/>
+          <p:cNvSpPr>
+            <a:spLocks noGrp="1"/>
+          </p:cNvSpPr>
+          <p:nvPr>
+            <p:ph type="dt" sz="half" idx="10"/>
+          </p:nvPr>
+        </p:nvSpPr>
+        <p:spPr/>
+        <p:txBody>
+          <a:bodyPr/>
+          <a:lstStyle/>
+          <a:p>
+            <a:fld id="{E147C991-5936-49D3-B8BD-885B9AA452C4}" type="datetimeFigureOut">
+              <a:rPr lang="en-US" smtClean="0"/>
+              <a:t>7/28/2020</a:t>
+            </a:fld>
+            <a:endParaRPr lang="en-US"/>
+          </a:p>
+        </p:txBody>
+      </p:sp>
+      <p:sp>
+        <p:nvSpPr>
+          <p:cNvPr id="5" name="Footer Placeholder 4"/>
+          <p:cNvSpPr>
+            <a:spLocks noGrp="1"/>
+          </p:cNvSpPr>
+          <p:nvPr>
+            <p:ph type="ftr" sz="quarter" idx="11"/>
+          </p:nvPr>
+        </p:nvSpPr>
+        <p:spPr/>
+        <p:txBody>
+          <a:bodyPr/>
+          <a:lstStyle/>
+          <a:p>
+            <a:endParaRPr lang="en-US"/>
+          </a:p>
+        </p:txBody>
+      </p:sp>
+      <p:sp>
+        <p:nvSpPr>
+          <p:cNvPr id="6" name="Slide Number Placeholder 5"/>
+          <p:cNvSpPr>
+            <a:spLocks noGrp="1"/>
+          </p:cNvSpPr>
+          <p:nvPr>
+            <p:ph type="sldNum" sz="quarter" idx="12"/>
+          </p:nvPr>
+        </p:nvSpPr>
+        <p:spPr/>
+        <p:txBody>
+          <a:bodyPr/>
+          <a:lstStyle/>
+          <a:p>
+            <a:fld id="{47149014-A3A4-43BE-B2E4-296E1EE33DFB}" type="slidenum">
+              <a:rPr lang="en-US" smtClean="0"/>
+              <a:t>‹#›</a:t>
+            </a:fld>
+            <a:endParaRPr lang="en-US"/>
+          </a:p>
+        </p:txBody>
+      </p:sp>
+    </p:spTree>
+    <p:extLst>
+      <p:ext uri="{BB962C8B-B14F-4D97-AF65-F5344CB8AC3E}">
+        <p14:creationId xmlns:p14="http://schemas.microsoft.com/office/powerpoint/2010/main" val="4189305689"/>
+      </p:ext>
+    </p:extLst>
+  </p:cSld>
+  <p:clrMapOvr>
+    <a:masterClrMapping/>
+  </p:clrMapOvr>
+</p:sldLayout>
+</file>
+
+<file path=ppt/slideLayouts/slideLayout13.xml><?xml version="1.0" encoding="utf-8"?>
+<p:sldLayout xmlns:a="http://schemas.openxmlformats.org/drawingml/2006/main" xmlns:r="http://schemas.openxmlformats.org/officeDocument/2006/relationships" xmlns:p="http://schemas.openxmlformats.org/presentationml/2006/main" preserve="1">
+  <p:cSld name="Quote Name Card">
+    <p:spTree>
+      <p:nvGrpSpPr>
+        <p:cNvPr id="1" name=""/>
+        <p:cNvGrpSpPr/>
+        <p:nvPr/>
+      </p:nvGrpSpPr>
+      <p:grpSpPr>
+        <a:xfrm>
+          <a:off x="0" y="0"/>
+          <a:ext cx="0" cy="0"/>
+          <a:chOff x="0" y="0"/>
+          <a:chExt cx="0" cy="0"/>
+        </a:xfrm>
+      </p:grpSpPr>
+      <p:sp>
+        <p:nvSpPr>
+          <p:cNvPr id="2" name="Title 1"/>
+          <p:cNvSpPr>
+            <a:spLocks noGrp="1"/>
+          </p:cNvSpPr>
+          <p:nvPr>
+            <p:ph type="title"/>
+          </p:nvPr>
+        </p:nvSpPr>
+        <p:spPr>
+          <a:xfrm>
+            <a:off x="931334" y="609600"/>
+            <a:ext cx="8094134" cy="3022600"/>
+          </a:xfrm>
+        </p:spPr>
+        <p:txBody>
+          <a:bodyPr anchor="ctr">
+            <a:normAutofit/>
+          </a:bodyPr>
+          <a:lstStyle>
+            <a:lvl1pPr algn="l">
+              <a:defRPr sz="4400" b="0" cap="none"/>
+            </a:lvl1pPr>
+          </a:lstStyle>
+          <a:p>
+            <a:r>
+              <a:rPr lang="en-US" smtClean="0"/>
+              <a:t>Click to edit Master title style</a:t>
+            </a:r>
+            <a:endParaRPr lang="en-US" dirty="0"/>
+          </a:p>
+        </p:txBody>
+      </p:sp>
+      <p:sp>
+        <p:nvSpPr>
+          <p:cNvPr id="23" name="Text Placeholder 9"/>
+          <p:cNvSpPr>
+            <a:spLocks noGrp="1"/>
+          </p:cNvSpPr>
+          <p:nvPr>
+            <p:ph type="body" sz="quarter" idx="13"/>
+          </p:nvPr>
+        </p:nvSpPr>
+        <p:spPr>
+          <a:xfrm>
+            <a:off x="677332" y="4013200"/>
+            <a:ext cx="8596669" cy="514248"/>
+          </a:xfrm>
+        </p:spPr>
+        <p:txBody>
+          <a:bodyPr anchor="b">
+            <a:noAutofit/>
+          </a:bodyPr>
+          <a:lstStyle>
+            <a:lvl1pPr marL="0" indent="0">
+              <a:buFontTx/>
+              <a:buNone/>
+              <a:defRPr sz="2400">
+                <a:solidFill>
+                  <a:schemeClr val="tx1">
+                    <a:lumMod val="75000"/>
+                    <a:lumOff val="25000"/>
+                  </a:schemeClr>
+                </a:solidFill>
+              </a:defRPr>
+            </a:lvl1pPr>
+            <a:lvl2pPr marL="457200" indent="0">
+              <a:buFontTx/>
+              <a:buNone/>
+              <a:defRPr/>
+            </a:lvl2pPr>
+            <a:lvl3pPr marL="914400" indent="0">
+              <a:buFontTx/>
+              <a:buNone/>
+              <a:defRPr/>
+            </a:lvl3pPr>
+            <a:lvl4pPr marL="1371600" indent="0">
+              <a:buFontTx/>
+              <a:buNone/>
+              <a:defRPr/>
+            </a:lvl4pPr>
+            <a:lvl5pPr marL="1828800" indent="0">
+              <a:buFontTx/>
+              <a:buNone/>
+              <a:defRPr/>
+            </a:lvl5pPr>
+          </a:lstStyle>
+          <a:p>
+            <a:pPr lvl="0"/>
+            <a:r>
+              <a:rPr lang="en-US" smtClean="0"/>
+              <a:t>Click to edit Master text styles</a:t>
+            </a:r>
+          </a:p>
+        </p:txBody>
+      </p:sp>
+      <p:sp>
+        <p:nvSpPr>
+          <p:cNvPr id="3" name="Text Placeholder 2"/>
+          <p:cNvSpPr>
+            <a:spLocks noGrp="1"/>
+          </p:cNvSpPr>
+          <p:nvPr>
+            <p:ph type="body" idx="1"/>
+          </p:nvPr>
+        </p:nvSpPr>
+        <p:spPr>
+          <a:xfrm>
+            <a:off x="677335" y="4527448"/>
+            <a:ext cx="8596668" cy="1513914"/>
+          </a:xfrm>
+        </p:spPr>
+        <p:txBody>
+          <a:bodyPr anchor="t">
+            <a:normAutofit/>
+          </a:bodyPr>
+          <a:lstStyle>
+            <a:lvl1pPr marL="0" indent="0" algn="l">
+              <a:buNone/>
+              <a:defRPr sz="1800">
+                <a:solidFill>
+                  <a:schemeClr val="tx1">
+                    <a:lumMod val="50000"/>
+                    <a:lumOff val="50000"/>
+                  </a:schemeClr>
+                </a:solidFill>
+              </a:defRPr>
+            </a:lvl1pPr>
+            <a:lvl2pPr marL="457200" indent="0">
+              <a:buNone/>
+              <a:defRPr sz="1800">
+                <a:solidFill>
+                  <a:schemeClr val="tx1">
+                    <a:tint val="75000"/>
+                  </a:schemeClr>
+                </a:solidFill>
+              </a:defRPr>
+            </a:lvl2pPr>
+            <a:lvl3pPr marL="914400" indent="0">
+              <a:buNone/>
+              <a:defRPr sz="1600">
+                <a:solidFill>
+                  <a:schemeClr val="tx1">
+                    <a:tint val="75000"/>
+                  </a:schemeClr>
+                </a:solidFill>
+              </a:defRPr>
+            </a:lvl3pPr>
+            <a:lvl4pPr marL="1371600" indent="0">
+              <a:buNone/>
+              <a:defRPr sz="1400">
+                <a:solidFill>
+                  <a:schemeClr val="tx1">
+                    <a:tint val="75000"/>
+                  </a:schemeClr>
+                </a:solidFill>
+              </a:defRPr>
+            </a:lvl4pPr>
+            <a:lvl5pPr marL="1828800" indent="0">
+              <a:buNone/>
+              <a:defRPr sz="1400">
+                <a:solidFill>
+                  <a:schemeClr val="tx1">
+                    <a:tint val="75000"/>
+                  </a:schemeClr>
+                </a:solidFill>
+              </a:defRPr>
+            </a:lvl5pPr>
+            <a:lvl6pPr marL="2286000" indent="0">
+              <a:buNone/>
+              <a:defRPr sz="1400">
+                <a:solidFill>
+                  <a:schemeClr val="tx1">
+                    <a:tint val="75000"/>
+                  </a:schemeClr>
+                </a:solidFill>
+              </a:defRPr>
+            </a:lvl6pPr>
+            <a:lvl7pPr marL="2743200" indent="0">
+              <a:buNone/>
+              <a:defRPr sz="1400">
+                <a:solidFill>
+                  <a:schemeClr val="tx1">
+                    <a:tint val="75000"/>
+                  </a:schemeClr>
+                </a:solidFill>
+              </a:defRPr>
+            </a:lvl7pPr>
+            <a:lvl8pPr marL="3200400" indent="0">
+              <a:buNone/>
+              <a:defRPr sz="1400">
+                <a:solidFill>
+                  <a:schemeClr val="tx1">
+                    <a:tint val="75000"/>
+                  </a:schemeClr>
+                </a:solidFill>
+              </a:defRPr>
+            </a:lvl8pPr>
+            <a:lvl9pPr marL="3657600" indent="0">
+              <a:buNone/>
+              <a:defRPr sz="1400">
+                <a:solidFill>
+                  <a:schemeClr val="tx1">
+                    <a:tint val="75000"/>
+                  </a:schemeClr>
+                </a:solidFill>
+              </a:defRPr>
+            </a:lvl9pPr>
+          </a:lstStyle>
+          <a:p>
+            <a:pPr lvl="0"/>
+            <a:r>
+              <a:rPr lang="en-US" smtClean="0"/>
+              <a:t>Click to edit Master text styles</a:t>
+            </a:r>
+          </a:p>
+        </p:txBody>
+      </p:sp>
+      <p:sp>
+        <p:nvSpPr>
+          <p:cNvPr id="4" name="Date Placeholder 3"/>
+          <p:cNvSpPr>
+            <a:spLocks noGrp="1"/>
+          </p:cNvSpPr>
+          <p:nvPr>
+            <p:ph type="dt" sz="half" idx="10"/>
+          </p:nvPr>
+        </p:nvSpPr>
+        <p:spPr/>
+        <p:txBody>
+          <a:bodyPr/>
+          <a:lstStyle/>
+          <a:p>
+            <a:fld id="{E147C991-5936-49D3-B8BD-885B9AA452C4}" type="datetimeFigureOut">
+              <a:rPr lang="en-US" smtClean="0"/>
+              <a:t>7/28/2020</a:t>
+            </a:fld>
+            <a:endParaRPr lang="en-US"/>
+          </a:p>
+        </p:txBody>
+      </p:sp>
+      <p:sp>
+        <p:nvSpPr>
+          <p:cNvPr id="5" name="Footer Placeholder 4"/>
+          <p:cNvSpPr>
+            <a:spLocks noGrp="1"/>
+          </p:cNvSpPr>
+          <p:nvPr>
+            <p:ph type="ftr" sz="quarter" idx="11"/>
+          </p:nvPr>
+        </p:nvSpPr>
+        <p:spPr/>
+        <p:txBody>
+          <a:bodyPr/>
+          <a:lstStyle/>
+          <a:p>
+            <a:endParaRPr lang="en-US"/>
+          </a:p>
+        </p:txBody>
+      </p:sp>
+      <p:sp>
+        <p:nvSpPr>
+          <p:cNvPr id="6" name="Slide Number Placeholder 5"/>
+          <p:cNvSpPr>
+            <a:spLocks noGrp="1"/>
+          </p:cNvSpPr>
+          <p:nvPr>
+            <p:ph type="sldNum" sz="quarter" idx="12"/>
+          </p:nvPr>
+        </p:nvSpPr>
+        <p:spPr/>
+        <p:txBody>
+          <a:bodyPr/>
+          <a:lstStyle/>
+          <a:p>
+            <a:fld id="{47149014-A3A4-43BE-B2E4-296E1EE33DFB}" type="slidenum">
+              <a:rPr lang="en-US" smtClean="0"/>
+              <a:t>‹#›</a:t>
+            </a:fld>
+            <a:endParaRPr lang="en-US"/>
+          </a:p>
+        </p:txBody>
+      </p:sp>
+      <p:sp>
+        <p:nvSpPr>
+          <p:cNvPr id="24" name="TextBox 23"/>
+          <p:cNvSpPr txBox="1"/>
+          <p:nvPr/>
+        </p:nvSpPr>
+        <p:spPr>
+          <a:xfrm>
+            <a:off x="541870" y="790378"/>
+            <a:ext cx="609600" cy="584776"/>
+          </a:xfrm>
+          <a:prstGeom prst="rect">
+            <a:avLst/>
+          </a:prstGeom>
+        </p:spPr>
+        <p:txBody>
+          <a:bodyPr vert="horz" lIns="91440" tIns="45720" rIns="91440" bIns="45720" rtlCol="0" anchor="ctr">
+            <a:noAutofit/>
+          </a:bodyPr>
+          <a:lstStyle/>
+          <a:p>
+            <a:pPr lvl="0"/>
+            <a:r>
+              <a:rPr lang="en-US" sz="8000" baseline="0" dirty="0">
+                <a:ln w="3175" cmpd="sng">
+                  <a:noFill/>
+                </a:ln>
+                <a:solidFill>
+                  <a:schemeClr val="accent1">
+                    <a:lumMod val="60000"/>
+                    <a:lumOff val="40000"/>
+                  </a:schemeClr>
+                </a:solidFill>
+                <a:effectLst/>
+                <a:latin typeface="Arial"/>
+              </a:rPr>
+              <a:t>“</a:t>
+            </a:r>
+          </a:p>
+        </p:txBody>
+      </p:sp>
+      <p:sp>
+        <p:nvSpPr>
+          <p:cNvPr id="25" name="TextBox 24"/>
+          <p:cNvSpPr txBox="1"/>
+          <p:nvPr/>
+        </p:nvSpPr>
+        <p:spPr>
+          <a:xfrm>
+            <a:off x="8893011" y="2886556"/>
+            <a:ext cx="609600" cy="584776"/>
+          </a:xfrm>
+          <a:prstGeom prst="rect">
+            <a:avLst/>
+          </a:prstGeom>
+        </p:spPr>
+        <p:txBody>
+          <a:bodyPr vert="horz" lIns="91440" tIns="45720" rIns="91440" bIns="45720" rtlCol="0" anchor="ctr">
+            <a:noAutofit/>
+          </a:bodyPr>
+          <a:lstStyle/>
+          <a:p>
+            <a:pPr lvl="0"/>
+            <a:r>
+              <a:rPr lang="en-US" sz="8000" baseline="0" dirty="0">
+                <a:ln w="3175" cmpd="sng">
+                  <a:noFill/>
+                </a:ln>
+                <a:solidFill>
+                  <a:schemeClr val="accent1">
+                    <a:lumMod val="60000"/>
+                    <a:lumOff val="40000"/>
+                  </a:schemeClr>
+                </a:solidFill>
+                <a:effectLst/>
+                <a:latin typeface="Arial"/>
+              </a:rPr>
+              <a:t>”</a:t>
+            </a:r>
+          </a:p>
+        </p:txBody>
+      </p:sp>
+    </p:spTree>
+    <p:extLst>
+      <p:ext uri="{BB962C8B-B14F-4D97-AF65-F5344CB8AC3E}">
+        <p14:creationId xmlns:p14="http://schemas.microsoft.com/office/powerpoint/2010/main" val="2250902089"/>
+      </p:ext>
+    </p:extLst>
+  </p:cSld>
+  <p:clrMapOvr>
+    <a:masterClrMapping/>
+  </p:clrMapOvr>
+</p:sldLayout>
+</file>
+
+<file path=ppt/slideLayouts/slideLayout14.xml><?xml version="1.0" encoding="utf-8"?>
+<p:sldLayout xmlns:a="http://schemas.openxmlformats.org/drawingml/2006/main" xmlns:r="http://schemas.openxmlformats.org/officeDocument/2006/relationships" xmlns:p="http://schemas.openxmlformats.org/presentationml/2006/main" preserve="1">
+  <p:cSld name="True or False">
+    <p:spTree>
+      <p:nvGrpSpPr>
+        <p:cNvPr id="1" name=""/>
+        <p:cNvGrpSpPr/>
+        <p:nvPr/>
+      </p:nvGrpSpPr>
+      <p:grpSpPr>
+        <a:xfrm>
+          <a:off x="0" y="0"/>
+          <a:ext cx="0" cy="0"/>
+          <a:chOff x="0" y="0"/>
+          <a:chExt cx="0" cy="0"/>
+        </a:xfrm>
+      </p:grpSpPr>
+      <p:sp>
+        <p:nvSpPr>
+          <p:cNvPr id="2" name="Title 1"/>
+          <p:cNvSpPr>
+            <a:spLocks noGrp="1"/>
+          </p:cNvSpPr>
+          <p:nvPr>
+            <p:ph type="title"/>
+          </p:nvPr>
+        </p:nvSpPr>
+        <p:spPr>
+          <a:xfrm>
+            <a:off x="685799" y="609600"/>
+            <a:ext cx="8588203" cy="3022600"/>
+          </a:xfrm>
+        </p:spPr>
+        <p:txBody>
+          <a:bodyPr anchor="ctr">
+            <a:normAutofit/>
+          </a:bodyPr>
+          <a:lstStyle>
+            <a:lvl1pPr algn="l">
+              <a:defRPr sz="4400" b="0" cap="none"/>
+            </a:lvl1pPr>
+          </a:lstStyle>
+          <a:p>
+            <a:r>
+              <a:rPr lang="en-US" smtClean="0"/>
+              <a:t>Click to edit Master title style</a:t>
+            </a:r>
+            <a:endParaRPr lang="en-US" dirty="0"/>
+          </a:p>
+        </p:txBody>
+      </p:sp>
+      <p:sp>
+        <p:nvSpPr>
+          <p:cNvPr id="23" name="Text Placeholder 9"/>
+          <p:cNvSpPr>
+            <a:spLocks noGrp="1"/>
+          </p:cNvSpPr>
+          <p:nvPr>
+            <p:ph type="body" sz="quarter" idx="13"/>
+          </p:nvPr>
+        </p:nvSpPr>
+        <p:spPr>
+          <a:xfrm>
+            <a:off x="677332" y="4013200"/>
+            <a:ext cx="8596669" cy="514248"/>
+          </a:xfrm>
+        </p:spPr>
+        <p:txBody>
+          <a:bodyPr anchor="b">
+            <a:noAutofit/>
+          </a:bodyPr>
+          <a:lstStyle>
+            <a:lvl1pPr marL="0" indent="0">
+              <a:buFontTx/>
+              <a:buNone/>
+              <a:defRPr sz="2400">
+                <a:solidFill>
+                  <a:schemeClr val="accent1"/>
+                </a:solidFill>
+              </a:defRPr>
+            </a:lvl1pPr>
+            <a:lvl2pPr marL="457200" indent="0">
+              <a:buFontTx/>
+              <a:buNone/>
+              <a:defRPr/>
+            </a:lvl2pPr>
+            <a:lvl3pPr marL="914400" indent="0">
+              <a:buFontTx/>
+              <a:buNone/>
+              <a:defRPr/>
+            </a:lvl3pPr>
+            <a:lvl4pPr marL="1371600" indent="0">
+              <a:buFontTx/>
+              <a:buNone/>
+              <a:defRPr/>
+            </a:lvl4pPr>
+            <a:lvl5pPr marL="1828800" indent="0">
+              <a:buFontTx/>
+              <a:buNone/>
+              <a:defRPr/>
+            </a:lvl5pPr>
+          </a:lstStyle>
+          <a:p>
+            <a:pPr lvl="0"/>
+            <a:r>
+              <a:rPr lang="en-US" smtClean="0"/>
+              <a:t>Click to edit Master text styles</a:t>
+            </a:r>
+          </a:p>
+        </p:txBody>
+      </p:sp>
+      <p:sp>
+        <p:nvSpPr>
+          <p:cNvPr id="3" name="Text Placeholder 2"/>
+          <p:cNvSpPr>
+            <a:spLocks noGrp="1"/>
+          </p:cNvSpPr>
+          <p:nvPr>
+            <p:ph type="body" idx="1"/>
+          </p:nvPr>
+        </p:nvSpPr>
+        <p:spPr>
+          <a:xfrm>
+            <a:off x="677335" y="4527448"/>
+            <a:ext cx="8596668" cy="1513914"/>
+          </a:xfrm>
+        </p:spPr>
+        <p:txBody>
+          <a:bodyPr anchor="t">
+            <a:normAutofit/>
+          </a:bodyPr>
+          <a:lstStyle>
+            <a:lvl1pPr marL="0" indent="0" algn="l">
+              <a:buNone/>
+              <a:defRPr sz="1800">
+                <a:solidFill>
+                  <a:schemeClr val="tx1">
+                    <a:lumMod val="50000"/>
+                    <a:lumOff val="50000"/>
+                  </a:schemeClr>
+                </a:solidFill>
+              </a:defRPr>
+            </a:lvl1pPr>
+            <a:lvl2pPr marL="457200" indent="0">
+              <a:buNone/>
+              <a:defRPr sz="1800">
+                <a:solidFill>
+                  <a:schemeClr val="tx1">
+                    <a:tint val="75000"/>
+                  </a:schemeClr>
+                </a:solidFill>
+              </a:defRPr>
+            </a:lvl2pPr>
+            <a:lvl3pPr marL="914400" indent="0">
+              <a:buNone/>
+              <a:defRPr sz="1600">
+                <a:solidFill>
+                  <a:schemeClr val="tx1">
+                    <a:tint val="75000"/>
+                  </a:schemeClr>
+                </a:solidFill>
+              </a:defRPr>
+            </a:lvl3pPr>
+            <a:lvl4pPr marL="1371600" indent="0">
+              <a:buNone/>
+              <a:defRPr sz="1400">
+                <a:solidFill>
+                  <a:schemeClr val="tx1">
+                    <a:tint val="75000"/>
+                  </a:schemeClr>
+                </a:solidFill>
+              </a:defRPr>
+            </a:lvl4pPr>
+            <a:lvl5pPr marL="1828800" indent="0">
+              <a:buNone/>
+              <a:defRPr sz="1400">
+                <a:solidFill>
+                  <a:schemeClr val="tx1">
+                    <a:tint val="75000"/>
+                  </a:schemeClr>
+                </a:solidFill>
+              </a:defRPr>
+            </a:lvl5pPr>
+            <a:lvl6pPr marL="2286000" indent="0">
+              <a:buNone/>
+              <a:defRPr sz="1400">
+                <a:solidFill>
+                  <a:schemeClr val="tx1">
+                    <a:tint val="75000"/>
+                  </a:schemeClr>
+                </a:solidFill>
+              </a:defRPr>
+            </a:lvl6pPr>
+            <a:lvl7pPr marL="2743200" indent="0">
+              <a:buNone/>
+              <a:defRPr sz="1400">
+                <a:solidFill>
+                  <a:schemeClr val="tx1">
+                    <a:tint val="75000"/>
+                  </a:schemeClr>
+                </a:solidFill>
+              </a:defRPr>
+            </a:lvl7pPr>
+            <a:lvl8pPr marL="3200400" indent="0">
+              <a:buNone/>
+              <a:defRPr sz="1400">
+                <a:solidFill>
+                  <a:schemeClr val="tx1">
+                    <a:tint val="75000"/>
+                  </a:schemeClr>
+                </a:solidFill>
+              </a:defRPr>
+            </a:lvl8pPr>
+            <a:lvl9pPr marL="3657600" indent="0">
+              <a:buNone/>
+              <a:defRPr sz="1400">
+                <a:solidFill>
+                  <a:schemeClr val="tx1">
+                    <a:tint val="75000"/>
+                  </a:schemeClr>
+                </a:solidFill>
+              </a:defRPr>
+            </a:lvl9pPr>
+          </a:lstStyle>
+          <a:p>
+            <a:pPr lvl="0"/>
+            <a:r>
+              <a:rPr lang="en-US" smtClean="0"/>
+              <a:t>Click to edit Master text styles</a:t>
+            </a:r>
+          </a:p>
+        </p:txBody>
+      </p:sp>
+      <p:sp>
+        <p:nvSpPr>
+          <p:cNvPr id="4" name="Date Placeholder 3"/>
+          <p:cNvSpPr>
+            <a:spLocks noGrp="1"/>
+          </p:cNvSpPr>
+          <p:nvPr>
+            <p:ph type="dt" sz="half" idx="10"/>
+          </p:nvPr>
+        </p:nvSpPr>
+        <p:spPr/>
+        <p:txBody>
+          <a:bodyPr/>
+          <a:lstStyle/>
+          <a:p>
+            <a:fld id="{E147C991-5936-49D3-B8BD-885B9AA452C4}" type="datetimeFigureOut">
+              <a:rPr lang="en-US" smtClean="0"/>
+              <a:t>7/28/2020</a:t>
+            </a:fld>
+            <a:endParaRPr lang="en-US"/>
+          </a:p>
+        </p:txBody>
+      </p:sp>
+      <p:sp>
+        <p:nvSpPr>
+          <p:cNvPr id="5" name="Footer Placeholder 4"/>
+          <p:cNvSpPr>
+            <a:spLocks noGrp="1"/>
+          </p:cNvSpPr>
+          <p:nvPr>
+            <p:ph type="ftr" sz="quarter" idx="11"/>
+          </p:nvPr>
+        </p:nvSpPr>
+        <p:spPr/>
+        <p:txBody>
+          <a:bodyPr/>
+          <a:lstStyle/>
+          <a:p>
+            <a:endParaRPr lang="en-US"/>
+          </a:p>
+        </p:txBody>
+      </p:sp>
+      <p:sp>
+        <p:nvSpPr>
+          <p:cNvPr id="6" name="Slide Number Placeholder 5"/>
+          <p:cNvSpPr>
+            <a:spLocks noGrp="1"/>
+          </p:cNvSpPr>
+          <p:nvPr>
+            <p:ph type="sldNum" sz="quarter" idx="12"/>
+          </p:nvPr>
+        </p:nvSpPr>
+        <p:spPr/>
+        <p:txBody>
+          <a:bodyPr/>
+          <a:lstStyle/>
+          <a:p>
+            <a:fld id="{47149014-A3A4-43BE-B2E4-296E1EE33DFB}" type="slidenum">
+              <a:rPr lang="en-US" smtClean="0"/>
+              <a:t>‹#›</a:t>
+            </a:fld>
+            <a:endParaRPr lang="en-US"/>
+          </a:p>
+        </p:txBody>
+      </p:sp>
+    </p:spTree>
+    <p:extLst>
+      <p:ext uri="{BB962C8B-B14F-4D97-AF65-F5344CB8AC3E}">
+        <p14:creationId xmlns:p14="http://schemas.microsoft.com/office/powerpoint/2010/main" val="4291300510"/>
+      </p:ext>
+    </p:extLst>
+  </p:cSld>
+  <p:clrMapOvr>
+    <a:masterClrMapping/>
+  </p:clrMapOvr>
+</p:sldLayout>
+</file>
+
+<file path=ppt/slideLayouts/slideLayout15.xml><?xml version="1.0" encoding="utf-8"?>
 <p:sldLayout xmlns:a="http://schemas.openxmlformats.org/drawingml/2006/main" xmlns:r="http://schemas.openxmlformats.org/officeDocument/2006/relationships" xmlns:p="http://schemas.openxmlformats.org/presentationml/2006/main" type="vertTx" preserve="1">
   <p:cSld name="Title and Vertical Text">
     <p:spTree>
@@ -830,7 +3719,7 @@
               <a:rPr lang="en-US" smtClean="0"/>
               <a:t>Click to edit Master title style</a:t>
             </a:r>
-            <a:endParaRPr lang="en-US"/>
+            <a:endParaRPr lang="en-US" dirty="0"/>
           </a:p>
         </p:txBody>
       </p:sp>
@@ -882,7 +3771,7 @@
               <a:rPr lang="en-US" smtClean="0"/>
               <a:t>Fifth level</a:t>
             </a:r>
-            <a:endParaRPr lang="en-US"/>
+            <a:endParaRPr lang="en-US" dirty="0"/>
           </a:p>
         </p:txBody>
       </p:sp>
@@ -903,7 +3792,7 @@
           <a:p>
             <a:fld id="{E147C991-5936-49D3-B8BD-885B9AA452C4}" type="datetimeFigureOut">
               <a:rPr lang="en-US" smtClean="0"/>
-              <a:t>7/27/2020</a:t>
+              <a:t>7/28/2020</a:t>
             </a:fld>
             <a:endParaRPr lang="en-US"/>
           </a:p>
@@ -954,7 +3843,7 @@
     </p:spTree>
     <p:extLst>
       <p:ext uri="{BB962C8B-B14F-4D97-AF65-F5344CB8AC3E}">
-        <p14:creationId xmlns:p14="http://schemas.microsoft.com/office/powerpoint/2010/main" val="2465291527"/>
+        <p14:creationId xmlns:p14="http://schemas.microsoft.com/office/powerpoint/2010/main" val="2892754342"/>
       </p:ext>
     </p:extLst>
   </p:cSld>
@@ -964,7 +3853,7 @@
 </p:sldLayout>
 </file>
 
-<file path=ppt/slideLayouts/slideLayout11.xml><?xml version="1.0" encoding="utf-8"?>
+<file path=ppt/slideLayouts/slideLayout16.xml><?xml version="1.0" encoding="utf-8"?>
 <p:sldLayout xmlns:a="http://schemas.openxmlformats.org/drawingml/2006/main" xmlns:r="http://schemas.openxmlformats.org/officeDocument/2006/relationships" xmlns:p="http://schemas.openxmlformats.org/presentationml/2006/main" type="vertTitleAndTx" preserve="1">
   <p:cSld name="Vertical Title and Text">
     <p:spTree>
@@ -993,19 +3882,19 @@
         </p:nvSpPr>
         <p:spPr>
           <a:xfrm>
-            <a:off x="8724900" y="365125"/>
-            <a:ext cx="2628900" cy="5811838"/>
+            <a:off x="7967673" y="609599"/>
+            <a:ext cx="1304743" cy="5251451"/>
           </a:xfrm>
         </p:spPr>
         <p:txBody>
-          <a:bodyPr vert="eaVert"/>
+          <a:bodyPr vert="eaVert" anchor="ctr"/>
           <a:lstStyle/>
           <a:p>
             <a:r>
               <a:rPr lang="en-US" smtClean="0"/>
               <a:t>Click to edit Master title style</a:t>
             </a:r>
-            <a:endParaRPr lang="en-US"/>
+            <a:endParaRPr lang="en-US" dirty="0"/>
           </a:p>
         </p:txBody>
       </p:sp>
@@ -1021,8 +3910,8 @@
         </p:nvSpPr>
         <p:spPr>
           <a:xfrm>
-            <a:off x="838200" y="365125"/>
-            <a:ext cx="7734300" cy="5811838"/>
+            <a:off x="677335" y="609600"/>
+            <a:ext cx="7060150" cy="5251450"/>
           </a:xfrm>
         </p:spPr>
         <p:txBody>
@@ -1062,7 +3951,7 @@
               <a:rPr lang="en-US" smtClean="0"/>
               <a:t>Fifth level</a:t>
             </a:r>
-            <a:endParaRPr lang="en-US"/>
+            <a:endParaRPr lang="en-US" dirty="0"/>
           </a:p>
         </p:txBody>
       </p:sp>
@@ -1083,7 +3972,7 @@
           <a:p>
             <a:fld id="{E147C991-5936-49D3-B8BD-885B9AA452C4}" type="datetimeFigureOut">
               <a:rPr lang="en-US" smtClean="0"/>
-              <a:t>7/27/2020</a:t>
+              <a:t>7/28/2020</a:t>
             </a:fld>
             <a:endParaRPr lang="en-US"/>
           </a:p>
@@ -1134,7 +4023,7 @@
     </p:spTree>
     <p:extLst>
       <p:ext uri="{BB962C8B-B14F-4D97-AF65-F5344CB8AC3E}">
-        <p14:creationId xmlns:p14="http://schemas.microsoft.com/office/powerpoint/2010/main" val="100636495"/>
+        <p14:creationId xmlns:p14="http://schemas.microsoft.com/office/powerpoint/2010/main" val="1046407620"/>
       </p:ext>
     </p:extLst>
   </p:cSld>
@@ -1173,25 +4062,83 @@
         </p:nvSpPr>
         <p:spPr/>
         <p:txBody>
+          <a:bodyPr>
+            <a:normAutofit/>
+          </a:bodyPr>
+          <a:lstStyle>
+            <a:lvl1pPr>
+              <a:defRPr sz="3600"/>
+            </a:lvl1pPr>
+          </a:lstStyle>
+          <a:p>
+            <a:r>
+              <a:rPr lang="en-US" smtClean="0"/>
+              <a:t>Click to edit Master title style</a:t>
+            </a:r>
+            <a:endParaRPr lang="en-US" dirty="0"/>
+          </a:p>
+        </p:txBody>
+      </p:sp>
+      <p:sp>
+        <p:nvSpPr>
+          <p:cNvPr id="3" name="Content Placeholder 2"/>
+          <p:cNvSpPr>
+            <a:spLocks noGrp="1"/>
+          </p:cNvSpPr>
+          <p:nvPr>
+            <p:ph idx="1"/>
+          </p:nvPr>
+        </p:nvSpPr>
+        <p:spPr/>
+        <p:txBody>
           <a:bodyPr/>
           <a:lstStyle/>
           <a:p>
-            <a:r>
-              <a:rPr lang="en-US" smtClean="0"/>
-              <a:t>Click to edit Master title style</a:t>
-            </a:r>
-            <a:endParaRPr lang="en-US"/>
-          </a:p>
-        </p:txBody>
-      </p:sp>
-      <p:sp>
-        <p:nvSpPr>
-          <p:cNvPr id="3" name="Content Placeholder 2"/>
-          <p:cNvSpPr>
-            <a:spLocks noGrp="1"/>
-          </p:cNvSpPr>
-          <p:nvPr>
-            <p:ph idx="1"/>
+            <a:pPr lvl="0"/>
+            <a:r>
+              <a:rPr lang="en-US" smtClean="0"/>
+              <a:t>Click to edit Master text styles</a:t>
+            </a:r>
+          </a:p>
+          <a:p>
+            <a:pPr lvl="1"/>
+            <a:r>
+              <a:rPr lang="en-US" smtClean="0"/>
+              <a:t>Second level</a:t>
+            </a:r>
+          </a:p>
+          <a:p>
+            <a:pPr lvl="2"/>
+            <a:r>
+              <a:rPr lang="en-US" smtClean="0"/>
+              <a:t>Third level</a:t>
+            </a:r>
+          </a:p>
+          <a:p>
+            <a:pPr lvl="3"/>
+            <a:r>
+              <a:rPr lang="en-US" smtClean="0"/>
+              <a:t>Fourth level</a:t>
+            </a:r>
+          </a:p>
+          <a:p>
+            <a:pPr lvl="4"/>
+            <a:r>
+              <a:rPr lang="en-US" smtClean="0"/>
+              <a:t>Fifth level</a:t>
+            </a:r>
+            <a:endParaRPr lang="en-US" dirty="0"/>
+          </a:p>
+        </p:txBody>
+      </p:sp>
+      <p:sp>
+        <p:nvSpPr>
+          <p:cNvPr id="4" name="Date Placeholder 3"/>
+          <p:cNvSpPr>
+            <a:spLocks noGrp="1"/>
+          </p:cNvSpPr>
+          <p:nvPr>
+            <p:ph type="dt" sz="half" idx="10"/>
           </p:nvPr>
         </p:nvSpPr>
         <p:spPr/>
@@ -1199,61 +4146,9 @@
           <a:bodyPr/>
           <a:lstStyle/>
           <a:p>
-            <a:pPr lvl="0"/>
-            <a:r>
-              <a:rPr lang="en-US" smtClean="0"/>
-              <a:t>Click to edit Master text styles</a:t>
-            </a:r>
-          </a:p>
-          <a:p>
-            <a:pPr lvl="1"/>
-            <a:r>
-              <a:rPr lang="en-US" smtClean="0"/>
-              <a:t>Second level</a:t>
-            </a:r>
-          </a:p>
-          <a:p>
-            <a:pPr lvl="2"/>
-            <a:r>
-              <a:rPr lang="en-US" smtClean="0"/>
-              <a:t>Third level</a:t>
-            </a:r>
-          </a:p>
-          <a:p>
-            <a:pPr lvl="3"/>
-            <a:r>
-              <a:rPr lang="en-US" smtClean="0"/>
-              <a:t>Fourth level</a:t>
-            </a:r>
-          </a:p>
-          <a:p>
-            <a:pPr lvl="4"/>
-            <a:r>
-              <a:rPr lang="en-US" smtClean="0"/>
-              <a:t>Fifth level</a:t>
-            </a:r>
-            <a:endParaRPr lang="en-US"/>
-          </a:p>
-        </p:txBody>
-      </p:sp>
-      <p:sp>
-        <p:nvSpPr>
-          <p:cNvPr id="4" name="Date Placeholder 3"/>
-          <p:cNvSpPr>
-            <a:spLocks noGrp="1"/>
-          </p:cNvSpPr>
-          <p:nvPr>
-            <p:ph type="dt" sz="half" idx="10"/>
-          </p:nvPr>
-        </p:nvSpPr>
-        <p:spPr/>
-        <p:txBody>
-          <a:bodyPr/>
-          <a:lstStyle/>
-          <a:p>
             <a:fld id="{E147C991-5936-49D3-B8BD-885B9AA452C4}" type="datetimeFigureOut">
               <a:rPr lang="en-US" smtClean="0"/>
-              <a:t>7/27/2020</a:t>
+              <a:t>7/28/2020</a:t>
             </a:fld>
             <a:endParaRPr lang="en-US"/>
           </a:p>
@@ -1304,7 +4199,7 @@
     </p:spTree>
     <p:extLst>
       <p:ext uri="{BB962C8B-B14F-4D97-AF65-F5344CB8AC3E}">
-        <p14:creationId xmlns:p14="http://schemas.microsoft.com/office/powerpoint/2010/main" val="1179670061"/>
+        <p14:creationId xmlns:p14="http://schemas.microsoft.com/office/powerpoint/2010/main" val="973462982"/>
       </p:ext>
     </p:extLst>
   </p:cSld>
@@ -1343,15 +4238,15 @@
         </p:nvSpPr>
         <p:spPr>
           <a:xfrm>
-            <a:off x="831850" y="1709738"/>
-            <a:ext cx="10515600" cy="2852737"/>
+            <a:off x="677335" y="2700867"/>
+            <a:ext cx="8596668" cy="1826581"/>
           </a:xfrm>
         </p:spPr>
         <p:txBody>
           <a:bodyPr anchor="b"/>
           <a:lstStyle>
-            <a:lvl1pPr>
-              <a:defRPr sz="6000"/>
+            <a:lvl1pPr algn="l">
+              <a:defRPr sz="4000" b="0" cap="none"/>
             </a:lvl1pPr>
           </a:lstStyle>
           <a:p>
@@ -1359,7 +4254,7 @@
               <a:rPr lang="en-US" smtClean="0"/>
               <a:t>Click to edit Master title style</a:t>
             </a:r>
-            <a:endParaRPr lang="en-US"/>
+            <a:endParaRPr lang="en-US" dirty="0"/>
           </a:p>
         </p:txBody>
       </p:sp>
@@ -1375,26 +4270,27 @@
         </p:nvSpPr>
         <p:spPr>
           <a:xfrm>
-            <a:off x="831850" y="4589463"/>
-            <a:ext cx="10515600" cy="1500187"/>
+            <a:off x="677335" y="4527448"/>
+            <a:ext cx="8596668" cy="860400"/>
           </a:xfrm>
         </p:spPr>
         <p:txBody>
-          <a:bodyPr/>
+          <a:bodyPr anchor="t"/>
           <a:lstStyle>
-            <a:lvl1pPr marL="0" indent="0">
-              <a:buNone/>
-              <a:defRPr sz="2400">
+            <a:lvl1pPr marL="0" indent="0" algn="l">
+              <a:buNone/>
+              <a:defRPr sz="2000">
                 <a:solidFill>
                   <a:schemeClr val="tx1">
-                    <a:tint val="75000"/>
+                    <a:lumMod val="50000"/>
+                    <a:lumOff val="50000"/>
                   </a:schemeClr>
                 </a:solidFill>
               </a:defRPr>
             </a:lvl1pPr>
             <a:lvl2pPr marL="457200" indent="0">
               <a:buNone/>
-              <a:defRPr sz="2000">
+              <a:defRPr sz="1800">
                 <a:solidFill>
                   <a:schemeClr val="tx1">
                     <a:tint val="75000"/>
@@ -1404,7 +4300,7 @@
             </a:lvl2pPr>
             <a:lvl3pPr marL="914400" indent="0">
               <a:buNone/>
-              <a:defRPr sz="1800">
+              <a:defRPr sz="1600">
                 <a:solidFill>
                   <a:schemeClr val="tx1">
                     <a:tint val="75000"/>
@@ -1414,7 +4310,7 @@
             </a:lvl3pPr>
             <a:lvl4pPr marL="1371600" indent="0">
               <a:buNone/>
-              <a:defRPr sz="1600">
+              <a:defRPr sz="1400">
                 <a:solidFill>
                   <a:schemeClr val="tx1">
                     <a:tint val="75000"/>
@@ -1424,7 +4320,7 @@
             </a:lvl4pPr>
             <a:lvl5pPr marL="1828800" indent="0">
               <a:buNone/>
-              <a:defRPr sz="1600">
+              <a:defRPr sz="1400">
                 <a:solidFill>
                   <a:schemeClr val="tx1">
                     <a:tint val="75000"/>
@@ -1434,7 +4330,7 @@
             </a:lvl5pPr>
             <a:lvl6pPr marL="2286000" indent="0">
               <a:buNone/>
-              <a:defRPr sz="1600">
+              <a:defRPr sz="1400">
                 <a:solidFill>
                   <a:schemeClr val="tx1">
                     <a:tint val="75000"/>
@@ -1444,7 +4340,7 @@
             </a:lvl6pPr>
             <a:lvl7pPr marL="2743200" indent="0">
               <a:buNone/>
-              <a:defRPr sz="1600">
+              <a:defRPr sz="1400">
                 <a:solidFill>
                   <a:schemeClr val="tx1">
                     <a:tint val="75000"/>
@@ -1454,7 +4350,7 @@
             </a:lvl7pPr>
             <a:lvl8pPr marL="3200400" indent="0">
               <a:buNone/>
-              <a:defRPr sz="1600">
+              <a:defRPr sz="1400">
                 <a:solidFill>
                   <a:schemeClr val="tx1">
                     <a:tint val="75000"/>
@@ -1464,7 +4360,7 @@
             </a:lvl8pPr>
             <a:lvl9pPr marL="3657600" indent="0">
               <a:buNone/>
-              <a:defRPr sz="1600">
+              <a:defRPr sz="1400">
                 <a:solidFill>
                   <a:schemeClr val="tx1">
                     <a:tint val="75000"/>
@@ -1499,7 +4395,7 @@
           <a:p>
             <a:fld id="{E147C991-5936-49D3-B8BD-885B9AA452C4}" type="datetimeFigureOut">
               <a:rPr lang="en-US" smtClean="0"/>
-              <a:t>7/27/2020</a:t>
+              <a:t>7/28/2020</a:t>
             </a:fld>
             <a:endParaRPr lang="en-US"/>
           </a:p>
@@ -1550,7 +4446,7 @@
     </p:spTree>
     <p:extLst>
       <p:ext uri="{BB962C8B-B14F-4D97-AF65-F5344CB8AC3E}">
-        <p14:creationId xmlns:p14="http://schemas.microsoft.com/office/powerpoint/2010/main" val="2519548701"/>
+        <p14:creationId xmlns:p14="http://schemas.microsoft.com/office/powerpoint/2010/main" val="432385356"/>
       </p:ext>
     </p:extLst>
   </p:cSld>
@@ -1596,7 +4492,7 @@
               <a:rPr lang="en-US" smtClean="0"/>
               <a:t>Click to edit Master title style</a:t>
             </a:r>
-            <a:endParaRPr lang="en-US"/>
+            <a:endParaRPr lang="en-US" dirty="0"/>
           </a:p>
         </p:txBody>
       </p:sp>
@@ -1612,8 +4508,8 @@
         </p:nvSpPr>
         <p:spPr>
           <a:xfrm>
-            <a:off x="838200" y="1825625"/>
-            <a:ext cx="5181600" cy="4351338"/>
+            <a:off x="677334" y="2160589"/>
+            <a:ext cx="4184035" cy="3880772"/>
           </a:xfrm>
         </p:spPr>
         <p:txBody>
@@ -1653,7 +4549,7 @@
               <a:rPr lang="en-US" smtClean="0"/>
               <a:t>Fifth level</a:t>
             </a:r>
-            <a:endParaRPr lang="en-US"/>
+            <a:endParaRPr lang="en-US" dirty="0"/>
           </a:p>
         </p:txBody>
       </p:sp>
@@ -1669,8 +4565,8 @@
         </p:nvSpPr>
         <p:spPr>
           <a:xfrm>
-            <a:off x="6172200" y="1825625"/>
-            <a:ext cx="5181600" cy="4351338"/>
+            <a:off x="5089970" y="2160589"/>
+            <a:ext cx="4184034" cy="3880773"/>
           </a:xfrm>
         </p:spPr>
         <p:txBody>
@@ -1710,7 +4606,7 @@
               <a:rPr lang="en-US" smtClean="0"/>
               <a:t>Fifth level</a:t>
             </a:r>
-            <a:endParaRPr lang="en-US"/>
+            <a:endParaRPr lang="en-US" dirty="0"/>
           </a:p>
         </p:txBody>
       </p:sp>
@@ -1731,7 +4627,7 @@
           <a:p>
             <a:fld id="{E147C991-5936-49D3-B8BD-885B9AA452C4}" type="datetimeFigureOut">
               <a:rPr lang="en-US" smtClean="0"/>
-              <a:t>7/27/2020</a:t>
+              <a:t>7/28/2020</a:t>
             </a:fld>
             <a:endParaRPr lang="en-US"/>
           </a:p>
@@ -1782,7 +4678,7 @@
     </p:spTree>
     <p:extLst>
       <p:ext uri="{BB962C8B-B14F-4D97-AF65-F5344CB8AC3E}">
-        <p14:creationId xmlns:p14="http://schemas.microsoft.com/office/powerpoint/2010/main" val="3318109953"/>
+        <p14:creationId xmlns:p14="http://schemas.microsoft.com/office/powerpoint/2010/main" val="2097846009"/>
       </p:ext>
     </p:extLst>
   </p:cSld>
@@ -1819,46 +4715,47 @@
             <p:ph type="title"/>
           </p:nvPr>
         </p:nvSpPr>
+        <p:spPr/>
+        <p:txBody>
+          <a:bodyPr/>
+          <a:lstStyle>
+            <a:lvl1pPr>
+              <a:defRPr/>
+            </a:lvl1pPr>
+          </a:lstStyle>
+          <a:p>
+            <a:r>
+              <a:rPr lang="en-US" smtClean="0"/>
+              <a:t>Click to edit Master title style</a:t>
+            </a:r>
+            <a:endParaRPr lang="en-US" dirty="0"/>
+          </a:p>
+        </p:txBody>
+      </p:sp>
+      <p:sp>
+        <p:nvSpPr>
+          <p:cNvPr id="3" name="Text Placeholder 2"/>
+          <p:cNvSpPr>
+            <a:spLocks noGrp="1"/>
+          </p:cNvSpPr>
+          <p:nvPr>
+            <p:ph type="body" idx="1"/>
+          </p:nvPr>
+        </p:nvSpPr>
         <p:spPr>
           <a:xfrm>
-            <a:off x="839788" y="365125"/>
-            <a:ext cx="10515600" cy="1325563"/>
+            <a:off x="675745" y="2160983"/>
+            <a:ext cx="4185623" cy="576262"/>
           </a:xfrm>
         </p:spPr>
         <p:txBody>
-          <a:bodyPr/>
-          <a:lstStyle/>
-          <a:p>
-            <a:r>
-              <a:rPr lang="en-US" smtClean="0"/>
-              <a:t>Click to edit Master title style</a:t>
-            </a:r>
-            <a:endParaRPr lang="en-US"/>
-          </a:p>
-        </p:txBody>
-      </p:sp>
-      <p:sp>
-        <p:nvSpPr>
-          <p:cNvPr id="3" name="Text Placeholder 2"/>
-          <p:cNvSpPr>
-            <a:spLocks noGrp="1"/>
-          </p:cNvSpPr>
-          <p:nvPr>
-            <p:ph type="body" idx="1"/>
-          </p:nvPr>
-        </p:nvSpPr>
-        <p:spPr>
-          <a:xfrm>
-            <a:off x="839788" y="1681163"/>
-            <a:ext cx="5157787" cy="823912"/>
-          </a:xfrm>
-        </p:spPr>
-        <p:txBody>
-          <a:bodyPr anchor="b"/>
+          <a:bodyPr anchor="b">
+            <a:noAutofit/>
+          </a:bodyPr>
           <a:lstStyle>
             <a:lvl1pPr marL="0" indent="0">
               <a:buNone/>
-              <a:defRPr sz="2400" b="1"/>
+              <a:defRPr sz="2400" b="0"/>
             </a:lvl1pPr>
             <a:lvl2pPr marL="457200" indent="0">
               <a:buNone/>
@@ -1914,12 +4811,14 @@
         </p:nvSpPr>
         <p:spPr>
           <a:xfrm>
-            <a:off x="839788" y="2505075"/>
-            <a:ext cx="5157787" cy="3684588"/>
+            <a:off x="675745" y="2737245"/>
+            <a:ext cx="4185623" cy="3304117"/>
           </a:xfrm>
         </p:spPr>
         <p:txBody>
-          <a:bodyPr/>
+          <a:bodyPr>
+            <a:normAutofit/>
+          </a:bodyPr>
           <a:lstStyle/>
           <a:p>
             <a:pPr lvl="0"/>
@@ -1955,7 +4854,7 @@
               <a:rPr lang="en-US" smtClean="0"/>
               <a:t>Fifth level</a:t>
             </a:r>
-            <a:endParaRPr lang="en-US"/>
+            <a:endParaRPr lang="en-US" dirty="0"/>
           </a:p>
         </p:txBody>
       </p:sp>
@@ -1971,16 +4870,18 @@
         </p:nvSpPr>
         <p:spPr>
           <a:xfrm>
-            <a:off x="6172200" y="1681163"/>
-            <a:ext cx="5183188" cy="823912"/>
+            <a:off x="5088383" y="2160983"/>
+            <a:ext cx="4185618" cy="576262"/>
           </a:xfrm>
         </p:spPr>
         <p:txBody>
-          <a:bodyPr anchor="b"/>
+          <a:bodyPr anchor="b">
+            <a:noAutofit/>
+          </a:bodyPr>
           <a:lstStyle>
             <a:lvl1pPr marL="0" indent="0">
               <a:buNone/>
-              <a:defRPr sz="2400" b="1"/>
+              <a:defRPr sz="2400" b="0"/>
             </a:lvl1pPr>
             <a:lvl2pPr marL="457200" indent="0">
               <a:buNone/>
@@ -2036,69 +4937,71 @@
         </p:nvSpPr>
         <p:spPr>
           <a:xfrm>
-            <a:off x="6172200" y="2505075"/>
-            <a:ext cx="5183188" cy="3684588"/>
+            <a:off x="5088384" y="2737245"/>
+            <a:ext cx="4185617" cy="3304117"/>
           </a:xfrm>
         </p:spPr>
         <p:txBody>
+          <a:bodyPr>
+            <a:normAutofit/>
+          </a:bodyPr>
+          <a:lstStyle/>
+          <a:p>
+            <a:pPr lvl="0"/>
+            <a:r>
+              <a:rPr lang="en-US" smtClean="0"/>
+              <a:t>Click to edit Master text styles</a:t>
+            </a:r>
+          </a:p>
+          <a:p>
+            <a:pPr lvl="1"/>
+            <a:r>
+              <a:rPr lang="en-US" smtClean="0"/>
+              <a:t>Second level</a:t>
+            </a:r>
+          </a:p>
+          <a:p>
+            <a:pPr lvl="2"/>
+            <a:r>
+              <a:rPr lang="en-US" smtClean="0"/>
+              <a:t>Third level</a:t>
+            </a:r>
+          </a:p>
+          <a:p>
+            <a:pPr lvl="3"/>
+            <a:r>
+              <a:rPr lang="en-US" smtClean="0"/>
+              <a:t>Fourth level</a:t>
+            </a:r>
+          </a:p>
+          <a:p>
+            <a:pPr lvl="4"/>
+            <a:r>
+              <a:rPr lang="en-US" smtClean="0"/>
+              <a:t>Fifth level</a:t>
+            </a:r>
+            <a:endParaRPr lang="en-US" dirty="0"/>
+          </a:p>
+        </p:txBody>
+      </p:sp>
+      <p:sp>
+        <p:nvSpPr>
+          <p:cNvPr id="7" name="Date Placeholder 6"/>
+          <p:cNvSpPr>
+            <a:spLocks noGrp="1"/>
+          </p:cNvSpPr>
+          <p:nvPr>
+            <p:ph type="dt" sz="half" idx="10"/>
+          </p:nvPr>
+        </p:nvSpPr>
+        <p:spPr/>
+        <p:txBody>
           <a:bodyPr/>
           <a:lstStyle/>
           <a:p>
-            <a:pPr lvl="0"/>
-            <a:r>
-              <a:rPr lang="en-US" smtClean="0"/>
-              <a:t>Click to edit Master text styles</a:t>
-            </a:r>
-          </a:p>
-          <a:p>
-            <a:pPr lvl="1"/>
-            <a:r>
-              <a:rPr lang="en-US" smtClean="0"/>
-              <a:t>Second level</a:t>
-            </a:r>
-          </a:p>
-          <a:p>
-            <a:pPr lvl="2"/>
-            <a:r>
-              <a:rPr lang="en-US" smtClean="0"/>
-              <a:t>Third level</a:t>
-            </a:r>
-          </a:p>
-          <a:p>
-            <a:pPr lvl="3"/>
-            <a:r>
-              <a:rPr lang="en-US" smtClean="0"/>
-              <a:t>Fourth level</a:t>
-            </a:r>
-          </a:p>
-          <a:p>
-            <a:pPr lvl="4"/>
-            <a:r>
-              <a:rPr lang="en-US" smtClean="0"/>
-              <a:t>Fifth level</a:t>
-            </a:r>
-            <a:endParaRPr lang="en-US"/>
-          </a:p>
-        </p:txBody>
-      </p:sp>
-      <p:sp>
-        <p:nvSpPr>
-          <p:cNvPr id="7" name="Date Placeholder 6"/>
-          <p:cNvSpPr>
-            <a:spLocks noGrp="1"/>
-          </p:cNvSpPr>
-          <p:nvPr>
-            <p:ph type="dt" sz="half" idx="10"/>
-          </p:nvPr>
-        </p:nvSpPr>
-        <p:spPr/>
-        <p:txBody>
-          <a:bodyPr/>
-          <a:lstStyle/>
-          <a:p>
             <a:fld id="{E147C991-5936-49D3-B8BD-885B9AA452C4}" type="datetimeFigureOut">
               <a:rPr lang="en-US" smtClean="0"/>
-              <a:t>7/27/2020</a:t>
+              <a:t>7/28/2020</a:t>
             </a:fld>
             <a:endParaRPr lang="en-US"/>
           </a:p>
@@ -2149,7 +5052,7 @@
     </p:spTree>
     <p:extLst>
       <p:ext uri="{BB962C8B-B14F-4D97-AF65-F5344CB8AC3E}">
-        <p14:creationId xmlns:p14="http://schemas.microsoft.com/office/powerpoint/2010/main" val="3095833235"/>
+        <p14:creationId xmlns:p14="http://schemas.microsoft.com/office/powerpoint/2010/main" val="3989225067"/>
       </p:ext>
     </p:extLst>
   </p:cSld>
@@ -2186,7 +5089,12 @@
             <p:ph type="title"/>
           </p:nvPr>
         </p:nvSpPr>
-        <p:spPr/>
+        <p:spPr>
+          <a:xfrm>
+            <a:off x="677334" y="609600"/>
+            <a:ext cx="8596668" cy="1320800"/>
+          </a:xfrm>
+        </p:spPr>
         <p:txBody>
           <a:bodyPr/>
           <a:lstStyle/>
@@ -2195,7 +5103,7 @@
               <a:rPr lang="en-US" smtClean="0"/>
               <a:t>Click to edit Master title style</a:t>
             </a:r>
-            <a:endParaRPr lang="en-US"/>
+            <a:endParaRPr lang="en-US" dirty="0"/>
           </a:p>
         </p:txBody>
       </p:sp>
@@ -2216,7 +5124,7 @@
           <a:p>
             <a:fld id="{E147C991-5936-49D3-B8BD-885B9AA452C4}" type="datetimeFigureOut">
               <a:rPr lang="en-US" smtClean="0"/>
-              <a:t>7/27/2020</a:t>
+              <a:t>7/28/2020</a:t>
             </a:fld>
             <a:endParaRPr lang="en-US"/>
           </a:p>
@@ -2267,7 +5175,7 @@
     </p:spTree>
     <p:extLst>
       <p:ext uri="{BB962C8B-B14F-4D97-AF65-F5344CB8AC3E}">
-        <p14:creationId xmlns:p14="http://schemas.microsoft.com/office/powerpoint/2010/main" val="4086893392"/>
+        <p14:creationId xmlns:p14="http://schemas.microsoft.com/office/powerpoint/2010/main" val="4074189888"/>
       </p:ext>
     </p:extLst>
   </p:cSld>
@@ -2311,7 +5219,7 @@
           <a:p>
             <a:fld id="{E147C991-5936-49D3-B8BD-885B9AA452C4}" type="datetimeFigureOut">
               <a:rPr lang="en-US" smtClean="0"/>
-              <a:t>7/27/2020</a:t>
+              <a:t>7/28/2020</a:t>
             </a:fld>
             <a:endParaRPr lang="en-US"/>
           </a:p>
@@ -2362,7 +5270,7 @@
     </p:spTree>
     <p:extLst>
       <p:ext uri="{BB962C8B-B14F-4D97-AF65-F5344CB8AC3E}">
-        <p14:creationId xmlns:p14="http://schemas.microsoft.com/office/powerpoint/2010/main" val="1840919598"/>
+        <p14:creationId xmlns:p14="http://schemas.microsoft.com/office/powerpoint/2010/main" val="3461518083"/>
       </p:ext>
     </p:extLst>
   </p:cSld>
@@ -2401,15 +5309,17 @@
         </p:nvSpPr>
         <p:spPr>
           <a:xfrm>
-            <a:off x="839788" y="457200"/>
-            <a:ext cx="3932237" cy="1600200"/>
+            <a:off x="677334" y="1498604"/>
+            <a:ext cx="3854528" cy="1278466"/>
           </a:xfrm>
         </p:spPr>
         <p:txBody>
-          <a:bodyPr anchor="b"/>
+          <a:bodyPr anchor="b">
+            <a:normAutofit/>
+          </a:bodyPr>
           <a:lstStyle>
             <a:lvl1pPr>
-              <a:defRPr sz="3200"/>
+              <a:defRPr sz="2000"/>
             </a:lvl1pPr>
           </a:lstStyle>
           <a:p>
@@ -2417,7 +5327,7 @@
               <a:rPr lang="en-US" smtClean="0"/>
               <a:t>Click to edit Master title style</a:t>
             </a:r>
-            <a:endParaRPr lang="en-US"/>
+            <a:endParaRPr lang="en-US" dirty="0"/>
           </a:p>
         </p:txBody>
       </p:sp>
@@ -2433,41 +5343,15 @@
         </p:nvSpPr>
         <p:spPr>
           <a:xfrm>
-            <a:off x="5183188" y="987425"/>
-            <a:ext cx="6172200" cy="4873625"/>
+            <a:off x="4760461" y="514924"/>
+            <a:ext cx="4513541" cy="5526437"/>
           </a:xfrm>
         </p:spPr>
         <p:txBody>
-          <a:bodyPr/>
-          <a:lstStyle>
-            <a:lvl1pPr>
-              <a:defRPr sz="3200"/>
-            </a:lvl1pPr>
-            <a:lvl2pPr>
-              <a:defRPr sz="2800"/>
-            </a:lvl2pPr>
-            <a:lvl3pPr>
-              <a:defRPr sz="2400"/>
-            </a:lvl3pPr>
-            <a:lvl4pPr>
-              <a:defRPr sz="2000"/>
-            </a:lvl4pPr>
-            <a:lvl5pPr>
-              <a:defRPr sz="2000"/>
-            </a:lvl5pPr>
-            <a:lvl6pPr>
-              <a:defRPr sz="2000"/>
-            </a:lvl6pPr>
-            <a:lvl7pPr>
-              <a:defRPr sz="2000"/>
-            </a:lvl7pPr>
-            <a:lvl8pPr>
-              <a:defRPr sz="2000"/>
-            </a:lvl8pPr>
-            <a:lvl9pPr>
-              <a:defRPr sz="2000"/>
-            </a:lvl9pPr>
-          </a:lstStyle>
+          <a:bodyPr>
+            <a:normAutofit/>
+          </a:bodyPr>
+          <a:lstStyle/>
           <a:p>
             <a:pPr lvl="0"/>
             <a:r>
@@ -2502,7 +5386,7 @@
               <a:rPr lang="en-US" smtClean="0"/>
               <a:t>Fifth level</a:t>
             </a:r>
-            <a:endParaRPr lang="en-US"/>
+            <a:endParaRPr lang="en-US" dirty="0"/>
           </a:p>
         </p:txBody>
       </p:sp>
@@ -2518,46 +5402,48 @@
         </p:nvSpPr>
         <p:spPr>
           <a:xfrm>
-            <a:off x="839788" y="2057400"/>
-            <a:ext cx="3932237" cy="3811588"/>
+            <a:off x="677334" y="2777069"/>
+            <a:ext cx="3854528" cy="2584449"/>
           </a:xfrm>
         </p:spPr>
         <p:txBody>
-          <a:bodyPr/>
+          <a:bodyPr>
+            <a:normAutofit/>
+          </a:bodyPr>
           <a:lstStyle>
             <a:lvl1pPr marL="0" indent="0">
               <a:buNone/>
-              <a:defRPr sz="1600"/>
+              <a:defRPr sz="1400"/>
             </a:lvl1pPr>
-            <a:lvl2pPr marL="457200" indent="0">
+            <a:lvl2pPr marL="457063" indent="0">
               <a:buNone/>
               <a:defRPr sz="1400"/>
             </a:lvl2pPr>
-            <a:lvl3pPr marL="914400" indent="0">
+            <a:lvl3pPr marL="914126" indent="0">
               <a:buNone/>
               <a:defRPr sz="1200"/>
             </a:lvl3pPr>
-            <a:lvl4pPr marL="1371600" indent="0">
+            <a:lvl4pPr marL="1371189" indent="0">
               <a:buNone/>
               <a:defRPr sz="1000"/>
             </a:lvl4pPr>
-            <a:lvl5pPr marL="1828800" indent="0">
+            <a:lvl5pPr marL="1828251" indent="0">
               <a:buNone/>
               <a:defRPr sz="1000"/>
             </a:lvl5pPr>
-            <a:lvl6pPr marL="2286000" indent="0">
+            <a:lvl6pPr marL="2285314" indent="0">
               <a:buNone/>
               <a:defRPr sz="1000"/>
             </a:lvl6pPr>
-            <a:lvl7pPr marL="2743200" indent="0">
+            <a:lvl7pPr marL="2742377" indent="0">
               <a:buNone/>
               <a:defRPr sz="1000"/>
             </a:lvl7pPr>
-            <a:lvl8pPr marL="3200400" indent="0">
+            <a:lvl8pPr marL="3199440" indent="0">
               <a:buNone/>
               <a:defRPr sz="1000"/>
             </a:lvl8pPr>
-            <a:lvl9pPr marL="3657600" indent="0">
+            <a:lvl9pPr marL="3656503" indent="0">
               <a:buNone/>
               <a:defRPr sz="1000"/>
             </a:lvl9pPr>
@@ -2588,7 +5474,7 @@
           <a:p>
             <a:fld id="{E147C991-5936-49D3-B8BD-885B9AA452C4}" type="datetimeFigureOut">
               <a:rPr lang="en-US" smtClean="0"/>
-              <a:t>7/27/2020</a:t>
+              <a:t>7/28/2020</a:t>
             </a:fld>
             <a:endParaRPr lang="en-US"/>
           </a:p>
@@ -2639,7 +5525,7 @@
     </p:spTree>
     <p:extLst>
       <p:ext uri="{BB962C8B-B14F-4D97-AF65-F5344CB8AC3E}">
-        <p14:creationId xmlns:p14="http://schemas.microsoft.com/office/powerpoint/2010/main" val="3497353184"/>
+        <p14:creationId xmlns:p14="http://schemas.microsoft.com/office/powerpoint/2010/main" val="1091523409"/>
       </p:ext>
     </p:extLst>
   </p:cSld>
@@ -2678,15 +5564,17 @@
         </p:nvSpPr>
         <p:spPr>
           <a:xfrm>
-            <a:off x="839788" y="457200"/>
-            <a:ext cx="3932237" cy="1600200"/>
+            <a:off x="677334" y="4800600"/>
+            <a:ext cx="8596667" cy="566738"/>
           </a:xfrm>
         </p:spPr>
         <p:txBody>
-          <a:bodyPr anchor="b"/>
+          <a:bodyPr anchor="b">
+            <a:normAutofit/>
+          </a:bodyPr>
           <a:lstStyle>
-            <a:lvl1pPr>
-              <a:defRPr sz="3200"/>
+            <a:lvl1pPr algn="l">
+              <a:defRPr sz="2400" b="0"/>
             </a:lvl1pPr>
           </a:lstStyle>
           <a:p>
@@ -2694,7 +5582,7 @@
               <a:rPr lang="en-US" smtClean="0"/>
               <a:t>Click to edit Master title style</a:t>
             </a:r>
-            <a:endParaRPr lang="en-US"/>
+            <a:endParaRPr lang="en-US" dirty="0"/>
           </a:p>
         </p:txBody>
       </p:sp>
@@ -2702,7 +5590,7 @@
         <p:nvSpPr>
           <p:cNvPr id="3" name="Picture Placeholder 2"/>
           <p:cNvSpPr>
-            <a:spLocks noGrp="1"/>
+            <a:spLocks noGrp="1" noChangeAspect="1"/>
           </p:cNvSpPr>
           <p:nvPr>
             <p:ph type="pic" idx="1"/>
@@ -2710,112 +5598,120 @@
         </p:nvSpPr>
         <p:spPr>
           <a:xfrm>
-            <a:off x="5183188" y="987425"/>
-            <a:ext cx="6172200" cy="4873625"/>
+            <a:off x="677334" y="609600"/>
+            <a:ext cx="8596668" cy="3845718"/>
           </a:xfrm>
         </p:spPr>
         <p:txBody>
-          <a:bodyPr/>
+          <a:bodyPr anchor="t">
+            <a:normAutofit/>
+          </a:bodyPr>
           <a:lstStyle>
-            <a:lvl1pPr marL="0" indent="0">
-              <a:buNone/>
-              <a:defRPr sz="3200"/>
-            </a:lvl1pPr>
-            <a:lvl2pPr marL="457200" indent="0">
-              <a:buNone/>
-              <a:defRPr sz="2800"/>
-            </a:lvl2pPr>
-            <a:lvl3pPr marL="914400" indent="0">
-              <a:buNone/>
-              <a:defRPr sz="2400"/>
-            </a:lvl3pPr>
-            <a:lvl4pPr marL="1371600" indent="0">
-              <a:buNone/>
-              <a:defRPr sz="2000"/>
-            </a:lvl4pPr>
-            <a:lvl5pPr marL="1828800" indent="0">
-              <a:buNone/>
-              <a:defRPr sz="2000"/>
-            </a:lvl5pPr>
-            <a:lvl6pPr marL="2286000" indent="0">
-              <a:buNone/>
-              <a:defRPr sz="2000"/>
-            </a:lvl6pPr>
-            <a:lvl7pPr marL="2743200" indent="0">
-              <a:buNone/>
-              <a:defRPr sz="2000"/>
-            </a:lvl7pPr>
-            <a:lvl8pPr marL="3200400" indent="0">
-              <a:buNone/>
-              <a:defRPr sz="2000"/>
-            </a:lvl8pPr>
-            <a:lvl9pPr marL="3657600" indent="0">
-              <a:buNone/>
-              <a:defRPr sz="2000"/>
-            </a:lvl9pPr>
-          </a:lstStyle>
-          <a:p>
-            <a:endParaRPr lang="en-US"/>
-          </a:p>
-        </p:txBody>
-      </p:sp>
-      <p:sp>
-        <p:nvSpPr>
-          <p:cNvPr id="4" name="Text Placeholder 3"/>
-          <p:cNvSpPr>
-            <a:spLocks noGrp="1"/>
-          </p:cNvSpPr>
-          <p:nvPr>
-            <p:ph type="body" sz="half" idx="2"/>
-          </p:nvPr>
-        </p:nvSpPr>
-        <p:spPr>
-          <a:xfrm>
-            <a:off x="839788" y="2057400"/>
-            <a:ext cx="3932237" cy="3811588"/>
-          </a:xfrm>
-        </p:spPr>
-        <p:txBody>
-          <a:bodyPr/>
-          <a:lstStyle>
-            <a:lvl1pPr marL="0" indent="0">
+            <a:lvl1pPr marL="0" indent="0" algn="ctr">
               <a:buNone/>
               <a:defRPr sz="1600"/>
             </a:lvl1pPr>
             <a:lvl2pPr marL="457200" indent="0">
               <a:buNone/>
-              <a:defRPr sz="1400"/>
+              <a:defRPr sz="1600"/>
             </a:lvl2pPr>
             <a:lvl3pPr marL="914400" indent="0">
               <a:buNone/>
-              <a:defRPr sz="1200"/>
+              <a:defRPr sz="1600"/>
             </a:lvl3pPr>
             <a:lvl4pPr marL="1371600" indent="0">
               <a:buNone/>
-              <a:defRPr sz="1000"/>
+              <a:defRPr sz="1600"/>
             </a:lvl4pPr>
             <a:lvl5pPr marL="1828800" indent="0">
               <a:buNone/>
-              <a:defRPr sz="1000"/>
+              <a:defRPr sz="1600"/>
             </a:lvl5pPr>
             <a:lvl6pPr marL="2286000" indent="0">
               <a:buNone/>
-              <a:defRPr sz="1000"/>
+              <a:defRPr sz="1600"/>
             </a:lvl6pPr>
             <a:lvl7pPr marL="2743200" indent="0">
               <a:buNone/>
-              <a:defRPr sz="1000"/>
+              <a:defRPr sz="1600"/>
             </a:lvl7pPr>
             <a:lvl8pPr marL="3200400" indent="0">
               <a:buNone/>
-              <a:defRPr sz="1000"/>
+              <a:defRPr sz="1600"/>
             </a:lvl8pPr>
             <a:lvl9pPr marL="3657600" indent="0">
               <a:buNone/>
-              <a:defRPr sz="1000"/>
+              <a:defRPr sz="1600"/>
             </a:lvl9pPr>
           </a:lstStyle>
           <a:p>
+            <a:r>
+              <a:rPr lang="en-US" smtClean="0"/>
+              <a:t>Click icon to add picture</a:t>
+            </a:r>
+            <a:endParaRPr lang="en-US" dirty="0"/>
+          </a:p>
+        </p:txBody>
+      </p:sp>
+      <p:sp>
+        <p:nvSpPr>
+          <p:cNvPr id="4" name="Text Placeholder 3"/>
+          <p:cNvSpPr>
+            <a:spLocks noGrp="1"/>
+          </p:cNvSpPr>
+          <p:nvPr>
+            <p:ph type="body" sz="half" idx="2"/>
+          </p:nvPr>
+        </p:nvSpPr>
+        <p:spPr>
+          <a:xfrm>
+            <a:off x="677334" y="5367338"/>
+            <a:ext cx="8596667" cy="674024"/>
+          </a:xfrm>
+        </p:spPr>
+        <p:txBody>
+          <a:bodyPr>
+            <a:normAutofit/>
+          </a:bodyPr>
+          <a:lstStyle>
+            <a:lvl1pPr marL="0" indent="0">
+              <a:buNone/>
+              <a:defRPr sz="1200"/>
+            </a:lvl1pPr>
+            <a:lvl2pPr marL="457200" indent="0">
+              <a:buNone/>
+              <a:defRPr sz="1200"/>
+            </a:lvl2pPr>
+            <a:lvl3pPr marL="914400" indent="0">
+              <a:buNone/>
+              <a:defRPr sz="1000"/>
+            </a:lvl3pPr>
+            <a:lvl4pPr marL="1371600" indent="0">
+              <a:buNone/>
+              <a:defRPr sz="900"/>
+            </a:lvl4pPr>
+            <a:lvl5pPr marL="1828800" indent="0">
+              <a:buNone/>
+              <a:defRPr sz="900"/>
+            </a:lvl5pPr>
+            <a:lvl6pPr marL="2286000" indent="0">
+              <a:buNone/>
+              <a:defRPr sz="900"/>
+            </a:lvl6pPr>
+            <a:lvl7pPr marL="2743200" indent="0">
+              <a:buNone/>
+              <a:defRPr sz="900"/>
+            </a:lvl7pPr>
+            <a:lvl8pPr marL="3200400" indent="0">
+              <a:buNone/>
+              <a:defRPr sz="900"/>
+            </a:lvl8pPr>
+            <a:lvl9pPr marL="3657600" indent="0">
+              <a:buNone/>
+              <a:defRPr sz="900"/>
+            </a:lvl9pPr>
+          </a:lstStyle>
+          <a:p>
             <a:pPr lvl="0"/>
             <a:r>
               <a:rPr lang="en-US" smtClean="0"/>
@@ -2841,7 +5737,7 @@
           <a:p>
             <a:fld id="{E147C991-5936-49D3-B8BD-885B9AA452C4}" type="datetimeFigureOut">
               <a:rPr lang="en-US" smtClean="0"/>
-              <a:t>7/27/2020</a:t>
+              <a:t>7/28/2020</a:t>
             </a:fld>
             <a:endParaRPr lang="en-US"/>
           </a:p>
@@ -2892,7 +5788,7 @@
     </p:spTree>
     <p:extLst>
       <p:ext uri="{BB962C8B-B14F-4D97-AF65-F5344CB8AC3E}">
-        <p14:creationId xmlns:p14="http://schemas.microsoft.com/office/powerpoint/2010/main" val="2597325058"/>
+        <p14:creationId xmlns:p14="http://schemas.microsoft.com/office/powerpoint/2010/main" val="3998133596"/>
       </p:ext>
     </p:extLst>
   </p:cSld>
@@ -2924,6 +5820,536 @@
           <a:chExt cx="0" cy="0"/>
         </a:xfrm>
       </p:grpSpPr>
+      <p:grpSp>
+        <p:nvGrpSpPr>
+          <p:cNvPr id="7" name="Group 6"/>
+          <p:cNvGrpSpPr/>
+          <p:nvPr/>
+        </p:nvGrpSpPr>
+        <p:grpSpPr>
+          <a:xfrm>
+            <a:off x="0" y="-8467"/>
+            <a:ext cx="12192000" cy="6866467"/>
+            <a:chOff x="0" y="-8467"/>
+            <a:chExt cx="12192000" cy="6866467"/>
+          </a:xfrm>
+        </p:grpSpPr>
+        <p:cxnSp>
+          <p:nvCxnSpPr>
+            <p:cNvPr id="20" name="Straight Connector 19"/>
+            <p:cNvCxnSpPr/>
+            <p:nvPr/>
+          </p:nvCxnSpPr>
+          <p:spPr>
+            <a:xfrm>
+              <a:off x="9371012" y="0"/>
+              <a:ext cx="1219200" cy="6858000"/>
+            </a:xfrm>
+            <a:prstGeom prst="line">
+              <a:avLst/>
+            </a:prstGeom>
+            <a:ln w="9525">
+              <a:solidFill>
+                <a:schemeClr val="bg1">
+                  <a:lumMod val="75000"/>
+                </a:schemeClr>
+              </a:solidFill>
+            </a:ln>
+          </p:spPr>
+          <p:style>
+            <a:lnRef idx="2">
+              <a:schemeClr val="accent1"/>
+            </a:lnRef>
+            <a:fillRef idx="0">
+              <a:schemeClr val="accent1"/>
+            </a:fillRef>
+            <a:effectRef idx="1">
+              <a:schemeClr val="accent1"/>
+            </a:effectRef>
+            <a:fontRef idx="minor">
+              <a:schemeClr val="tx1"/>
+            </a:fontRef>
+          </p:style>
+        </p:cxnSp>
+        <p:cxnSp>
+          <p:nvCxnSpPr>
+            <p:cNvPr id="21" name="Straight Connector 20"/>
+            <p:cNvCxnSpPr/>
+            <p:nvPr/>
+          </p:nvCxnSpPr>
+          <p:spPr>
+            <a:xfrm flipH="1">
+              <a:off x="7425267" y="3681413"/>
+              <a:ext cx="4763558" cy="3176587"/>
+            </a:xfrm>
+            <a:prstGeom prst="line">
+              <a:avLst/>
+            </a:prstGeom>
+            <a:ln w="9525">
+              <a:solidFill>
+                <a:schemeClr val="bg1">
+                  <a:lumMod val="85000"/>
+                </a:schemeClr>
+              </a:solidFill>
+            </a:ln>
+          </p:spPr>
+          <p:style>
+            <a:lnRef idx="2">
+              <a:schemeClr val="accent1"/>
+            </a:lnRef>
+            <a:fillRef idx="0">
+              <a:schemeClr val="accent1"/>
+            </a:fillRef>
+            <a:effectRef idx="1">
+              <a:schemeClr val="accent1"/>
+            </a:effectRef>
+            <a:fontRef idx="minor">
+              <a:schemeClr val="tx1"/>
+            </a:fontRef>
+          </p:style>
+        </p:cxnSp>
+        <p:sp>
+          <p:nvSpPr>
+            <p:cNvPr id="22" name="Rectangle 23"/>
+            <p:cNvSpPr/>
+            <p:nvPr/>
+          </p:nvSpPr>
+          <p:spPr>
+            <a:xfrm>
+              <a:off x="9181476" y="-8467"/>
+              <a:ext cx="3007349" cy="6866467"/>
+            </a:xfrm>
+            <a:custGeom>
+              <a:avLst/>
+              <a:gdLst/>
+              <a:ahLst/>
+              <a:cxnLst/>
+              <a:rect l="l" t="t" r="r" b="b"/>
+              <a:pathLst>
+                <a:path w="3007349" h="6866467">
+                  <a:moveTo>
+                    <a:pt x="2045532" y="0"/>
+                  </a:moveTo>
+                  <a:lnTo>
+                    <a:pt x="3007349" y="0"/>
+                  </a:lnTo>
+                  <a:lnTo>
+                    <a:pt x="3007349" y="6866467"/>
+                  </a:lnTo>
+                  <a:lnTo>
+                    <a:pt x="0" y="6866467"/>
+                  </a:lnTo>
+                  <a:lnTo>
+                    <a:pt x="2045532" y="0"/>
+                  </a:lnTo>
+                  <a:close/>
+                </a:path>
+              </a:pathLst>
+            </a:custGeom>
+            <a:solidFill>
+              <a:schemeClr val="accent1">
+                <a:alpha val="30000"/>
+              </a:schemeClr>
+            </a:solidFill>
+            <a:ln>
+              <a:noFill/>
+            </a:ln>
+            <a:effectLst/>
+          </p:spPr>
+          <p:style>
+            <a:lnRef idx="1">
+              <a:schemeClr val="accent1"/>
+            </a:lnRef>
+            <a:fillRef idx="3">
+              <a:schemeClr val="accent1"/>
+            </a:fillRef>
+            <a:effectRef idx="2">
+              <a:schemeClr val="accent1"/>
+            </a:effectRef>
+            <a:fontRef idx="minor">
+              <a:schemeClr val="lt1"/>
+            </a:fontRef>
+          </p:style>
+        </p:sp>
+        <p:sp>
+          <p:nvSpPr>
+            <p:cNvPr id="23" name="Rectangle 25"/>
+            <p:cNvSpPr/>
+            <p:nvPr/>
+          </p:nvSpPr>
+          <p:spPr>
+            <a:xfrm>
+              <a:off x="9603442" y="-8467"/>
+              <a:ext cx="2588558" cy="6866467"/>
+            </a:xfrm>
+            <a:custGeom>
+              <a:avLst/>
+              <a:gdLst/>
+              <a:ahLst/>
+              <a:cxnLst/>
+              <a:rect l="l" t="t" r="r" b="b"/>
+              <a:pathLst>
+                <a:path w="2573311" h="6866467">
+                  <a:moveTo>
+                    <a:pt x="0" y="0"/>
+                  </a:moveTo>
+                  <a:lnTo>
+                    <a:pt x="2573311" y="0"/>
+                  </a:lnTo>
+                  <a:lnTo>
+                    <a:pt x="2573311" y="6866467"/>
+                  </a:lnTo>
+                  <a:lnTo>
+                    <a:pt x="1202336" y="6866467"/>
+                  </a:lnTo>
+                  <a:lnTo>
+                    <a:pt x="0" y="0"/>
+                  </a:lnTo>
+                  <a:close/>
+                </a:path>
+              </a:pathLst>
+            </a:custGeom>
+            <a:solidFill>
+              <a:schemeClr val="accent1">
+                <a:alpha val="20000"/>
+              </a:schemeClr>
+            </a:solidFill>
+            <a:ln>
+              <a:noFill/>
+            </a:ln>
+            <a:effectLst/>
+          </p:spPr>
+          <p:style>
+            <a:lnRef idx="1">
+              <a:schemeClr val="accent1"/>
+            </a:lnRef>
+            <a:fillRef idx="3">
+              <a:schemeClr val="accent1"/>
+            </a:fillRef>
+            <a:effectRef idx="2">
+              <a:schemeClr val="accent1"/>
+            </a:effectRef>
+            <a:fontRef idx="minor">
+              <a:schemeClr val="lt1"/>
+            </a:fontRef>
+          </p:style>
+        </p:sp>
+        <p:sp>
+          <p:nvSpPr>
+            <p:cNvPr id="24" name="Isosceles Triangle 23"/>
+            <p:cNvSpPr/>
+            <p:nvPr/>
+          </p:nvSpPr>
+          <p:spPr>
+            <a:xfrm>
+              <a:off x="8932333" y="3048000"/>
+              <a:ext cx="3259667" cy="3810000"/>
+            </a:xfrm>
+            <a:prstGeom prst="triangle">
+              <a:avLst>
+                <a:gd name="adj" fmla="val 100000"/>
+              </a:avLst>
+            </a:prstGeom>
+            <a:solidFill>
+              <a:schemeClr val="accent2">
+                <a:alpha val="72000"/>
+              </a:schemeClr>
+            </a:solidFill>
+            <a:ln>
+              <a:noFill/>
+            </a:ln>
+            <a:effectLst/>
+          </p:spPr>
+          <p:style>
+            <a:lnRef idx="1">
+              <a:schemeClr val="accent1"/>
+            </a:lnRef>
+            <a:fillRef idx="3">
+              <a:schemeClr val="accent1"/>
+            </a:fillRef>
+            <a:effectRef idx="2">
+              <a:schemeClr val="accent1"/>
+            </a:effectRef>
+            <a:fontRef idx="minor">
+              <a:schemeClr val="lt1"/>
+            </a:fontRef>
+          </p:style>
+        </p:sp>
+        <p:sp>
+          <p:nvSpPr>
+            <p:cNvPr id="25" name="Rectangle 27"/>
+            <p:cNvSpPr/>
+            <p:nvPr/>
+          </p:nvSpPr>
+          <p:spPr>
+            <a:xfrm>
+              <a:off x="9334500" y="-8467"/>
+              <a:ext cx="2854326" cy="6866467"/>
+            </a:xfrm>
+            <a:custGeom>
+              <a:avLst/>
+              <a:gdLst/>
+              <a:ahLst/>
+              <a:cxnLst/>
+              <a:rect l="l" t="t" r="r" b="b"/>
+              <a:pathLst>
+                <a:path w="2858013" h="6866467">
+                  <a:moveTo>
+                    <a:pt x="0" y="0"/>
+                  </a:moveTo>
+                  <a:lnTo>
+                    <a:pt x="2858013" y="0"/>
+                  </a:lnTo>
+                  <a:lnTo>
+                    <a:pt x="2858013" y="6866467"/>
+                  </a:lnTo>
+                  <a:lnTo>
+                    <a:pt x="2473942" y="6866467"/>
+                  </a:lnTo>
+                  <a:lnTo>
+                    <a:pt x="0" y="0"/>
+                  </a:lnTo>
+                  <a:close/>
+                </a:path>
+              </a:pathLst>
+            </a:custGeom>
+            <a:solidFill>
+              <a:schemeClr val="accent2">
+                <a:lumMod val="75000"/>
+                <a:alpha val="70000"/>
+              </a:schemeClr>
+            </a:solidFill>
+            <a:ln>
+              <a:noFill/>
+            </a:ln>
+            <a:effectLst/>
+          </p:spPr>
+          <p:style>
+            <a:lnRef idx="1">
+              <a:schemeClr val="accent1"/>
+            </a:lnRef>
+            <a:fillRef idx="3">
+              <a:schemeClr val="accent1"/>
+            </a:fillRef>
+            <a:effectRef idx="2">
+              <a:schemeClr val="accent1"/>
+            </a:effectRef>
+            <a:fontRef idx="minor">
+              <a:schemeClr val="lt1"/>
+            </a:fontRef>
+          </p:style>
+        </p:sp>
+        <p:sp>
+          <p:nvSpPr>
+            <p:cNvPr id="26" name="Rectangle 28"/>
+            <p:cNvSpPr/>
+            <p:nvPr/>
+          </p:nvSpPr>
+          <p:spPr>
+            <a:xfrm>
+              <a:off x="10898730" y="-8467"/>
+              <a:ext cx="1290094" cy="6866467"/>
+            </a:xfrm>
+            <a:custGeom>
+              <a:avLst/>
+              <a:gdLst/>
+              <a:ahLst/>
+              <a:cxnLst/>
+              <a:rect l="l" t="t" r="r" b="b"/>
+              <a:pathLst>
+                <a:path w="1290094" h="6858000">
+                  <a:moveTo>
+                    <a:pt x="1019735" y="0"/>
+                  </a:moveTo>
+                  <a:lnTo>
+                    <a:pt x="1290094" y="0"/>
+                  </a:lnTo>
+                  <a:lnTo>
+                    <a:pt x="1290094" y="6858000"/>
+                  </a:lnTo>
+                  <a:lnTo>
+                    <a:pt x="0" y="6858000"/>
+                  </a:lnTo>
+                  <a:lnTo>
+                    <a:pt x="1019735" y="0"/>
+                  </a:lnTo>
+                  <a:close/>
+                </a:path>
+              </a:pathLst>
+            </a:custGeom>
+            <a:solidFill>
+              <a:schemeClr val="accent1">
+                <a:lumMod val="60000"/>
+                <a:lumOff val="40000"/>
+                <a:alpha val="70000"/>
+              </a:schemeClr>
+            </a:solidFill>
+            <a:ln>
+              <a:noFill/>
+            </a:ln>
+            <a:effectLst/>
+          </p:spPr>
+          <p:style>
+            <a:lnRef idx="1">
+              <a:schemeClr val="accent1"/>
+            </a:lnRef>
+            <a:fillRef idx="3">
+              <a:schemeClr val="accent1"/>
+            </a:fillRef>
+            <a:effectRef idx="2">
+              <a:schemeClr val="accent1"/>
+            </a:effectRef>
+            <a:fontRef idx="minor">
+              <a:schemeClr val="lt1"/>
+            </a:fontRef>
+          </p:style>
+        </p:sp>
+        <p:sp>
+          <p:nvSpPr>
+            <p:cNvPr id="27" name="Rectangle 29"/>
+            <p:cNvSpPr/>
+            <p:nvPr/>
+          </p:nvSpPr>
+          <p:spPr>
+            <a:xfrm>
+              <a:off x="10938999" y="-8467"/>
+              <a:ext cx="1249825" cy="6866467"/>
+            </a:xfrm>
+            <a:custGeom>
+              <a:avLst/>
+              <a:gdLst/>
+              <a:ahLst/>
+              <a:cxnLst/>
+              <a:rect l="l" t="t" r="r" b="b"/>
+              <a:pathLst>
+                <a:path w="1249825" h="6858000">
+                  <a:moveTo>
+                    <a:pt x="0" y="0"/>
+                  </a:moveTo>
+                  <a:lnTo>
+                    <a:pt x="1249825" y="0"/>
+                  </a:lnTo>
+                  <a:lnTo>
+                    <a:pt x="1249825" y="6858000"/>
+                  </a:lnTo>
+                  <a:lnTo>
+                    <a:pt x="1109382" y="6858000"/>
+                  </a:lnTo>
+                  <a:lnTo>
+                    <a:pt x="0" y="0"/>
+                  </a:lnTo>
+                  <a:close/>
+                </a:path>
+              </a:pathLst>
+            </a:custGeom>
+            <a:solidFill>
+              <a:schemeClr val="accent1">
+                <a:alpha val="65000"/>
+              </a:schemeClr>
+            </a:solidFill>
+            <a:ln>
+              <a:noFill/>
+            </a:ln>
+            <a:effectLst/>
+          </p:spPr>
+          <p:style>
+            <a:lnRef idx="1">
+              <a:schemeClr val="accent1"/>
+            </a:lnRef>
+            <a:fillRef idx="3">
+              <a:schemeClr val="accent1"/>
+            </a:fillRef>
+            <a:effectRef idx="2">
+              <a:schemeClr val="accent1"/>
+            </a:effectRef>
+            <a:fontRef idx="minor">
+              <a:schemeClr val="lt1"/>
+            </a:fontRef>
+          </p:style>
+        </p:sp>
+        <p:sp>
+          <p:nvSpPr>
+            <p:cNvPr id="28" name="Isosceles Triangle 27"/>
+            <p:cNvSpPr/>
+            <p:nvPr/>
+          </p:nvSpPr>
+          <p:spPr>
+            <a:xfrm>
+              <a:off x="10371666" y="3589867"/>
+              <a:ext cx="1817159" cy="3268133"/>
+            </a:xfrm>
+            <a:prstGeom prst="triangle">
+              <a:avLst>
+                <a:gd name="adj" fmla="val 100000"/>
+              </a:avLst>
+            </a:prstGeom>
+            <a:solidFill>
+              <a:schemeClr val="accent1">
+                <a:alpha val="80000"/>
+              </a:schemeClr>
+            </a:solidFill>
+            <a:ln>
+              <a:noFill/>
+            </a:ln>
+            <a:effectLst/>
+          </p:spPr>
+          <p:style>
+            <a:lnRef idx="1">
+              <a:schemeClr val="accent1"/>
+            </a:lnRef>
+            <a:fillRef idx="3">
+              <a:schemeClr val="accent1"/>
+            </a:fillRef>
+            <a:effectRef idx="2">
+              <a:schemeClr val="accent1"/>
+            </a:effectRef>
+            <a:fontRef idx="minor">
+              <a:schemeClr val="lt1"/>
+            </a:fontRef>
+          </p:style>
+        </p:sp>
+        <p:sp>
+          <p:nvSpPr>
+            <p:cNvPr id="29" name="Isosceles Triangle 28"/>
+            <p:cNvSpPr/>
+            <p:nvPr/>
+          </p:nvSpPr>
+          <p:spPr>
+            <a:xfrm>
+              <a:off x="0" y="4013200"/>
+              <a:ext cx="448733" cy="2844800"/>
+            </a:xfrm>
+            <a:prstGeom prst="triangle">
+              <a:avLst>
+                <a:gd name="adj" fmla="val 0"/>
+              </a:avLst>
+            </a:prstGeom>
+            <a:solidFill>
+              <a:schemeClr val="accent1">
+                <a:alpha val="85000"/>
+              </a:schemeClr>
+            </a:solidFill>
+            <a:ln>
+              <a:noFill/>
+            </a:ln>
+            <a:effectLst/>
+          </p:spPr>
+          <p:style>
+            <a:lnRef idx="1">
+              <a:schemeClr val="accent1"/>
+            </a:lnRef>
+            <a:fillRef idx="3">
+              <a:schemeClr val="accent1"/>
+            </a:fillRef>
+            <a:effectRef idx="2">
+              <a:schemeClr val="accent1"/>
+            </a:effectRef>
+            <a:fontRef idx="minor">
+              <a:schemeClr val="lt1"/>
+            </a:fontRef>
+          </p:style>
+        </p:sp>
+      </p:grpSp>
       <p:sp>
         <p:nvSpPr>
           <p:cNvPr id="2" name="Title Placeholder 1"/>
@@ -2936,15 +6362,15 @@
         </p:nvSpPr>
         <p:spPr>
           <a:xfrm>
-            <a:off x="838200" y="365125"/>
-            <a:ext cx="10515600" cy="1325563"/>
+            <a:off x="677334" y="609600"/>
+            <a:ext cx="8596668" cy="1320800"/>
           </a:xfrm>
           <a:prstGeom prst="rect">
             <a:avLst/>
           </a:prstGeom>
         </p:spPr>
         <p:txBody>
-          <a:bodyPr vert="horz" lIns="91440" tIns="45720" rIns="91440" bIns="45720" rtlCol="0" anchor="ctr">
+          <a:bodyPr vert="horz" lIns="91440" tIns="45720" rIns="91440" bIns="45720" rtlCol="0" anchor="t">
             <a:normAutofit/>
           </a:bodyPr>
           <a:lstStyle/>
@@ -2953,7 +6379,7 @@
               <a:rPr lang="en-US" smtClean="0"/>
               <a:t>Click to edit Master title style</a:t>
             </a:r>
-            <a:endParaRPr lang="en-US"/>
+            <a:endParaRPr lang="en-US" dirty="0"/>
           </a:p>
         </p:txBody>
       </p:sp>
@@ -2969,8 +6395,8 @@
         </p:nvSpPr>
         <p:spPr>
           <a:xfrm>
-            <a:off x="838200" y="1825625"/>
-            <a:ext cx="10515600" cy="4351338"/>
+            <a:off x="677334" y="2160589"/>
+            <a:ext cx="8596668" cy="3880773"/>
           </a:xfrm>
           <a:prstGeom prst="rect">
             <a:avLst/>
@@ -3015,7 +6441,7 @@
               <a:rPr lang="en-US" smtClean="0"/>
               <a:t>Fifth level</a:t>
             </a:r>
-            <a:endParaRPr lang="en-US"/>
+            <a:endParaRPr lang="en-US" dirty="0"/>
           </a:p>
         </p:txBody>
       </p:sp>
@@ -3031,8 +6457,8 @@
         </p:nvSpPr>
         <p:spPr>
           <a:xfrm>
-            <a:off x="838200" y="6356350"/>
-            <a:ext cx="2743200" cy="365125"/>
+            <a:off x="7205133" y="6041362"/>
+            <a:ext cx="911939" cy="365125"/>
           </a:xfrm>
           <a:prstGeom prst="rect">
             <a:avLst/>
@@ -3041,8 +6467,8 @@
         <p:txBody>
           <a:bodyPr vert="horz" lIns="91440" tIns="45720" rIns="91440" bIns="45720" rtlCol="0" anchor="ctr"/>
           <a:lstStyle>
-            <a:lvl1pPr algn="l">
-              <a:defRPr sz="1200">
+            <a:lvl1pPr algn="r">
+              <a:defRPr sz="900">
                 <a:solidFill>
                   <a:schemeClr val="tx1">
                     <a:tint val="75000"/>
@@ -3054,7 +6480,7 @@
           <a:p>
             <a:fld id="{E147C991-5936-49D3-B8BD-885B9AA452C4}" type="datetimeFigureOut">
               <a:rPr lang="en-US" smtClean="0"/>
-              <a:t>7/27/2020</a:t>
+              <a:t>7/28/2020</a:t>
             </a:fld>
             <a:endParaRPr lang="en-US"/>
           </a:p>
@@ -3072,8 +6498,8 @@
         </p:nvSpPr>
         <p:spPr>
           <a:xfrm>
-            <a:off x="4038600" y="6356350"/>
-            <a:ext cx="4114800" cy="365125"/>
+            <a:off x="677334" y="6041362"/>
+            <a:ext cx="6297612" cy="365125"/>
           </a:xfrm>
           <a:prstGeom prst="rect">
             <a:avLst/>
@@ -3082,8 +6508,8 @@
         <p:txBody>
           <a:bodyPr vert="horz" lIns="91440" tIns="45720" rIns="91440" bIns="45720" rtlCol="0" anchor="ctr"/>
           <a:lstStyle>
-            <a:lvl1pPr algn="ctr">
-              <a:defRPr sz="1200">
+            <a:lvl1pPr algn="l">
+              <a:defRPr sz="900">
                 <a:solidFill>
                   <a:schemeClr val="tx1">
                     <a:tint val="75000"/>
@@ -3109,8 +6535,8 @@
         </p:nvSpPr>
         <p:spPr>
           <a:xfrm>
-            <a:off x="8610600" y="6356350"/>
-            <a:ext cx="2743200" cy="365125"/>
+            <a:off x="8590663" y="6041362"/>
+            <a:ext cx="683339" cy="365125"/>
           </a:xfrm>
           <a:prstGeom prst="rect">
             <a:avLst/>
@@ -3120,11 +6546,9 @@
           <a:bodyPr vert="horz" lIns="91440" tIns="45720" rIns="91440" bIns="45720" rtlCol="0" anchor="ctr"/>
           <a:lstStyle>
             <a:lvl1pPr algn="r">
-              <a:defRPr sz="1200">
+              <a:defRPr sz="900">
                 <a:solidFill>
-                  <a:schemeClr val="tx1">
-                    <a:tint val="75000"/>
-                  </a:schemeClr>
+                  <a:schemeClr val="accent1"/>
                 </a:solidFill>
               </a:defRPr>
             </a:lvl1pPr>
@@ -3141,201 +6565,322 @@
     </p:spTree>
     <p:extLst>
       <p:ext uri="{BB962C8B-B14F-4D97-AF65-F5344CB8AC3E}">
-        <p14:creationId xmlns:p14="http://schemas.microsoft.com/office/powerpoint/2010/main" val="3380722526"/>
+        <p14:creationId xmlns:p14="http://schemas.microsoft.com/office/powerpoint/2010/main" val="3301306874"/>
       </p:ext>
     </p:extLst>
   </p:cSld>
   <p:clrMap bg1="lt1" tx1="dk1" bg2="lt2" tx2="dk2" accent1="accent1" accent2="accent2" accent3="accent3" accent4="accent4" accent5="accent5" accent6="accent6" hlink="hlink" folHlink="folHlink"/>
   <p:sldLayoutIdLst>
-    <p:sldLayoutId id="2147483649" r:id="rId1"/>
-    <p:sldLayoutId id="2147483650" r:id="rId2"/>
-    <p:sldLayoutId id="2147483651" r:id="rId3"/>
-    <p:sldLayoutId id="2147483652" r:id="rId4"/>
-    <p:sldLayoutId id="2147483653" r:id="rId5"/>
-    <p:sldLayoutId id="2147483654" r:id="rId6"/>
-    <p:sldLayoutId id="2147483655" r:id="rId7"/>
-    <p:sldLayoutId id="2147483656" r:id="rId8"/>
-    <p:sldLayoutId id="2147483657" r:id="rId9"/>
-    <p:sldLayoutId id="2147483658" r:id="rId10"/>
-    <p:sldLayoutId id="2147483659" r:id="rId11"/>
+    <p:sldLayoutId id="2147483695" r:id="rId1"/>
+    <p:sldLayoutId id="2147483696" r:id="rId2"/>
+    <p:sldLayoutId id="2147483697" r:id="rId3"/>
+    <p:sldLayoutId id="2147483698" r:id="rId4"/>
+    <p:sldLayoutId id="2147483699" r:id="rId5"/>
+    <p:sldLayoutId id="2147483700" r:id="rId6"/>
+    <p:sldLayoutId id="2147483701" r:id="rId7"/>
+    <p:sldLayoutId id="2147483702" r:id="rId8"/>
+    <p:sldLayoutId id="2147483703" r:id="rId9"/>
+    <p:sldLayoutId id="2147483704" r:id="rId10"/>
+    <p:sldLayoutId id="2147483705" r:id="rId11"/>
+    <p:sldLayoutId id="2147483706" r:id="rId12"/>
+    <p:sldLayoutId id="2147483707" r:id="rId13"/>
+    <p:sldLayoutId id="2147483708" r:id="rId14"/>
+    <p:sldLayoutId id="2147483709" r:id="rId15"/>
+    <p:sldLayoutId id="2147483710" r:id="rId16"/>
   </p:sldLayoutIdLst>
   <p:txStyles>
     <p:titleStyle>
-      <a:lvl1pPr algn="l" defTabSz="914400" rtl="0" eaLnBrk="1" latinLnBrk="0" hangingPunct="1">
-        <a:lnSpc>
-          <a:spcPct val="90000"/>
-        </a:lnSpc>
+      <a:lvl1pPr algn="l" defTabSz="457200" rtl="0" eaLnBrk="1" latinLnBrk="0" hangingPunct="1">
         <a:spcBef>
           <a:spcPct val="0"/>
         </a:spcBef>
         <a:buNone/>
-        <a:defRPr sz="4400" kern="1200">
+        <a:defRPr sz="3600" kern="1200">
           <a:solidFill>
-            <a:schemeClr val="tx1"/>
+            <a:schemeClr val="accent1"/>
           </a:solidFill>
           <a:latin typeface="+mj-lt"/>
           <a:ea typeface="+mj-ea"/>
           <a:cs typeface="+mj-cs"/>
         </a:defRPr>
       </a:lvl1pPr>
+      <a:lvl2pPr eaLnBrk="1" hangingPunct="1">
+        <a:defRPr>
+          <a:solidFill>
+            <a:schemeClr val="tx2"/>
+          </a:solidFill>
+        </a:defRPr>
+      </a:lvl2pPr>
+      <a:lvl3pPr eaLnBrk="1" hangingPunct="1">
+        <a:defRPr>
+          <a:solidFill>
+            <a:schemeClr val="tx2"/>
+          </a:solidFill>
+        </a:defRPr>
+      </a:lvl3pPr>
+      <a:lvl4pPr eaLnBrk="1" hangingPunct="1">
+        <a:defRPr>
+          <a:solidFill>
+            <a:schemeClr val="tx2"/>
+          </a:solidFill>
+        </a:defRPr>
+      </a:lvl4pPr>
+      <a:lvl5pPr eaLnBrk="1" hangingPunct="1">
+        <a:defRPr>
+          <a:solidFill>
+            <a:schemeClr val="tx2"/>
+          </a:solidFill>
+        </a:defRPr>
+      </a:lvl5pPr>
+      <a:lvl6pPr eaLnBrk="1" hangingPunct="1">
+        <a:defRPr>
+          <a:solidFill>
+            <a:schemeClr val="tx2"/>
+          </a:solidFill>
+        </a:defRPr>
+      </a:lvl6pPr>
+      <a:lvl7pPr eaLnBrk="1" hangingPunct="1">
+        <a:defRPr>
+          <a:solidFill>
+            <a:schemeClr val="tx2"/>
+          </a:solidFill>
+        </a:defRPr>
+      </a:lvl7pPr>
+      <a:lvl8pPr eaLnBrk="1" hangingPunct="1">
+        <a:defRPr>
+          <a:solidFill>
+            <a:schemeClr val="tx2"/>
+          </a:solidFill>
+        </a:defRPr>
+      </a:lvl8pPr>
+      <a:lvl9pPr eaLnBrk="1" hangingPunct="1">
+        <a:defRPr>
+          <a:solidFill>
+            <a:schemeClr val="tx2"/>
+          </a:solidFill>
+        </a:defRPr>
+      </a:lvl9pPr>
     </p:titleStyle>
     <p:bodyStyle>
-      <a:lvl1pPr marL="228600" indent="-228600" algn="l" defTabSz="914400" rtl="0" eaLnBrk="1" latinLnBrk="0" hangingPunct="1">
-        <a:lnSpc>
-          <a:spcPct val="90000"/>
-        </a:lnSpc>
+      <a:lvl1pPr marL="342900" indent="-342900" algn="l" defTabSz="457200" rtl="0" eaLnBrk="1" latinLnBrk="0" hangingPunct="1">
         <a:spcBef>
           <a:spcPts val="1000"/>
         </a:spcBef>
-        <a:buFont typeface="Arial" panose="020B0604020202020204" pitchFamily="34" charset="0"/>
-        <a:buChar char="•"/>
-        <a:defRPr sz="2800" kern="1200">
+        <a:spcAft>
+          <a:spcPts val="0"/>
+        </a:spcAft>
+        <a:buClr>
+          <a:schemeClr val="accent1"/>
+        </a:buClr>
+        <a:buSzPct val="80000"/>
+        <a:buFont typeface="Wingdings 3" charset="2"/>
+        <a:buChar char=""/>
+        <a:defRPr sz="1800" kern="1200">
           <a:solidFill>
-            <a:schemeClr val="tx1"/>
+            <a:schemeClr val="tx1">
+              <a:lumMod val="75000"/>
+              <a:lumOff val="25000"/>
+            </a:schemeClr>
           </a:solidFill>
           <a:latin typeface="+mn-lt"/>
           <a:ea typeface="+mn-ea"/>
           <a:cs typeface="+mn-cs"/>
         </a:defRPr>
       </a:lvl1pPr>
-      <a:lvl2pPr marL="685800" indent="-228600" algn="l" defTabSz="914400" rtl="0" eaLnBrk="1" latinLnBrk="0" hangingPunct="1">
-        <a:lnSpc>
-          <a:spcPct val="90000"/>
-        </a:lnSpc>
+      <a:lvl2pPr marL="742950" indent="-285750" algn="l" defTabSz="457200" rtl="0" eaLnBrk="1" latinLnBrk="0" hangingPunct="1">
         <a:spcBef>
-          <a:spcPts val="500"/>
+          <a:spcPts val="1000"/>
         </a:spcBef>
-        <a:buFont typeface="Arial" panose="020B0604020202020204" pitchFamily="34" charset="0"/>
-        <a:buChar char="•"/>
-        <a:defRPr sz="2400" kern="1200">
+        <a:spcAft>
+          <a:spcPts val="0"/>
+        </a:spcAft>
+        <a:buClr>
+          <a:schemeClr val="accent1"/>
+        </a:buClr>
+        <a:buSzPct val="80000"/>
+        <a:buFont typeface="Wingdings 3" charset="2"/>
+        <a:buChar char=""/>
+        <a:defRPr sz="1600" kern="1200">
           <a:solidFill>
-            <a:schemeClr val="tx1"/>
+            <a:schemeClr val="tx1">
+              <a:lumMod val="75000"/>
+              <a:lumOff val="25000"/>
+            </a:schemeClr>
           </a:solidFill>
           <a:latin typeface="+mn-lt"/>
           <a:ea typeface="+mn-ea"/>
           <a:cs typeface="+mn-cs"/>
         </a:defRPr>
       </a:lvl2pPr>
-      <a:lvl3pPr marL="1143000" indent="-228600" algn="l" defTabSz="914400" rtl="0" eaLnBrk="1" latinLnBrk="0" hangingPunct="1">
-        <a:lnSpc>
-          <a:spcPct val="90000"/>
-        </a:lnSpc>
+      <a:lvl3pPr marL="1143000" indent="-228600" algn="l" defTabSz="457200" rtl="0" eaLnBrk="1" latinLnBrk="0" hangingPunct="1">
         <a:spcBef>
-          <a:spcPts val="500"/>
+          <a:spcPts val="1000"/>
         </a:spcBef>
-        <a:buFont typeface="Arial" panose="020B0604020202020204" pitchFamily="34" charset="0"/>
-        <a:buChar char="•"/>
-        <a:defRPr sz="2000" kern="1200">
+        <a:spcAft>
+          <a:spcPts val="0"/>
+        </a:spcAft>
+        <a:buClr>
+          <a:schemeClr val="accent1"/>
+        </a:buClr>
+        <a:buSzPct val="80000"/>
+        <a:buFont typeface="Wingdings 3" charset="2"/>
+        <a:buChar char=""/>
+        <a:defRPr sz="1400" kern="1200">
           <a:solidFill>
-            <a:schemeClr val="tx1"/>
+            <a:schemeClr val="tx1">
+              <a:lumMod val="75000"/>
+              <a:lumOff val="25000"/>
+            </a:schemeClr>
           </a:solidFill>
           <a:latin typeface="+mn-lt"/>
           <a:ea typeface="+mn-ea"/>
           <a:cs typeface="+mn-cs"/>
         </a:defRPr>
       </a:lvl3pPr>
-      <a:lvl4pPr marL="1600200" indent="-228600" algn="l" defTabSz="914400" rtl="0" eaLnBrk="1" latinLnBrk="0" hangingPunct="1">
-        <a:lnSpc>
-          <a:spcPct val="90000"/>
-        </a:lnSpc>
+      <a:lvl4pPr marL="1600200" indent="-228600" algn="l" defTabSz="457200" rtl="0" eaLnBrk="1" latinLnBrk="0" hangingPunct="1">
         <a:spcBef>
-          <a:spcPts val="500"/>
+          <a:spcPts val="1000"/>
         </a:spcBef>
-        <a:buFont typeface="Arial" panose="020B0604020202020204" pitchFamily="34" charset="0"/>
-        <a:buChar char="•"/>
-        <a:defRPr sz="1800" kern="1200">
+        <a:spcAft>
+          <a:spcPts val="0"/>
+        </a:spcAft>
+        <a:buClr>
+          <a:schemeClr val="accent1"/>
+        </a:buClr>
+        <a:buSzPct val="80000"/>
+        <a:buFont typeface="Wingdings 3" charset="2"/>
+        <a:buChar char=""/>
+        <a:defRPr sz="1200" kern="1200">
           <a:solidFill>
-            <a:schemeClr val="tx1"/>
+            <a:schemeClr val="tx1">
+              <a:lumMod val="75000"/>
+              <a:lumOff val="25000"/>
+            </a:schemeClr>
           </a:solidFill>
           <a:latin typeface="+mn-lt"/>
           <a:ea typeface="+mn-ea"/>
           <a:cs typeface="+mn-cs"/>
         </a:defRPr>
       </a:lvl4pPr>
-      <a:lvl5pPr marL="2057400" indent="-228600" algn="l" defTabSz="914400" rtl="0" eaLnBrk="1" latinLnBrk="0" hangingPunct="1">
-        <a:lnSpc>
-          <a:spcPct val="90000"/>
-        </a:lnSpc>
+      <a:lvl5pPr marL="2057400" indent="-228600" algn="l" defTabSz="457200" rtl="0" eaLnBrk="1" latinLnBrk="0" hangingPunct="1">
         <a:spcBef>
-          <a:spcPts val="500"/>
+          <a:spcPts val="1000"/>
         </a:spcBef>
-        <a:buFont typeface="Arial" panose="020B0604020202020204" pitchFamily="34" charset="0"/>
-        <a:buChar char="•"/>
-        <a:defRPr sz="1800" kern="1200">
+        <a:spcAft>
+          <a:spcPts val="0"/>
+        </a:spcAft>
+        <a:buClr>
+          <a:schemeClr val="accent1"/>
+        </a:buClr>
+        <a:buSzPct val="80000"/>
+        <a:buFont typeface="Wingdings 3" charset="2"/>
+        <a:buChar char=""/>
+        <a:defRPr sz="1200" kern="1200">
           <a:solidFill>
-            <a:schemeClr val="tx1"/>
+            <a:schemeClr val="tx1">
+              <a:lumMod val="75000"/>
+              <a:lumOff val="25000"/>
+            </a:schemeClr>
           </a:solidFill>
           <a:latin typeface="+mn-lt"/>
           <a:ea typeface="+mn-ea"/>
           <a:cs typeface="+mn-cs"/>
         </a:defRPr>
       </a:lvl5pPr>
-      <a:lvl6pPr marL="2514600" indent="-228600" algn="l" defTabSz="914400" rtl="0" eaLnBrk="1" latinLnBrk="0" hangingPunct="1">
-        <a:lnSpc>
-          <a:spcPct val="90000"/>
-        </a:lnSpc>
+      <a:lvl6pPr marL="2514600" indent="-228600" algn="l" defTabSz="457200" rtl="0" eaLnBrk="1" latinLnBrk="0" hangingPunct="1">
         <a:spcBef>
-          <a:spcPts val="500"/>
+          <a:spcPts val="1000"/>
         </a:spcBef>
-        <a:buFont typeface="Arial" panose="020B0604020202020204" pitchFamily="34" charset="0"/>
-        <a:buChar char="•"/>
-        <a:defRPr sz="1800" kern="1200">
+        <a:spcAft>
+          <a:spcPts val="0"/>
+        </a:spcAft>
+        <a:buClr>
+          <a:schemeClr val="accent1"/>
+        </a:buClr>
+        <a:buSzPct val="80000"/>
+        <a:buFont typeface="Wingdings 3" charset="2"/>
+        <a:buChar char=""/>
+        <a:defRPr sz="1200" kern="1200">
           <a:solidFill>
-            <a:schemeClr val="tx1"/>
+            <a:schemeClr val="tx1">
+              <a:lumMod val="75000"/>
+              <a:lumOff val="25000"/>
+            </a:schemeClr>
           </a:solidFill>
           <a:latin typeface="+mn-lt"/>
           <a:ea typeface="+mn-ea"/>
           <a:cs typeface="+mn-cs"/>
         </a:defRPr>
       </a:lvl6pPr>
-      <a:lvl7pPr marL="2971800" indent="-228600" algn="l" defTabSz="914400" rtl="0" eaLnBrk="1" latinLnBrk="0" hangingPunct="1">
-        <a:lnSpc>
-          <a:spcPct val="90000"/>
-        </a:lnSpc>
+      <a:lvl7pPr marL="2971800" indent="-228600" algn="l" defTabSz="457200" rtl="0" eaLnBrk="1" latinLnBrk="0" hangingPunct="1">
         <a:spcBef>
-          <a:spcPts val="500"/>
+          <a:spcPts val="1000"/>
         </a:spcBef>
-        <a:buFont typeface="Arial" panose="020B0604020202020204" pitchFamily="34" charset="0"/>
-        <a:buChar char="•"/>
-        <a:defRPr sz="1800" kern="1200">
+        <a:spcAft>
+          <a:spcPts val="0"/>
+        </a:spcAft>
+        <a:buClr>
+          <a:schemeClr val="accent1"/>
+        </a:buClr>
+        <a:buSzPct val="80000"/>
+        <a:buFont typeface="Wingdings 3" charset="2"/>
+        <a:buChar char=""/>
+        <a:defRPr sz="1200" kern="1200">
           <a:solidFill>
-            <a:schemeClr val="tx1"/>
+            <a:schemeClr val="tx1">
+              <a:lumMod val="75000"/>
+              <a:lumOff val="25000"/>
+            </a:schemeClr>
           </a:solidFill>
           <a:latin typeface="+mn-lt"/>
           <a:ea typeface="+mn-ea"/>
           <a:cs typeface="+mn-cs"/>
         </a:defRPr>
       </a:lvl7pPr>
-      <a:lvl8pPr marL="3429000" indent="-228600" algn="l" defTabSz="914400" rtl="0" eaLnBrk="1" latinLnBrk="0" hangingPunct="1">
-        <a:lnSpc>
-          <a:spcPct val="90000"/>
-        </a:lnSpc>
+      <a:lvl8pPr marL="3429000" indent="-228600" algn="l" defTabSz="457200" rtl="0" eaLnBrk="1" latinLnBrk="0" hangingPunct="1">
         <a:spcBef>
-          <a:spcPts val="500"/>
+          <a:spcPts val="1000"/>
         </a:spcBef>
-        <a:buFont typeface="Arial" panose="020B0604020202020204" pitchFamily="34" charset="0"/>
-        <a:buChar char="•"/>
-        <a:defRPr sz="1800" kern="1200">
+        <a:spcAft>
+          <a:spcPts val="0"/>
+        </a:spcAft>
+        <a:buClr>
+          <a:schemeClr val="accent1"/>
+        </a:buClr>
+        <a:buSzPct val="80000"/>
+        <a:buFont typeface="Wingdings 3" charset="2"/>
+        <a:buChar char=""/>
+        <a:defRPr sz="1200" kern="1200">
           <a:solidFill>
-            <a:schemeClr val="tx1"/>
+            <a:schemeClr val="tx1">
+              <a:lumMod val="75000"/>
+              <a:lumOff val="25000"/>
+            </a:schemeClr>
           </a:solidFill>
           <a:latin typeface="+mn-lt"/>
           <a:ea typeface="+mn-ea"/>
           <a:cs typeface="+mn-cs"/>
         </a:defRPr>
       </a:lvl8pPr>
-      <a:lvl9pPr marL="3886200" indent="-228600" algn="l" defTabSz="914400" rtl="0" eaLnBrk="1" latinLnBrk="0" hangingPunct="1">
-        <a:lnSpc>
-          <a:spcPct val="90000"/>
-        </a:lnSpc>
+      <a:lvl9pPr marL="3886200" indent="-228600" algn="l" defTabSz="457200" rtl="0" eaLnBrk="1" latinLnBrk="0" hangingPunct="1">
         <a:spcBef>
-          <a:spcPts val="500"/>
+          <a:spcPts val="1000"/>
         </a:spcBef>
-        <a:buFont typeface="Arial" panose="020B0604020202020204" pitchFamily="34" charset="0"/>
-        <a:buChar char="•"/>
-        <a:defRPr sz="1800" kern="1200">
+        <a:spcAft>
+          <a:spcPts val="0"/>
+        </a:spcAft>
+        <a:buClr>
+          <a:schemeClr val="accent1"/>
+        </a:buClr>
+        <a:buSzPct val="80000"/>
+        <a:buFont typeface="Wingdings 3" charset="2"/>
+        <a:buChar char=""/>
+        <a:defRPr sz="1200" kern="1200">
           <a:solidFill>
-            <a:schemeClr val="tx1"/>
+            <a:schemeClr val="tx1">
+              <a:lumMod val="75000"/>
+              <a:lumOff val="25000"/>
+            </a:schemeClr>
           </a:solidFill>
           <a:latin typeface="+mn-lt"/>
           <a:ea typeface="+mn-ea"/>
@@ -3347,7 +6892,7 @@
       <a:defPPr>
         <a:defRPr lang="en-US"/>
       </a:defPPr>
-      <a:lvl1pPr marL="0" algn="l" defTabSz="914400" rtl="0" eaLnBrk="1" latinLnBrk="0" hangingPunct="1">
+      <a:lvl1pPr marL="0" algn="l" defTabSz="457200" rtl="0" eaLnBrk="1" latinLnBrk="0" hangingPunct="1">
         <a:defRPr sz="1800" kern="1200">
           <a:solidFill>
             <a:schemeClr val="tx1"/>
@@ -3357,7 +6902,7 @@
           <a:cs typeface="+mn-cs"/>
         </a:defRPr>
       </a:lvl1pPr>
-      <a:lvl2pPr marL="457200" algn="l" defTabSz="914400" rtl="0" eaLnBrk="1" latinLnBrk="0" hangingPunct="1">
+      <a:lvl2pPr marL="457200" algn="l" defTabSz="457200" rtl="0" eaLnBrk="1" latinLnBrk="0" hangingPunct="1">
         <a:defRPr sz="1800" kern="1200">
           <a:solidFill>
             <a:schemeClr val="tx1"/>
@@ -3367,7 +6912,7 @@
           <a:cs typeface="+mn-cs"/>
         </a:defRPr>
       </a:lvl2pPr>
-      <a:lvl3pPr marL="914400" algn="l" defTabSz="914400" rtl="0" eaLnBrk="1" latinLnBrk="0" hangingPunct="1">
+      <a:lvl3pPr marL="914400" algn="l" defTabSz="457200" rtl="0" eaLnBrk="1" latinLnBrk="0" hangingPunct="1">
         <a:defRPr sz="1800" kern="1200">
           <a:solidFill>
             <a:schemeClr val="tx1"/>
@@ -3377,7 +6922,7 @@
           <a:cs typeface="+mn-cs"/>
         </a:defRPr>
       </a:lvl3pPr>
-      <a:lvl4pPr marL="1371600" algn="l" defTabSz="914400" rtl="0" eaLnBrk="1" latinLnBrk="0" hangingPunct="1">
+      <a:lvl4pPr marL="1371600" algn="l" defTabSz="457200" rtl="0" eaLnBrk="1" latinLnBrk="0" hangingPunct="1">
         <a:defRPr sz="1800" kern="1200">
           <a:solidFill>
             <a:schemeClr val="tx1"/>
@@ -3387,7 +6932,7 @@
           <a:cs typeface="+mn-cs"/>
         </a:defRPr>
       </a:lvl4pPr>
-      <a:lvl5pPr marL="1828800" algn="l" defTabSz="914400" rtl="0" eaLnBrk="1" latinLnBrk="0" hangingPunct="1">
+      <a:lvl5pPr marL="1828800" algn="l" defTabSz="457200" rtl="0" eaLnBrk="1" latinLnBrk="0" hangingPunct="1">
         <a:defRPr sz="1800" kern="1200">
           <a:solidFill>
             <a:schemeClr val="tx1"/>
@@ -3397,7 +6942,7 @@
           <a:cs typeface="+mn-cs"/>
         </a:defRPr>
       </a:lvl5pPr>
-      <a:lvl6pPr marL="2286000" algn="l" defTabSz="914400" rtl="0" eaLnBrk="1" latinLnBrk="0" hangingPunct="1">
+      <a:lvl6pPr marL="2286000" algn="l" defTabSz="457200" rtl="0" eaLnBrk="1" latinLnBrk="0" hangingPunct="1">
         <a:defRPr sz="1800" kern="1200">
           <a:solidFill>
             <a:schemeClr val="tx1"/>
@@ -3407,7 +6952,7 @@
           <a:cs typeface="+mn-cs"/>
         </a:defRPr>
       </a:lvl6pPr>
-      <a:lvl7pPr marL="2743200" algn="l" defTabSz="914400" rtl="0" eaLnBrk="1" latinLnBrk="0" hangingPunct="1">
+      <a:lvl7pPr marL="2743200" algn="l" defTabSz="457200" rtl="0" eaLnBrk="1" latinLnBrk="0" hangingPunct="1">
         <a:defRPr sz="1800" kern="1200">
           <a:solidFill>
             <a:schemeClr val="tx1"/>
@@ -3417,7 +6962,7 @@
           <a:cs typeface="+mn-cs"/>
         </a:defRPr>
       </a:lvl7pPr>
-      <a:lvl8pPr marL="3200400" algn="l" defTabSz="914400" rtl="0" eaLnBrk="1" latinLnBrk="0" hangingPunct="1">
+      <a:lvl8pPr marL="3200400" algn="l" defTabSz="457200" rtl="0" eaLnBrk="1" latinLnBrk="0" hangingPunct="1">
         <a:defRPr sz="1800" kern="1200">
           <a:solidFill>
             <a:schemeClr val="tx1"/>
@@ -3427,7 +6972,7 @@
           <a:cs typeface="+mn-cs"/>
         </a:defRPr>
       </a:lvl8pPr>
-      <a:lvl9pPr marL="3657600" algn="l" defTabSz="914400" rtl="0" eaLnBrk="1" latinLnBrk="0" hangingPunct="1">
+      <a:lvl9pPr marL="3657600" algn="l" defTabSz="457200" rtl="0" eaLnBrk="1" latinLnBrk="0" hangingPunct="1">
         <a:defRPr sz="1800" kern="1200">
           <a:solidFill>
             <a:schemeClr val="tx1"/>
@@ -3474,6 +7019,7 @@
           <a:bodyPr/>
           <a:lstStyle/>
           <a:p>
+            <a:pPr algn="l"/>
             <a:r>
               <a:rPr lang="en-US" dirty="0" smtClean="0"/>
               <a:t>Identifying Cars with CNN</a:t>
@@ -3494,9 +7040,38 @@
         </p:nvSpPr>
         <p:spPr/>
         <p:txBody>
-          <a:bodyPr/>
-          <a:lstStyle/>
-          <a:p>
+          <a:bodyPr anchor="ctr"/>
+          <a:lstStyle/>
+          <a:p>
+            <a:pPr algn="l"/>
+            <a:r>
+              <a:rPr lang="en-US" dirty="0" smtClean="0"/>
+              <a:t>Andrew </a:t>
+            </a:r>
+            <a:r>
+              <a:rPr lang="en-US" dirty="0" err="1"/>
+              <a:t>M</a:t>
+            </a:r>
+            <a:r>
+              <a:rPr lang="en-US" dirty="0" err="1" smtClean="0"/>
+              <a:t>aximos</a:t>
+            </a:r>
+            <a:r>
+              <a:rPr lang="en-US" dirty="0" smtClean="0"/>
+              <a:t>, Eric Pacheco, </a:t>
+            </a:r>
+            <a:r>
+              <a:rPr lang="en-US" dirty="0" err="1" smtClean="0"/>
+              <a:t>Rimsha</a:t>
+            </a:r>
+            <a:r>
+              <a:rPr lang="en-US" dirty="0" smtClean="0"/>
+              <a:t> Aziz, Shreya </a:t>
+            </a:r>
+            <a:r>
+              <a:rPr lang="en-US" dirty="0" err="1" smtClean="0"/>
+              <a:t>Sachdev</a:t>
+            </a:r>
             <a:endParaRPr lang="en-US" dirty="0"/>
           </a:p>
         </p:txBody>
@@ -3548,7 +7123,7 @@
           <a:p>
             <a:r>
               <a:rPr lang="en-US" dirty="0" smtClean="0"/>
-              <a:t>What We Did</a:t>
+              <a:t>CNN Overview</a:t>
             </a:r>
             <a:endParaRPr lang="en-US" dirty="0"/>
           </a:p>
@@ -3569,106 +7144,32 @@
           <a:bodyPr/>
           <a:lstStyle/>
           <a:p>
-            <a:pPr marL="514350" indent="-514350">
-              <a:buFont typeface="+mj-lt"/>
-              <a:buAutoNum type="arabicPeriod"/>
-            </a:pPr>
             <a:r>
               <a:rPr lang="en-US" dirty="0" smtClean="0"/>
-              <a:t>Train model from </a:t>
-            </a:r>
-            <a:r>
-              <a:rPr lang="en-US" dirty="0" err="1" smtClean="0"/>
-              <a:t>Kaggle</a:t>
-            </a:r>
+              <a:t>Integral to image classification when building machine learning models</a:t>
+            </a:r>
+          </a:p>
+          <a:p>
             <a:r>
               <a:rPr lang="en-US" dirty="0" smtClean="0"/>
-              <a:t> library of various cars</a:t>
-            </a:r>
-          </a:p>
-          <a:p>
-            <a:pPr lvl="1"/>
+              <a:t>Breaks down image into smaller portions to filter noise</a:t>
+            </a:r>
+          </a:p>
+          <a:p>
             <a:r>
               <a:rPr lang="en-US" dirty="0" smtClean="0"/>
-              <a:t>Pandas</a:t>
-            </a:r>
-          </a:p>
-          <a:p>
-            <a:pPr marL="514350" indent="-514350">
-              <a:buFont typeface="+mj-lt"/>
-              <a:buAutoNum type="arabicPeriod"/>
-            </a:pPr>
-            <a:r>
-              <a:rPr lang="en-US" dirty="0" smtClean="0"/>
-              <a:t>Send pictures from webcam to model for prediction</a:t>
-            </a:r>
-          </a:p>
-          <a:p>
-            <a:pPr lvl="1"/>
-            <a:r>
-              <a:rPr lang="en-US" dirty="0" err="1" smtClean="0"/>
-              <a:t>OpenCV</a:t>
-            </a:r>
-            <a:endParaRPr lang="en-US" dirty="0" smtClean="0"/>
-          </a:p>
-          <a:p>
-            <a:pPr marL="514350" indent="-514350">
-              <a:buFont typeface="+mj-lt"/>
-              <a:buAutoNum type="arabicPeriod"/>
-            </a:pPr>
-            <a:r>
-              <a:rPr lang="en-US" dirty="0" smtClean="0"/>
-              <a:t>Upload pictures from webpage to model for prediction</a:t>
-            </a:r>
-          </a:p>
-          <a:p>
-            <a:pPr lvl="1"/>
-            <a:r>
-              <a:rPr lang="en-US" dirty="0" smtClean="0"/>
-              <a:t>Flask, HTML</a:t>
-            </a:r>
-          </a:p>
-          <a:p>
-            <a:pPr marL="514350" indent="-514350">
-              <a:buFont typeface="+mj-lt"/>
-              <a:buAutoNum type="arabicPeriod"/>
-            </a:pPr>
-            <a:r>
-              <a:rPr lang="en-US" dirty="0" smtClean="0"/>
-              <a:t>Scrape images from auto trader to model for prediction</a:t>
-            </a:r>
-          </a:p>
-          <a:p>
-            <a:pPr lvl="1"/>
-            <a:r>
-              <a:rPr lang="en-US" dirty="0" smtClean="0"/>
-              <a:t>Flask</a:t>
-            </a:r>
-          </a:p>
-          <a:p>
-            <a:endParaRPr lang="en-US" dirty="0" smtClean="0"/>
-          </a:p>
-          <a:p>
-            <a:endParaRPr lang="en-US" dirty="0" smtClean="0"/>
-          </a:p>
-          <a:p>
-            <a:endParaRPr lang="en-US" dirty="0" smtClean="0"/>
-          </a:p>
-          <a:p>
-            <a:endParaRPr lang="en-US" dirty="0" smtClean="0"/>
-          </a:p>
-          <a:p>
-            <a:endParaRPr lang="en-US" dirty="0" smtClean="0"/>
-          </a:p>
-          <a:p>
-            <a:endParaRPr lang="en-US" dirty="0" smtClean="0"/>
+              <a:t>Detects patterns and objects within similar images</a:t>
+            </a:r>
+          </a:p>
+          <a:p>
+            <a:endParaRPr lang="en-US" dirty="0"/>
           </a:p>
         </p:txBody>
       </p:sp>
     </p:spTree>
     <p:extLst>
       <p:ext uri="{BB962C8B-B14F-4D97-AF65-F5344CB8AC3E}">
-        <p14:creationId xmlns:p14="http://schemas.microsoft.com/office/powerpoint/2010/main" val="1194218931"/>
+        <p14:creationId xmlns:p14="http://schemas.microsoft.com/office/powerpoint/2010/main" val="834165194"/>
       </p:ext>
     </p:extLst>
   </p:cSld>
@@ -3681,6 +7182,14 @@
 <file path=ppt/slides/slide3.xml><?xml version="1.0" encoding="utf-8"?>
 <p:sld xmlns:a="http://schemas.openxmlformats.org/drawingml/2006/main" xmlns:r="http://schemas.openxmlformats.org/officeDocument/2006/relationships" xmlns:p="http://schemas.openxmlformats.org/presentationml/2006/main">
   <p:cSld>
+    <p:bg>
+      <p:bgPr>
+        <a:solidFill>
+          <a:schemeClr val="bg1"/>
+        </a:solidFill>
+        <a:effectLst/>
+      </p:bgPr>
+    </p:bg>
     <p:spTree>
       <p:nvGrpSpPr>
         <p:cNvPr id="1" name=""/>
@@ -3712,7 +7221,7 @@
           <a:p>
             <a:r>
               <a:rPr lang="en-US" dirty="0" smtClean="0"/>
-              <a:t>Results</a:t>
+              <a:t>What We Did</a:t>
             </a:r>
             <a:endParaRPr lang="en-US" dirty="0"/>
           </a:p>
@@ -3733,24 +7242,80 @@
           <a:bodyPr/>
           <a:lstStyle/>
           <a:p>
-            <a:pPr marL="0" indent="0">
-              <a:buNone/>
+            <a:pPr marL="514350" indent="-514350">
+              <a:buFont typeface="+mj-lt"/>
+              <a:buAutoNum type="arabicPeriod"/>
             </a:pPr>
             <a:r>
               <a:rPr lang="en-US" dirty="0" smtClean="0"/>
-              <a:t>Our model can identify cars with </a:t>
-            </a:r>
-            <a:r>
-              <a:rPr lang="en-US" dirty="0" smtClean="0">
-                <a:solidFill>
-                  <a:srgbClr val="FF0000"/>
-                </a:solidFill>
-              </a:rPr>
-              <a:t>% </a:t>
+              <a:t>Train model from </a:t>
+            </a:r>
+            <a:r>
+              <a:rPr lang="en-US" dirty="0" err="1" smtClean="0"/>
+              <a:t>Kaggle</a:t>
             </a:r>
             <a:r>
               <a:rPr lang="en-US" dirty="0" smtClean="0"/>
-              <a:t>accuracy for the 5 models.</a:t>
+              <a:t> library of various cars</a:t>
+            </a:r>
+          </a:p>
+          <a:p>
+            <a:pPr lvl="1"/>
+            <a:r>
+              <a:rPr lang="en-US" dirty="0" smtClean="0"/>
+              <a:t>Pandas</a:t>
+            </a:r>
+          </a:p>
+          <a:p>
+            <a:pPr marL="514350" indent="-514350">
+              <a:buFont typeface="+mj-lt"/>
+              <a:buAutoNum type="arabicPeriod"/>
+            </a:pPr>
+            <a:r>
+              <a:rPr lang="en-US" dirty="0" smtClean="0"/>
+              <a:t>Send pictures from webcam to model for prediction</a:t>
+            </a:r>
+          </a:p>
+          <a:p>
+            <a:pPr lvl="1"/>
+            <a:r>
+              <a:rPr lang="en-US" dirty="0" err="1" smtClean="0"/>
+              <a:t>OpenCV</a:t>
+            </a:r>
+            <a:endParaRPr lang="en-US" dirty="0" smtClean="0"/>
+          </a:p>
+          <a:p>
+            <a:pPr marL="514350" indent="-514350">
+              <a:buFont typeface="+mj-lt"/>
+              <a:buAutoNum type="arabicPeriod"/>
+            </a:pPr>
+            <a:r>
+              <a:rPr lang="en-US" dirty="0" smtClean="0"/>
+              <a:t>Upload pictures from webpage to model for prediction</a:t>
+            </a:r>
+          </a:p>
+          <a:p>
+            <a:pPr lvl="1"/>
+            <a:r>
+              <a:rPr lang="en-US" dirty="0" smtClean="0"/>
+              <a:t>Flask, HTML</a:t>
+            </a:r>
+          </a:p>
+          <a:p>
+            <a:pPr marL="514350" indent="-514350">
+              <a:buFont typeface="+mj-lt"/>
+              <a:buAutoNum type="arabicPeriod"/>
+            </a:pPr>
+            <a:r>
+              <a:rPr lang="en-US" dirty="0" smtClean="0"/>
+              <a:t>Scrape images from auto trader to model for prediction</a:t>
+            </a:r>
+          </a:p>
+          <a:p>
+            <a:pPr lvl="1"/>
+            <a:r>
+              <a:rPr lang="en-US" dirty="0" smtClean="0"/>
+              <a:t>Flask</a:t>
             </a:r>
           </a:p>
         </p:txBody>
@@ -3758,7 +7323,7 @@
     </p:spTree>
     <p:extLst>
       <p:ext uri="{BB962C8B-B14F-4D97-AF65-F5344CB8AC3E}">
-        <p14:creationId xmlns:p14="http://schemas.microsoft.com/office/powerpoint/2010/main" val="173346965"/>
+        <p14:creationId xmlns:p14="http://schemas.microsoft.com/office/powerpoint/2010/main" val="1194218931"/>
       </p:ext>
     </p:extLst>
   </p:cSld>
@@ -3802,6 +7367,279 @@
           <a:p>
             <a:r>
               <a:rPr lang="en-US" dirty="0" smtClean="0"/>
+              <a:t>Ambitions</a:t>
+            </a:r>
+            <a:endParaRPr lang="en-US" dirty="0"/>
+          </a:p>
+        </p:txBody>
+      </p:sp>
+      <p:sp>
+        <p:nvSpPr>
+          <p:cNvPr id="3" name="Content Placeholder 2"/>
+          <p:cNvSpPr>
+            <a:spLocks noGrp="1"/>
+          </p:cNvSpPr>
+          <p:nvPr>
+            <p:ph idx="1"/>
+          </p:nvPr>
+        </p:nvSpPr>
+        <p:spPr/>
+        <p:txBody>
+          <a:bodyPr/>
+          <a:lstStyle/>
+          <a:p>
+            <a:r>
+              <a:rPr lang="en-US" dirty="0" smtClean="0"/>
+              <a:t>Accurately identify 42 classes of cars</a:t>
+            </a:r>
+          </a:p>
+          <a:p>
+            <a:pPr lvl="1"/>
+            <a:r>
+              <a:rPr lang="en-US" dirty="0" smtClean="0"/>
+              <a:t>Low accuracy</a:t>
+            </a:r>
+          </a:p>
+          <a:p>
+            <a:r>
+              <a:rPr lang="en-US" dirty="0" smtClean="0"/>
+              <a:t>AWS buckets to store images</a:t>
+            </a:r>
+          </a:p>
+          <a:p>
+            <a:pPr lvl="1"/>
+            <a:r>
+              <a:rPr lang="en-US" dirty="0" smtClean="0"/>
+              <a:t>Too many photos and $$</a:t>
+            </a:r>
+            <a:endParaRPr lang="en-US" dirty="0"/>
+          </a:p>
+          <a:p>
+            <a:r>
+              <a:rPr lang="en-US" dirty="0"/>
+              <a:t>Train from </a:t>
+            </a:r>
+            <a:r>
+              <a:rPr lang="en-US" dirty="0" err="1"/>
+              <a:t>AutoTrader</a:t>
+            </a:r>
+            <a:r>
+              <a:rPr lang="en-US" dirty="0"/>
+              <a:t> </a:t>
+            </a:r>
+            <a:r>
+              <a:rPr lang="en-US" dirty="0" smtClean="0"/>
+              <a:t>images</a:t>
+            </a:r>
+          </a:p>
+          <a:p>
+            <a:pPr lvl="1"/>
+            <a:r>
+              <a:rPr lang="en-US" dirty="0" smtClean="0"/>
+              <a:t>Too much variance, mostly pictures from interior</a:t>
+            </a:r>
+          </a:p>
+        </p:txBody>
+      </p:sp>
+    </p:spTree>
+    <p:extLst>
+      <p:ext uri="{BB962C8B-B14F-4D97-AF65-F5344CB8AC3E}">
+        <p14:creationId xmlns:p14="http://schemas.microsoft.com/office/powerpoint/2010/main" val="1261261116"/>
+      </p:ext>
+    </p:extLst>
+  </p:cSld>
+  <p:clrMapOvr>
+    <a:masterClrMapping/>
+  </p:clrMapOvr>
+</p:sld>
+</file>
+
+<file path=ppt/slides/slide5.xml><?xml version="1.0" encoding="utf-8"?>
+<p:sld xmlns:a="http://schemas.openxmlformats.org/drawingml/2006/main" xmlns:r="http://schemas.openxmlformats.org/officeDocument/2006/relationships" xmlns:p="http://schemas.openxmlformats.org/presentationml/2006/main">
+  <p:cSld>
+    <p:spTree>
+      <p:nvGrpSpPr>
+        <p:cNvPr id="1" name=""/>
+        <p:cNvGrpSpPr/>
+        <p:nvPr/>
+      </p:nvGrpSpPr>
+      <p:grpSpPr>
+        <a:xfrm>
+          <a:off x="0" y="0"/>
+          <a:ext cx="0" cy="0"/>
+          <a:chOff x="0" y="0"/>
+          <a:chExt cx="0" cy="0"/>
+        </a:xfrm>
+      </p:grpSpPr>
+      <p:sp>
+        <p:nvSpPr>
+          <p:cNvPr id="2" name="Title 1"/>
+          <p:cNvSpPr>
+            <a:spLocks noGrp="1"/>
+          </p:cNvSpPr>
+          <p:nvPr>
+            <p:ph type="title"/>
+          </p:nvPr>
+        </p:nvSpPr>
+        <p:spPr/>
+        <p:txBody>
+          <a:bodyPr/>
+          <a:lstStyle/>
+          <a:p>
+            <a:r>
+              <a:rPr lang="en-US" dirty="0" smtClean="0"/>
+              <a:t>Results</a:t>
+            </a:r>
+            <a:endParaRPr lang="en-US" dirty="0"/>
+          </a:p>
+        </p:txBody>
+      </p:sp>
+      <p:sp>
+        <p:nvSpPr>
+          <p:cNvPr id="3" name="Content Placeholder 2"/>
+          <p:cNvSpPr>
+            <a:spLocks noGrp="1"/>
+          </p:cNvSpPr>
+          <p:nvPr>
+            <p:ph idx="1"/>
+          </p:nvPr>
+        </p:nvSpPr>
+        <p:spPr>
+          <a:xfrm>
+            <a:off x="677334" y="2160589"/>
+            <a:ext cx="8596668" cy="3789835"/>
+          </a:xfrm>
+        </p:spPr>
+        <p:txBody>
+          <a:bodyPr>
+            <a:normAutofit/>
+          </a:bodyPr>
+          <a:lstStyle/>
+          <a:p>
+            <a:r>
+              <a:rPr lang="en-US" dirty="0" smtClean="0"/>
+              <a:t>Our </a:t>
+            </a:r>
+            <a:r>
+              <a:rPr lang="en-US" dirty="0" smtClean="0"/>
+              <a:t>most accurate model </a:t>
+            </a:r>
+            <a:r>
+              <a:rPr lang="en-US" dirty="0" smtClean="0"/>
+              <a:t>can identify cars with </a:t>
+            </a:r>
+            <a:r>
+              <a:rPr lang="en-US" dirty="0" smtClean="0">
+                <a:solidFill>
+                  <a:srgbClr val="FF0000"/>
+                </a:solidFill>
+              </a:rPr>
+              <a:t>85%</a:t>
+            </a:r>
+            <a:r>
+              <a:rPr lang="en-US" dirty="0" smtClean="0">
+                <a:solidFill>
+                  <a:srgbClr val="FF0000"/>
+                </a:solidFill>
+              </a:rPr>
+              <a:t> </a:t>
+            </a:r>
+            <a:r>
+              <a:rPr lang="en-US" dirty="0" smtClean="0"/>
+              <a:t>accuracy for the </a:t>
+            </a:r>
+            <a:r>
+              <a:rPr lang="en-US" dirty="0" smtClean="0"/>
+              <a:t>2 car makes, Mazda and Jeep.</a:t>
+            </a:r>
+          </a:p>
+          <a:p>
+            <a:endParaRPr lang="en-US" dirty="0"/>
+          </a:p>
+          <a:p>
+            <a:r>
+              <a:rPr lang="en-US" dirty="0" smtClean="0"/>
+              <a:t>Our original model </a:t>
+            </a:r>
+            <a:r>
+              <a:rPr lang="en-US" dirty="0"/>
+              <a:t>can identify cars with </a:t>
+            </a:r>
+            <a:r>
+              <a:rPr lang="en-US" dirty="0" smtClean="0">
+                <a:solidFill>
+                  <a:srgbClr val="FF0000"/>
+                </a:solidFill>
+              </a:rPr>
+              <a:t>55</a:t>
+            </a:r>
+            <a:r>
+              <a:rPr lang="en-US" dirty="0">
+                <a:solidFill>
+                  <a:srgbClr val="FF0000"/>
+                </a:solidFill>
+              </a:rPr>
+              <a:t>% </a:t>
+            </a:r>
+            <a:r>
+              <a:rPr lang="en-US" dirty="0"/>
+              <a:t>accuracy </a:t>
+            </a:r>
+            <a:r>
+              <a:rPr lang="en-US" dirty="0" smtClean="0"/>
+              <a:t>for 42 different car makes.</a:t>
+            </a:r>
+            <a:endParaRPr lang="en-US" dirty="0" smtClean="0"/>
+          </a:p>
+        </p:txBody>
+      </p:sp>
+    </p:spTree>
+    <p:extLst>
+      <p:ext uri="{BB962C8B-B14F-4D97-AF65-F5344CB8AC3E}">
+        <p14:creationId xmlns:p14="http://schemas.microsoft.com/office/powerpoint/2010/main" val="173346965"/>
+      </p:ext>
+    </p:extLst>
+  </p:cSld>
+  <p:clrMapOvr>
+    <a:masterClrMapping/>
+  </p:clrMapOvr>
+</p:sld>
+</file>
+
+<file path=ppt/slides/slide6.xml><?xml version="1.0" encoding="utf-8"?>
+<p:sld xmlns:a="http://schemas.openxmlformats.org/drawingml/2006/main" xmlns:r="http://schemas.openxmlformats.org/officeDocument/2006/relationships" xmlns:p="http://schemas.openxmlformats.org/presentationml/2006/main">
+  <p:cSld>
+    <p:spTree>
+      <p:nvGrpSpPr>
+        <p:cNvPr id="1" name=""/>
+        <p:cNvGrpSpPr/>
+        <p:nvPr/>
+      </p:nvGrpSpPr>
+      <p:grpSpPr>
+        <a:xfrm>
+          <a:off x="0" y="0"/>
+          <a:ext cx="0" cy="0"/>
+          <a:chOff x="0" y="0"/>
+          <a:chExt cx="0" cy="0"/>
+        </a:xfrm>
+      </p:grpSpPr>
+      <p:sp>
+        <p:nvSpPr>
+          <p:cNvPr id="2" name="Title 1"/>
+          <p:cNvSpPr>
+            <a:spLocks noGrp="1"/>
+          </p:cNvSpPr>
+          <p:nvPr>
+            <p:ph type="title"/>
+          </p:nvPr>
+        </p:nvSpPr>
+        <p:spPr/>
+        <p:txBody>
+          <a:bodyPr/>
+          <a:lstStyle/>
+          <a:p>
+            <a:r>
+              <a:rPr lang="en-US" dirty="0" smtClean="0"/>
               <a:t>Problems with CNN</a:t>
             </a:r>
             <a:endParaRPr lang="en-US" dirty="0"/>
@@ -3825,20 +7663,14 @@
           <a:p>
             <a:r>
               <a:rPr lang="en-US" dirty="0" smtClean="0"/>
-              <a:t>Too many images for repo and AWS, </a:t>
-            </a:r>
-            <a:r>
-              <a:rPr lang="en-US" dirty="0" smtClean="0"/>
-              <a:t>computer crashed!</a:t>
-            </a:r>
-            <a:endParaRPr lang="en-US" dirty="0" smtClean="0"/>
+              <a:t>Too many images for repo and AWS, computer crashed!</a:t>
+            </a:r>
           </a:p>
           <a:p>
             <a:r>
               <a:rPr lang="en-US" dirty="0" smtClean="0"/>
               <a:t>*Cars look too similar to each other*</a:t>
             </a:r>
-            <a:endParaRPr lang="en-US" dirty="0" smtClean="0"/>
           </a:p>
           <a:p>
             <a:r>
@@ -3855,8 +7687,25 @@
           <a:p>
             <a:r>
               <a:rPr lang="en-US" dirty="0" smtClean="0"/>
-              <a:t>Image data generator caused memory issues</a:t>
-            </a:r>
+              <a:t>Image data generator caused memory </a:t>
+            </a:r>
+            <a:r>
+              <a:rPr lang="en-US" dirty="0" smtClean="0"/>
+              <a:t>issues</a:t>
+            </a:r>
+          </a:p>
+          <a:p>
+            <a:r>
+              <a:rPr lang="en-US" dirty="0" smtClean="0"/>
+              <a:t>Unequal number of car images between makes</a:t>
+            </a:r>
+          </a:p>
+          <a:p>
+            <a:r>
+              <a:rPr lang="en-US" dirty="0" smtClean="0"/>
+              <a:t>Not enough images</a:t>
+            </a:r>
+            <a:endParaRPr lang="en-US" dirty="0" smtClean="0"/>
           </a:p>
         </p:txBody>
       </p:sp>
@@ -3873,10 +7722,161 @@
 </p:sld>
 </file>
 
+<file path=ppt/slides/slide7.xml><?xml version="1.0" encoding="utf-8"?>
+<p:sld xmlns:a="http://schemas.openxmlformats.org/drawingml/2006/main" xmlns:r="http://schemas.openxmlformats.org/officeDocument/2006/relationships" xmlns:p="http://schemas.openxmlformats.org/presentationml/2006/main">
+  <p:cSld>
+    <p:spTree>
+      <p:nvGrpSpPr>
+        <p:cNvPr id="1" name=""/>
+        <p:cNvGrpSpPr/>
+        <p:nvPr/>
+      </p:nvGrpSpPr>
+      <p:grpSpPr>
+        <a:xfrm>
+          <a:off x="0" y="0"/>
+          <a:ext cx="0" cy="0"/>
+          <a:chOff x="0" y="0"/>
+          <a:chExt cx="0" cy="0"/>
+        </a:xfrm>
+      </p:grpSpPr>
+      <p:sp>
+        <p:nvSpPr>
+          <p:cNvPr id="4" name="Title 3"/>
+          <p:cNvSpPr>
+            <a:spLocks noGrp="1"/>
+          </p:cNvSpPr>
+          <p:nvPr>
+            <p:ph type="title"/>
+          </p:nvPr>
+        </p:nvSpPr>
+        <p:spPr/>
+        <p:txBody>
+          <a:bodyPr/>
+          <a:lstStyle/>
+          <a:p>
+            <a:r>
+              <a:rPr lang="en-US" dirty="0" smtClean="0"/>
+              <a:t>WALKTHROUGH</a:t>
+            </a:r>
+            <a:endParaRPr lang="en-US" dirty="0"/>
+          </a:p>
+        </p:txBody>
+      </p:sp>
+    </p:spTree>
+    <p:extLst>
+      <p:ext uri="{BB962C8B-B14F-4D97-AF65-F5344CB8AC3E}">
+        <p14:creationId xmlns:p14="http://schemas.microsoft.com/office/powerpoint/2010/main" val="744546624"/>
+      </p:ext>
+    </p:extLst>
+  </p:cSld>
+  <p:clrMapOvr>
+    <a:masterClrMapping/>
+  </p:clrMapOvr>
+</p:sld>
+</file>
+
+<file path=ppt/slides/slide8.xml><?xml version="1.0" encoding="utf-8"?>
+<p:sld xmlns:a="http://schemas.openxmlformats.org/drawingml/2006/main" xmlns:r="http://schemas.openxmlformats.org/officeDocument/2006/relationships" xmlns:p="http://schemas.openxmlformats.org/presentationml/2006/main">
+  <p:cSld>
+    <p:spTree>
+      <p:nvGrpSpPr>
+        <p:cNvPr id="1" name=""/>
+        <p:cNvGrpSpPr/>
+        <p:nvPr/>
+      </p:nvGrpSpPr>
+      <p:grpSpPr>
+        <a:xfrm>
+          <a:off x="0" y="0"/>
+          <a:ext cx="0" cy="0"/>
+          <a:chOff x="0" y="0"/>
+          <a:chExt cx="0" cy="0"/>
+        </a:xfrm>
+      </p:grpSpPr>
+      <p:sp>
+        <p:nvSpPr>
+          <p:cNvPr id="2" name="Title 1"/>
+          <p:cNvSpPr>
+            <a:spLocks noGrp="1"/>
+          </p:cNvSpPr>
+          <p:nvPr>
+            <p:ph type="title"/>
+          </p:nvPr>
+        </p:nvSpPr>
+        <p:spPr/>
+        <p:txBody>
+          <a:bodyPr/>
+          <a:lstStyle/>
+          <a:p>
+            <a:r>
+              <a:rPr lang="en-US" dirty="0" smtClean="0"/>
+              <a:t>Potential Next Steps</a:t>
+            </a:r>
+            <a:endParaRPr lang="en-US" dirty="0"/>
+          </a:p>
+        </p:txBody>
+      </p:sp>
+      <p:sp>
+        <p:nvSpPr>
+          <p:cNvPr id="3" name="Content Placeholder 2"/>
+          <p:cNvSpPr>
+            <a:spLocks noGrp="1"/>
+          </p:cNvSpPr>
+          <p:nvPr>
+            <p:ph idx="1"/>
+          </p:nvPr>
+        </p:nvSpPr>
+        <p:spPr/>
+        <p:txBody>
+          <a:bodyPr/>
+          <a:lstStyle/>
+          <a:p>
+            <a:r>
+              <a:rPr lang="en-US" dirty="0"/>
+              <a:t>Recognizing Cars from </a:t>
+            </a:r>
+            <a:r>
+              <a:rPr lang="en-US" dirty="0" smtClean="0"/>
+              <a:t>street view footage</a:t>
+            </a:r>
+            <a:endParaRPr lang="en-US" dirty="0"/>
+          </a:p>
+          <a:p>
+            <a:r>
+              <a:rPr lang="en-US" dirty="0" smtClean="0"/>
+              <a:t>Increase accuracy of model recognizing 42 cars</a:t>
+            </a:r>
+          </a:p>
+          <a:p>
+            <a:r>
+              <a:rPr lang="en-US" dirty="0" smtClean="0"/>
+              <a:t>Using AWS buckets to collect and store more images</a:t>
+            </a:r>
+          </a:p>
+          <a:p>
+            <a:r>
+              <a:rPr lang="en-US" dirty="0" smtClean="0"/>
+              <a:t>Has useful real-world application</a:t>
+            </a:r>
+          </a:p>
+        </p:txBody>
+      </p:sp>
+    </p:spTree>
+    <p:extLst>
+      <p:ext uri="{BB962C8B-B14F-4D97-AF65-F5344CB8AC3E}">
+        <p14:creationId xmlns:p14="http://schemas.microsoft.com/office/powerpoint/2010/main" val="769996019"/>
+      </p:ext>
+    </p:extLst>
+  </p:cSld>
+  <p:clrMapOvr>
+    <a:masterClrMapping/>
+  </p:clrMapOvr>
+</p:sld>
+</file>
+
 <file path=ppt/theme/theme1.xml><?xml version="1.0" encoding="utf-8"?>
-<a:theme xmlns:a="http://schemas.openxmlformats.org/drawingml/2006/main" name="Office Theme">
+<a:theme xmlns:a="http://schemas.openxmlformats.org/drawingml/2006/main" name="Facet">
   <a:themeElements>
-    <a:clrScheme name="Office">
+    <a:clrScheme name="Blue Green">
       <a:dk1>
         <a:sysClr val="windowText" lastClr="000000"/>
       </a:dk1>
@@ -3884,52 +7884,52 @@
         <a:sysClr val="window" lastClr="FFFFFF"/>
       </a:lt1>
       <a:dk2>
-        <a:srgbClr val="44546A"/>
+        <a:srgbClr val="373545"/>
       </a:dk2>
       <a:lt2>
-        <a:srgbClr val="E7E6E6"/>
+        <a:srgbClr val="CEDBE6"/>
       </a:lt2>
       <a:accent1>
-        <a:srgbClr val="5B9BD5"/>
+        <a:srgbClr val="3494BA"/>
       </a:accent1>
       <a:accent2>
-        <a:srgbClr val="ED7D31"/>
+        <a:srgbClr val="58B6C0"/>
       </a:accent2>
       <a:accent3>
-        <a:srgbClr val="A5A5A5"/>
+        <a:srgbClr val="75BDA7"/>
       </a:accent3>
       <a:accent4>
-        <a:srgbClr val="FFC000"/>
+        <a:srgbClr val="7A8C8E"/>
       </a:accent4>
       <a:accent5>
-        <a:srgbClr val="4472C4"/>
+        <a:srgbClr val="84ACB6"/>
       </a:accent5>
       <a:accent6>
-        <a:srgbClr val="70AD47"/>
+        <a:srgbClr val="2683C6"/>
       </a:accent6>
       <a:hlink>
-        <a:srgbClr val="0563C1"/>
+        <a:srgbClr val="6B9F25"/>
       </a:hlink>
       <a:folHlink>
-        <a:srgbClr val="954F72"/>
+        <a:srgbClr val="9F6715"/>
       </a:folHlink>
     </a:clrScheme>
-    <a:fontScheme name="Office">
+    <a:fontScheme name="Facet">
       <a:majorFont>
-        <a:latin typeface="Calibri Light" panose="020F0302020204030204"/>
+        <a:latin typeface="Trebuchet MS" panose="020B0603020202020204"/>
         <a:ea typeface=""/>
         <a:cs typeface=""/>
-        <a:font script="Jpan" typeface="ＭＳ Ｐゴシック"/>
+        <a:font script="Jpan" typeface="メイリオ"/>
         <a:font script="Hang" typeface="맑은 고딕"/>
-        <a:font script="Hans" typeface="宋体"/>
-        <a:font script="Hant" typeface="新細明體"/>
-        <a:font script="Arab" typeface="Times New Roman"/>
-        <a:font script="Hebr" typeface="Times New Roman"/>
-        <a:font script="Thai" typeface="Angsana New"/>
+        <a:font script="Hans" typeface="方正姚体"/>
+        <a:font script="Hant" typeface="微軟正黑體"/>
+        <a:font script="Arab" typeface="Tahoma"/>
+        <a:font script="Hebr" typeface="Arial"/>
+        <a:font script="Thai" typeface="Cordia New"/>
         <a:font script="Ethi" typeface="Nyala"/>
         <a:font script="Beng" typeface="Vrinda"/>
         <a:font script="Gujr" typeface="Shruti"/>
-        <a:font script="Khmr" typeface="MoolBoran"/>
+        <a:font script="Khmr" typeface="DaunPenh"/>
         <a:font script="Knda" typeface="Tunga"/>
         <a:font script="Guru" typeface="Raavi"/>
         <a:font script="Cans" typeface="Euphemia"/>
@@ -3946,21 +7946,21 @@
         <a:font script="Laoo" typeface="DokChampa"/>
         <a:font script="Sinh" typeface="Iskoola Pota"/>
         <a:font script="Mong" typeface="Mongolian Baiti"/>
-        <a:font script="Viet" typeface="Times New Roman"/>
+        <a:font script="Viet" typeface="Tahoma"/>
         <a:font script="Uigh" typeface="Microsoft Uighur"/>
         <a:font script="Geor" typeface="Sylfaen"/>
       </a:majorFont>
       <a:minorFont>
-        <a:latin typeface="Calibri" panose="020F0502020204030204"/>
+        <a:latin typeface="Trebuchet MS" panose="020B0603020202020204"/>
         <a:ea typeface=""/>
         <a:cs typeface=""/>
-        <a:font script="Jpan" typeface="ＭＳ Ｐゴシック"/>
-        <a:font script="Hang" typeface="맑은 고딕"/>
-        <a:font script="Hans" typeface="宋体"/>
-        <a:font script="Hant" typeface="新細明體"/>
-        <a:font script="Arab" typeface="Arial"/>
-        <a:font script="Hebr" typeface="Arial"/>
-        <a:font script="Thai" typeface="Cordia New"/>
+        <a:font script="Jpan" typeface="メイリオ"/>
+        <a:font script="Hang" typeface="HY그래픽M"/>
+        <a:font script="Hans" typeface="华文新魏"/>
+        <a:font script="Hant" typeface="微軟正黑體"/>
+        <a:font script="Arab" typeface="Tahoma"/>
+        <a:font script="Hebr" typeface="Gisha"/>
+        <a:font script="Thai" typeface="IrisUPC"/>
         <a:font script="Ethi" typeface="Nyala"/>
         <a:font script="Beng" typeface="Vrinda"/>
         <a:font script="Gujr" typeface="Shruti"/>
@@ -3986,7 +7986,7 @@
         <a:font script="Geor" typeface="Sylfaen"/>
       </a:minorFont>
     </a:fontScheme>
-    <a:fmtScheme name="Office">
+    <a:fmtScheme name="Facet">
       <a:fillStyleLst>
         <a:solidFill>
           <a:schemeClr val="phClr"/>
@@ -3995,23 +7995,13 @@
           <a:gsLst>
             <a:gs pos="0">
               <a:schemeClr val="phClr">
+                <a:tint val="65000"/>
                 <a:lumMod val="110000"/>
-                <a:satMod val="105000"/>
-                <a:tint val="67000"/>
               </a:schemeClr>
             </a:gs>
-            <a:gs pos="50000">
+            <a:gs pos="88000">
               <a:schemeClr val="phClr">
-                <a:lumMod val="105000"/>
-                <a:satMod val="103000"/>
-                <a:tint val="73000"/>
-              </a:schemeClr>
-            </a:gs>
-            <a:gs pos="100000">
-              <a:schemeClr val="phClr">
-                <a:lumMod val="105000"/>
-                <a:satMod val="109000"/>
-                <a:tint val="81000"/>
+                <a:tint val="90000"/>
               </a:schemeClr>
             </a:gs>
           </a:gsLst>
@@ -4021,23 +8011,14 @@
           <a:gsLst>
             <a:gs pos="0">
               <a:schemeClr val="phClr">
-                <a:satMod val="103000"/>
-                <a:lumMod val="102000"/>
-                <a:tint val="94000"/>
+                <a:tint val="96000"/>
+                <a:lumMod val="100000"/>
               </a:schemeClr>
             </a:gs>
-            <a:gs pos="50000">
+            <a:gs pos="78000">
               <a:schemeClr val="phClr">
-                <a:satMod val="110000"/>
-                <a:lumMod val="100000"/>
-                <a:shade val="100000"/>
-              </a:schemeClr>
-            </a:gs>
-            <a:gs pos="100000">
-              <a:schemeClr val="phClr">
-                <a:lumMod val="99000"/>
-                <a:satMod val="120000"/>
-                <a:shade val="78000"/>
+                <a:shade val="94000"/>
+                <a:lumMod val="94000"/>
               </a:schemeClr>
             </a:gs>
           </a:gsLst>
@@ -4045,26 +8026,23 @@
         </a:gradFill>
       </a:fillStyleLst>
       <a:lnStyleLst>
-        <a:ln w="6350" cap="flat" cmpd="sng" algn="ctr">
+        <a:ln w="12700" cap="rnd" cmpd="sng" algn="ctr">
           <a:solidFill>
             <a:schemeClr val="phClr"/>
           </a:solidFill>
           <a:prstDash val="solid"/>
-          <a:miter lim="800000"/>
         </a:ln>
-        <a:ln w="12700" cap="flat" cmpd="sng" algn="ctr">
+        <a:ln w="19050" cap="rnd" cmpd="sng" algn="ctr">
           <a:solidFill>
             <a:schemeClr val="phClr"/>
           </a:solidFill>
           <a:prstDash val="solid"/>
-          <a:miter lim="800000"/>
         </a:ln>
-        <a:ln w="19050" cap="flat" cmpd="sng" algn="ctr">
+        <a:ln w="25400" cap="rnd" cmpd="sng" algn="ctr">
           <a:solidFill>
             <a:schemeClr val="phClr"/>
           </a:solidFill>
           <a:prstDash val="solid"/>
-          <a:miter lim="800000"/>
         </a:ln>
       </a:lnStyleLst>
       <a:effectStyleLst>
@@ -4072,54 +8050,72 @@
           <a:effectLst/>
         </a:effectStyle>
         <a:effectStyle>
-          <a:effectLst/>
+          <a:effectLst>
+            <a:outerShdw blurRad="38100" dist="25400" dir="5400000" rotWithShape="0">
+              <a:srgbClr val="000000">
+                <a:alpha val="35000"/>
+              </a:srgbClr>
+            </a:outerShdw>
+          </a:effectLst>
         </a:effectStyle>
         <a:effectStyle>
           <a:effectLst>
-            <a:outerShdw blurRad="57150" dist="19050" dir="5400000" algn="ctr" rotWithShape="0">
+            <a:outerShdw blurRad="50800" dist="38100" dir="5400000" rotWithShape="0">
               <a:srgbClr val="000000">
-                <a:alpha val="63000"/>
+                <a:alpha val="35000"/>
               </a:srgbClr>
             </a:outerShdw>
           </a:effectLst>
+          <a:scene3d>
+            <a:camera prst="orthographicFront">
+              <a:rot lat="0" lon="0" rev="0"/>
+            </a:camera>
+            <a:lightRig rig="threePt" dir="tl"/>
+          </a:scene3d>
+          <a:sp3d prstMaterial="plastic">
+            <a:bevelT w="0" h="0"/>
+          </a:sp3d>
         </a:effectStyle>
       </a:effectStyleLst>
       <a:bgFillStyleLst>
         <a:solidFill>
           <a:schemeClr val="phClr"/>
         </a:solidFill>
-        <a:solidFill>
-          <a:schemeClr val="phClr">
-            <a:tint val="95000"/>
-            <a:satMod val="170000"/>
-          </a:schemeClr>
-        </a:solidFill>
         <a:gradFill rotWithShape="1">
           <a:gsLst>
             <a:gs pos="0">
               <a:schemeClr val="phClr">
-                <a:tint val="93000"/>
-                <a:satMod val="150000"/>
-                <a:shade val="98000"/>
-                <a:lumMod val="102000"/>
+                <a:tint val="90000"/>
+                <a:lumMod val="104000"/>
               </a:schemeClr>
             </a:gs>
-            <a:gs pos="50000">
+            <a:gs pos="94000">
               <a:schemeClr val="phClr">
-                <a:tint val="98000"/>
-                <a:satMod val="130000"/>
-                <a:shade val="90000"/>
-                <a:lumMod val="103000"/>
+                <a:shade val="96000"/>
+                <a:lumMod val="82000"/>
+              </a:schemeClr>
+            </a:gs>
+          </a:gsLst>
+          <a:lin ang="5400000" scaled="0"/>
+        </a:gradFill>
+        <a:gradFill rotWithShape="1">
+          <a:gsLst>
+            <a:gs pos="0">
+              <a:schemeClr val="phClr">
+                <a:tint val="90000"/>
+                <a:lumMod val="110000"/>
               </a:schemeClr>
             </a:gs>
             <a:gs pos="100000">
               <a:schemeClr val="phClr">
-                <a:shade val="63000"/>
-                <a:satMod val="120000"/>
+                <a:shade val="94000"/>
+                <a:lumMod val="96000"/>
               </a:schemeClr>
             </a:gs>
           </a:gsLst>
-          <a:lin ang="5400000" scaled="0"/>
+          <a:path path="circle">
+            <a:fillToRect l="50000" t="50000" r="100000" b="100000"/>
+          </a:path>
         </a:gradFill>
       </a:bgFillStyleLst>
     </a:fmtScheme>
@@ -4128,7 +8124,7 @@
   <a:extraClrSchemeLst/>
   <a:extLst>
     <a:ext uri="{05A4C25C-085E-4340-85A3-A5531E510DB2}">
-      <thm15:themeFamily xmlns:thm15="http://schemas.microsoft.com/office/thememl/2012/main" name="Office Theme" id="{62F939B6-93AF-4DB8-9C6B-D6C7DFDC589F}" vid="{4A3C46E8-61CC-4603-A589-7422A47A8E4A}"/>
+      <thm15:themeFamily xmlns:thm15="http://schemas.microsoft.com/office/thememl/2012/main" name="Facet" id="{C0C680CD-088A-49FC-A102-D699147F32B2}" vid="{CFBC31BA-B70F-4F30-BCAA-4F3011E16C4D}"/>
     </a:ext>
   </a:extLst>
 </a:theme>

--- a/Final Project.pptx
+++ b/Final Project.pptx
@@ -216,7 +216,7 @@
           <a:p>
             <a:fld id="{7B4E3CB4-DE3D-4758-A60E-7210A97E93F2}" type="datetimeFigureOut">
               <a:rPr lang="en-US" smtClean="0"/>
-              <a:t>7/28/2020</a:t>
+              <a:t>7/29/2020</a:t>
             </a:fld>
             <a:endParaRPr lang="en-US"/>
           </a:p>
@@ -280,38 +280,37 @@
           <a:p>
             <a:pPr lvl="0"/>
             <a:r>
-              <a:rPr lang="en-US" smtClean="0"/>
+              <a:rPr lang="en-US"/>
               <a:t>Click to edit Master text styles</a:t>
             </a:r>
           </a:p>
           <a:p>
             <a:pPr lvl="1"/>
             <a:r>
-              <a:rPr lang="en-US" smtClean="0"/>
+              <a:rPr lang="en-US"/>
               <a:t>Second level</a:t>
             </a:r>
           </a:p>
           <a:p>
             <a:pPr lvl="2"/>
             <a:r>
-              <a:rPr lang="en-US" smtClean="0"/>
+              <a:rPr lang="en-US"/>
               <a:t>Third level</a:t>
             </a:r>
           </a:p>
           <a:p>
             <a:pPr lvl="3"/>
             <a:r>
-              <a:rPr lang="en-US" smtClean="0"/>
+              <a:rPr lang="en-US"/>
               <a:t>Fourth level</a:t>
             </a:r>
           </a:p>
           <a:p>
             <a:pPr lvl="4"/>
             <a:r>
-              <a:rPr lang="en-US" smtClean="0"/>
+              <a:rPr lang="en-US"/>
               <a:t>Fifth level</a:t>
             </a:r>
-            <a:endParaRPr lang="en-US"/>
           </a:p>
         </p:txBody>
       </p:sp>
@@ -529,7 +528,7 @@
           <a:lstStyle/>
           <a:p>
             <a:r>
-              <a:rPr lang="en-US" dirty="0" err="1" smtClean="0"/>
+              <a:rPr lang="en-US" dirty="0" err="1"/>
               <a:t>Rimsha</a:t>
             </a:r>
             <a:endParaRPr lang="en-US" dirty="0"/>
@@ -617,10 +616,16 @@
           <a:lstStyle/>
           <a:p>
             <a:r>
-              <a:rPr lang="en-US" dirty="0" err="1" smtClean="0"/>
+              <a:rPr lang="en-US" dirty="0"/>
               <a:t>Rimsha</a:t>
             </a:r>
-            <a:endParaRPr lang="en-US" dirty="0"/>
+            <a:br>
+              <a:rPr lang="en-US" dirty="0"/>
+            </a:br>
+            <a:r>
+              <a:rPr lang="en-US" dirty="0"/>
+              <a:t>CNN stands for Convolutional Neural Network </a:t>
+            </a:r>
           </a:p>
         </p:txBody>
       </p:sp>
@@ -705,9 +710,50 @@
           <a:lstStyle/>
           <a:p>
             <a:r>
-              <a:rPr lang="en-US" dirty="0" err="1" smtClean="0"/>
+              <a:rPr lang="en-US" dirty="0"/>
               <a:t>Rimsha</a:t>
             </a:r>
+          </a:p>
+          <a:p>
+            <a:endParaRPr lang="en-US" dirty="0"/>
+          </a:p>
+          <a:p>
+            <a:r>
+              <a:rPr lang="en-US" dirty="0"/>
+              <a:t>1. Used a data set with 42 classes of cars that contained 60,000 + images of cars from all angles to train multiple models </a:t>
+            </a:r>
+          </a:p>
+          <a:p>
+            <a:r>
+              <a:rPr lang="en-US" dirty="0"/>
+              <a:t>	-training, testing and validation data sets </a:t>
+            </a:r>
+          </a:p>
+          <a:p>
+            <a:r>
+              <a:rPr lang="en-US" dirty="0"/>
+              <a:t>2. Used the previous model to test pictures received through webcam – applying image model to video detection </a:t>
+            </a:r>
+          </a:p>
+          <a:p>
+            <a:r>
+              <a:rPr lang="en-US" dirty="0"/>
+              <a:t>3. Connected Flask app to webpage HTML that would take uploaded images and apply it to our model </a:t>
+            </a:r>
+          </a:p>
+          <a:p>
+            <a:r>
+              <a:rPr lang="en-US" dirty="0"/>
+              <a:t>4. Scraped images from Auto Trader to model for prediction to use as different data set of images – further verify model </a:t>
+            </a:r>
+          </a:p>
+          <a:p>
+            <a:endParaRPr lang="en-US" dirty="0"/>
+          </a:p>
+          <a:p>
+            <a:endParaRPr lang="en-US" dirty="0"/>
+          </a:p>
+          <a:p>
             <a:endParaRPr lang="en-US" dirty="0"/>
           </a:p>
         </p:txBody>
@@ -793,9 +839,44 @@
           <a:lstStyle/>
           <a:p>
             <a:r>
-              <a:rPr lang="en-US" dirty="0" err="1" smtClean="0"/>
+              <a:rPr lang="en-US" dirty="0"/>
               <a:t>Rimsha</a:t>
             </a:r>
+          </a:p>
+          <a:p>
+            <a:endParaRPr lang="en-US" dirty="0"/>
+          </a:p>
+          <a:p>
+            <a:pPr marL="228600" indent="-228600">
+              <a:buAutoNum type="arabicPeriod"/>
+            </a:pPr>
+            <a:r>
+              <a:rPr lang="en-US" dirty="0"/>
+              <a:t>Had low accuracy with 42 classes – think about narrowing scale to 5 or 2 classes </a:t>
+            </a:r>
+          </a:p>
+          <a:p>
+            <a:pPr marL="228600" indent="-228600">
+              <a:buAutoNum type="arabicPeriod"/>
+            </a:pPr>
+            <a:r>
+              <a:rPr lang="en-US" dirty="0"/>
+              <a:t>Had large data set to store – uploading 60,000 to AWS cost Eric 31. cents </a:t>
+            </a:r>
+          </a:p>
+          <a:p>
+            <a:pPr marL="228600" indent="-228600">
+              <a:buAutoNum type="arabicPeriod"/>
+            </a:pPr>
+            <a:r>
+              <a:rPr lang="en-US" dirty="0"/>
+              <a:t>A lot of variance in image size and types of images  </a:t>
+            </a:r>
+          </a:p>
+          <a:p>
+            <a:pPr marL="228600" indent="-228600">
+              <a:buAutoNum type="arabicPeriod"/>
+            </a:pPr>
             <a:endParaRPr lang="en-US" dirty="0"/>
           </a:p>
         </p:txBody>
@@ -881,10 +962,15 @@
           <a:lstStyle/>
           <a:p>
             <a:r>
-              <a:rPr lang="en-US" dirty="0" err="1" smtClean="0"/>
+              <a:rPr lang="en-US" dirty="0"/>
               <a:t>Rimsha</a:t>
             </a:r>
-            <a:endParaRPr lang="en-US" dirty="0"/>
+          </a:p>
+          <a:p>
+            <a:r>
+              <a:rPr lang="en-US" dirty="0"/>
+              <a:t>- We tested what parameters performed better each time we trained the models </a:t>
+            </a:r>
           </a:p>
         </p:txBody>
       </p:sp>
@@ -970,26 +1056,22 @@
           <a:p>
             <a:pPr lvl="1"/>
             <a:r>
-              <a:rPr lang="en-US" dirty="0" smtClean="0"/>
+              <a:rPr lang="en-US" dirty="0"/>
               <a:t>Eric</a:t>
             </a:r>
           </a:p>
           <a:p>
             <a:pPr lvl="1"/>
             <a:r>
-              <a:rPr lang="en-US" dirty="0" smtClean="0"/>
+              <a:rPr lang="en-US" dirty="0"/>
               <a:t>For</a:t>
             </a:r>
             <a:r>
-              <a:rPr lang="en-US" baseline="0" dirty="0" smtClean="0"/>
-              <a:t> </a:t>
-            </a:r>
-            <a:r>
-              <a:rPr lang="en-US" baseline="0" dirty="0" smtClean="0"/>
-              <a:t>Technical - </a:t>
-            </a:r>
-            <a:r>
-              <a:rPr lang="en-US" dirty="0" smtClean="0">
+              <a:rPr lang="en-US" baseline="0" dirty="0"/>
+              <a:t> Technical - </a:t>
+            </a:r>
+            <a:r>
+              <a:rPr lang="en-US" dirty="0">
                 <a:solidFill>
                   <a:srgbClr val="FF0000"/>
                 </a:solidFill>
@@ -1000,7 +1082,7 @@
           <a:p>
             <a:pPr lvl="1"/>
             <a:r>
-              <a:rPr lang="en-US" dirty="0" smtClean="0">
+              <a:rPr lang="en-US" dirty="0">
                 <a:solidFill>
                   <a:srgbClr val="FF0000"/>
                 </a:solidFill>
@@ -1008,7 +1090,7 @@
               <a:t>Determining shape of images for </a:t>
             </a:r>
             <a:r>
-              <a:rPr lang="en-US" dirty="0" err="1" smtClean="0">
+              <a:rPr lang="en-US" dirty="0" err="1">
                 <a:solidFill>
                   <a:srgbClr val="FF0000"/>
                 </a:solidFill>
@@ -1016,7 +1098,7 @@
               <a:t>Numpy</a:t>
             </a:r>
             <a:r>
-              <a:rPr lang="en-US" dirty="0" smtClean="0">
+              <a:rPr lang="en-US" dirty="0">
                 <a:solidFill>
                   <a:srgbClr val="FF0000"/>
                 </a:solidFill>
@@ -1110,11 +1192,11 @@
               <a:buAutoNum type="arabicPeriod"/>
             </a:pPr>
             <a:r>
-              <a:rPr lang="en-US" dirty="0" smtClean="0"/>
+              <a:rPr lang="en-US" dirty="0"/>
               <a:t>Optimized</a:t>
             </a:r>
             <a:r>
-              <a:rPr lang="en-US" baseline="0" dirty="0" smtClean="0"/>
+              <a:rPr lang="en-US" baseline="0" dirty="0"/>
               <a:t> Model - Eric</a:t>
             </a:r>
           </a:p>
@@ -1123,11 +1205,11 @@
               <a:buAutoNum type="arabicPeriod"/>
             </a:pPr>
             <a:r>
-              <a:rPr lang="en-US" baseline="0" dirty="0" err="1" smtClean="0"/>
+              <a:rPr lang="en-US" baseline="0" dirty="0" err="1"/>
               <a:t>Tensorboard</a:t>
             </a:r>
             <a:r>
-              <a:rPr lang="en-US" baseline="0" dirty="0" smtClean="0"/>
+              <a:rPr lang="en-US" baseline="0" dirty="0"/>
               <a:t>, getting the right parameters – Shreya</a:t>
             </a:r>
           </a:p>
@@ -1136,7 +1218,7 @@
               <a:buAutoNum type="arabicPeriod"/>
             </a:pPr>
             <a:r>
-              <a:rPr lang="en-US" baseline="0" dirty="0" smtClean="0"/>
+              <a:rPr lang="en-US" baseline="0" dirty="0"/>
               <a:t>Flask app for image submission -Shreya</a:t>
             </a:r>
           </a:p>
@@ -1145,7 +1227,7 @@
               <a:buAutoNum type="arabicPeriod"/>
             </a:pPr>
             <a:r>
-              <a:rPr lang="en-US" baseline="0" dirty="0" smtClean="0"/>
+              <a:rPr lang="en-US" baseline="0" dirty="0"/>
               <a:t>Scraping – Andrew</a:t>
             </a:r>
           </a:p>
@@ -1153,13 +1235,22 @@
             <a:pPr marL="228600" indent="-228600">
               <a:buAutoNum type="arabicPeriod"/>
             </a:pPr>
-            <a:endParaRPr lang="en-US" baseline="0" dirty="0" smtClean="0"/>
+            <a:r>
+              <a:rPr lang="en-US" baseline="0" dirty="0"/>
+              <a:t>Video demo – Eric </a:t>
+            </a:r>
           </a:p>
           <a:p>
             <a:pPr marL="228600" indent="-228600">
               <a:buAutoNum type="arabicPeriod"/>
             </a:pPr>
-            <a:endParaRPr lang="en-US" baseline="0" dirty="0" smtClean="0"/>
+            <a:endParaRPr lang="en-US" baseline="0" dirty="0"/>
+          </a:p>
+          <a:p>
+            <a:pPr marL="228600" indent="-228600">
+              <a:buAutoNum type="arabicPeriod"/>
+            </a:pPr>
+            <a:endParaRPr lang="en-US" baseline="0" dirty="0"/>
           </a:p>
         </p:txBody>
       </p:sp>
@@ -1244,10 +1335,9 @@
           <a:lstStyle/>
           <a:p>
             <a:r>
-              <a:rPr lang="en-US" dirty="0" smtClean="0"/>
+              <a:rPr lang="en-US" dirty="0"/>
               <a:t>Andrew</a:t>
             </a:r>
-            <a:endParaRPr lang="en-US" dirty="0"/>
           </a:p>
         </p:txBody>
       </p:sp>
@@ -1865,7 +1955,7 @@
           </a:lstStyle>
           <a:p>
             <a:r>
-              <a:rPr lang="en-US" smtClean="0"/>
+              <a:rPr lang="en-US"/>
               <a:t>Click to edit Master title style</a:t>
             </a:r>
             <a:endParaRPr lang="en-US" dirty="0"/>
@@ -1985,7 +2075,7 @@
           </a:lstStyle>
           <a:p>
             <a:r>
-              <a:rPr lang="en-US" smtClean="0"/>
+              <a:rPr lang="en-US"/>
               <a:t>Click to edit Master subtitle style</a:t>
             </a:r>
             <a:endParaRPr lang="en-US" dirty="0"/>
@@ -2009,7 +2099,7 @@
           <a:p>
             <a:fld id="{E147C991-5936-49D3-B8BD-885B9AA452C4}" type="datetimeFigureOut">
               <a:rPr lang="en-US" smtClean="0"/>
-              <a:t>7/28/2020</a:t>
+              <a:t>7/29/2020</a:t>
             </a:fld>
             <a:endParaRPr lang="en-US"/>
           </a:p>
@@ -2114,7 +2204,7 @@
           </a:lstStyle>
           <a:p>
             <a:r>
-              <a:rPr lang="en-US" smtClean="0"/>
+              <a:rPr lang="en-US"/>
               <a:t>Click to edit Master title style</a:t>
             </a:r>
             <a:endParaRPr lang="en-US" dirty="0"/>
@@ -2237,7 +2327,7 @@
           <a:p>
             <a:pPr lvl="0"/>
             <a:r>
-              <a:rPr lang="en-US" smtClean="0"/>
+              <a:rPr lang="en-US"/>
               <a:t>Click to edit Master text styles</a:t>
             </a:r>
           </a:p>
@@ -2260,7 +2350,7 @@
           <a:p>
             <a:fld id="{E147C991-5936-49D3-B8BD-885B9AA452C4}" type="datetimeFigureOut">
               <a:rPr lang="en-US" smtClean="0"/>
-              <a:t>7/28/2020</a:t>
+              <a:t>7/29/2020</a:t>
             </a:fld>
             <a:endParaRPr lang="en-US"/>
           </a:p>
@@ -2365,7 +2455,7 @@
           </a:lstStyle>
           <a:p>
             <a:r>
-              <a:rPr lang="en-US" smtClean="0"/>
+              <a:rPr lang="en-US"/>
               <a:t>Click to edit Master title style</a:t>
             </a:r>
             <a:endParaRPr lang="en-US" dirty="0"/>
@@ -2429,7 +2519,7 @@
           <a:p>
             <a:pPr lvl="0"/>
             <a:r>
-              <a:rPr lang="en-US" smtClean="0"/>
+              <a:rPr lang="en-US"/>
               <a:t>Click to edit Master text styles</a:t>
             </a:r>
           </a:p>
@@ -2551,7 +2641,7 @@
           <a:p>
             <a:pPr lvl="0"/>
             <a:r>
-              <a:rPr lang="en-US" smtClean="0"/>
+              <a:rPr lang="en-US"/>
               <a:t>Click to edit Master text styles</a:t>
             </a:r>
           </a:p>
@@ -2574,7 +2664,7 @@
           <a:p>
             <a:fld id="{E147C991-5936-49D3-B8BD-885B9AA452C4}" type="datetimeFigureOut">
               <a:rPr lang="en-US" smtClean="0"/>
-              <a:t>7/28/2020</a:t>
+              <a:t>7/29/2020</a:t>
             </a:fld>
             <a:endParaRPr lang="en-US"/>
           </a:p>
@@ -2769,7 +2859,7 @@
           </a:lstStyle>
           <a:p>
             <a:r>
-              <a:rPr lang="en-US" smtClean="0"/>
+              <a:rPr lang="en-US"/>
               <a:t>Click to edit Master title style</a:t>
             </a:r>
             <a:endParaRPr lang="en-US" dirty="0"/>
@@ -2892,7 +2982,7 @@
           <a:p>
             <a:pPr lvl="0"/>
             <a:r>
-              <a:rPr lang="en-US" smtClean="0"/>
+              <a:rPr lang="en-US"/>
               <a:t>Click to edit Master text styles</a:t>
             </a:r>
           </a:p>
@@ -2915,7 +3005,7 @@
           <a:p>
             <a:fld id="{E147C991-5936-49D3-B8BD-885B9AA452C4}" type="datetimeFigureOut">
               <a:rPr lang="en-US" smtClean="0"/>
-              <a:t>7/28/2020</a:t>
+              <a:t>7/29/2020</a:t>
             </a:fld>
             <a:endParaRPr lang="en-US"/>
           </a:p>
@@ -3020,7 +3110,7 @@
           </a:lstStyle>
           <a:p>
             <a:r>
-              <a:rPr lang="en-US" smtClean="0"/>
+              <a:rPr lang="en-US"/>
               <a:t>Click to edit Master title style</a:t>
             </a:r>
             <a:endParaRPr lang="en-US" dirty="0"/>
@@ -3084,7 +3174,7 @@
           <a:p>
             <a:pPr lvl="0"/>
             <a:r>
-              <a:rPr lang="en-US" smtClean="0"/>
+              <a:rPr lang="en-US"/>
               <a:t>Click to edit Master text styles</a:t>
             </a:r>
           </a:p>
@@ -3206,7 +3296,7 @@
           <a:p>
             <a:pPr lvl="0"/>
             <a:r>
-              <a:rPr lang="en-US" smtClean="0"/>
+              <a:rPr lang="en-US"/>
               <a:t>Click to edit Master text styles</a:t>
             </a:r>
           </a:p>
@@ -3229,7 +3319,7 @@
           <a:p>
             <a:fld id="{E147C991-5936-49D3-B8BD-885B9AA452C4}" type="datetimeFigureOut">
               <a:rPr lang="en-US" smtClean="0"/>
-              <a:t>7/28/2020</a:t>
+              <a:t>7/29/2020</a:t>
             </a:fld>
             <a:endParaRPr lang="en-US"/>
           </a:p>
@@ -3416,7 +3506,7 @@
           </a:lstStyle>
           <a:p>
             <a:r>
-              <a:rPr lang="en-US" smtClean="0"/>
+              <a:rPr lang="en-US"/>
               <a:t>Click to edit Master title style</a:t>
             </a:r>
             <a:endParaRPr lang="en-US" dirty="0"/>
@@ -3477,7 +3567,7 @@
           <a:p>
             <a:pPr lvl="0"/>
             <a:r>
-              <a:rPr lang="en-US" smtClean="0"/>
+              <a:rPr lang="en-US"/>
               <a:t>Click to edit Master text styles</a:t>
             </a:r>
           </a:p>
@@ -3599,7 +3689,7 @@
           <a:p>
             <a:pPr lvl="0"/>
             <a:r>
-              <a:rPr lang="en-US" smtClean="0"/>
+              <a:rPr lang="en-US"/>
               <a:t>Click to edit Master text styles</a:t>
             </a:r>
           </a:p>
@@ -3622,7 +3712,7 @@
           <a:p>
             <a:fld id="{E147C991-5936-49D3-B8BD-885B9AA452C4}" type="datetimeFigureOut">
               <a:rPr lang="en-US" smtClean="0"/>
-              <a:t>7/28/2020</a:t>
+              <a:t>7/29/2020</a:t>
             </a:fld>
             <a:endParaRPr lang="en-US"/>
           </a:p>
@@ -3716,7 +3806,7 @@
           <a:lstStyle/>
           <a:p>
             <a:r>
-              <a:rPr lang="en-US" smtClean="0"/>
+              <a:rPr lang="en-US"/>
               <a:t>Click to edit Master title style</a:t>
             </a:r>
             <a:endParaRPr lang="en-US" dirty="0"/>
@@ -3740,35 +3830,35 @@
           <a:p>
             <a:pPr lvl="0"/>
             <a:r>
-              <a:rPr lang="en-US" smtClean="0"/>
+              <a:rPr lang="en-US"/>
               <a:t>Click to edit Master text styles</a:t>
             </a:r>
           </a:p>
           <a:p>
             <a:pPr lvl="1"/>
             <a:r>
-              <a:rPr lang="en-US" smtClean="0"/>
+              <a:rPr lang="en-US"/>
               <a:t>Second level</a:t>
             </a:r>
           </a:p>
           <a:p>
             <a:pPr lvl="2"/>
             <a:r>
-              <a:rPr lang="en-US" smtClean="0"/>
+              <a:rPr lang="en-US"/>
               <a:t>Third level</a:t>
             </a:r>
           </a:p>
           <a:p>
             <a:pPr lvl="3"/>
             <a:r>
-              <a:rPr lang="en-US" smtClean="0"/>
+              <a:rPr lang="en-US"/>
               <a:t>Fourth level</a:t>
             </a:r>
           </a:p>
           <a:p>
             <a:pPr lvl="4"/>
             <a:r>
-              <a:rPr lang="en-US" smtClean="0"/>
+              <a:rPr lang="en-US"/>
               <a:t>Fifth level</a:t>
             </a:r>
             <a:endParaRPr lang="en-US" dirty="0"/>
@@ -3792,7 +3882,7 @@
           <a:p>
             <a:fld id="{E147C991-5936-49D3-B8BD-885B9AA452C4}" type="datetimeFigureOut">
               <a:rPr lang="en-US" smtClean="0"/>
-              <a:t>7/28/2020</a:t>
+              <a:t>7/29/2020</a:t>
             </a:fld>
             <a:endParaRPr lang="en-US"/>
           </a:p>
@@ -3891,7 +3981,7 @@
           <a:lstStyle/>
           <a:p>
             <a:r>
-              <a:rPr lang="en-US" smtClean="0"/>
+              <a:rPr lang="en-US"/>
               <a:t>Click to edit Master title style</a:t>
             </a:r>
             <a:endParaRPr lang="en-US" dirty="0"/>
@@ -3920,35 +4010,35 @@
           <a:p>
             <a:pPr lvl="0"/>
             <a:r>
-              <a:rPr lang="en-US" smtClean="0"/>
+              <a:rPr lang="en-US"/>
               <a:t>Click to edit Master text styles</a:t>
             </a:r>
           </a:p>
           <a:p>
             <a:pPr lvl="1"/>
             <a:r>
-              <a:rPr lang="en-US" smtClean="0"/>
+              <a:rPr lang="en-US"/>
               <a:t>Second level</a:t>
             </a:r>
           </a:p>
           <a:p>
             <a:pPr lvl="2"/>
             <a:r>
-              <a:rPr lang="en-US" smtClean="0"/>
+              <a:rPr lang="en-US"/>
               <a:t>Third level</a:t>
             </a:r>
           </a:p>
           <a:p>
             <a:pPr lvl="3"/>
             <a:r>
-              <a:rPr lang="en-US" smtClean="0"/>
+              <a:rPr lang="en-US"/>
               <a:t>Fourth level</a:t>
             </a:r>
           </a:p>
           <a:p>
             <a:pPr lvl="4"/>
             <a:r>
-              <a:rPr lang="en-US" smtClean="0"/>
+              <a:rPr lang="en-US"/>
               <a:t>Fifth level</a:t>
             </a:r>
             <a:endParaRPr lang="en-US" dirty="0"/>
@@ -3972,7 +4062,7 @@
           <a:p>
             <a:fld id="{E147C991-5936-49D3-B8BD-885B9AA452C4}" type="datetimeFigureOut">
               <a:rPr lang="en-US" smtClean="0"/>
-              <a:t>7/28/2020</a:t>
+              <a:t>7/29/2020</a:t>
             </a:fld>
             <a:endParaRPr lang="en-US"/>
           </a:p>
@@ -4072,7 +4162,7 @@
           </a:lstStyle>
           <a:p>
             <a:r>
-              <a:rPr lang="en-US" smtClean="0"/>
+              <a:rPr lang="en-US"/>
               <a:t>Click to edit Master title style</a:t>
             </a:r>
             <a:endParaRPr lang="en-US" dirty="0"/>
@@ -4096,35 +4186,35 @@
           <a:p>
             <a:pPr lvl="0"/>
             <a:r>
-              <a:rPr lang="en-US" smtClean="0"/>
+              <a:rPr lang="en-US"/>
               <a:t>Click to edit Master text styles</a:t>
             </a:r>
           </a:p>
           <a:p>
             <a:pPr lvl="1"/>
             <a:r>
-              <a:rPr lang="en-US" smtClean="0"/>
+              <a:rPr lang="en-US"/>
               <a:t>Second level</a:t>
             </a:r>
           </a:p>
           <a:p>
             <a:pPr lvl="2"/>
             <a:r>
-              <a:rPr lang="en-US" smtClean="0"/>
+              <a:rPr lang="en-US"/>
               <a:t>Third level</a:t>
             </a:r>
           </a:p>
           <a:p>
             <a:pPr lvl="3"/>
             <a:r>
-              <a:rPr lang="en-US" smtClean="0"/>
+              <a:rPr lang="en-US"/>
               <a:t>Fourth level</a:t>
             </a:r>
           </a:p>
           <a:p>
             <a:pPr lvl="4"/>
             <a:r>
-              <a:rPr lang="en-US" smtClean="0"/>
+              <a:rPr lang="en-US"/>
               <a:t>Fifth level</a:t>
             </a:r>
             <a:endParaRPr lang="en-US" dirty="0"/>
@@ -4148,7 +4238,7 @@
           <a:p>
             <a:fld id="{E147C991-5936-49D3-B8BD-885B9AA452C4}" type="datetimeFigureOut">
               <a:rPr lang="en-US" smtClean="0"/>
-              <a:t>7/28/2020</a:t>
+              <a:t>7/29/2020</a:t>
             </a:fld>
             <a:endParaRPr lang="en-US"/>
           </a:p>
@@ -4251,7 +4341,7 @@
           </a:lstStyle>
           <a:p>
             <a:r>
-              <a:rPr lang="en-US" smtClean="0"/>
+              <a:rPr lang="en-US"/>
               <a:t>Click to edit Master title style</a:t>
             </a:r>
             <a:endParaRPr lang="en-US" dirty="0"/>
@@ -4372,7 +4462,7 @@
           <a:p>
             <a:pPr lvl="0"/>
             <a:r>
-              <a:rPr lang="en-US" smtClean="0"/>
+              <a:rPr lang="en-US"/>
               <a:t>Click to edit Master text styles</a:t>
             </a:r>
           </a:p>
@@ -4395,7 +4485,7 @@
           <a:p>
             <a:fld id="{E147C991-5936-49D3-B8BD-885B9AA452C4}" type="datetimeFigureOut">
               <a:rPr lang="en-US" smtClean="0"/>
-              <a:t>7/28/2020</a:t>
+              <a:t>7/29/2020</a:t>
             </a:fld>
             <a:endParaRPr lang="en-US"/>
           </a:p>
@@ -4489,7 +4579,7 @@
           <a:lstStyle/>
           <a:p>
             <a:r>
-              <a:rPr lang="en-US" smtClean="0"/>
+              <a:rPr lang="en-US"/>
               <a:t>Click to edit Master title style</a:t>
             </a:r>
             <a:endParaRPr lang="en-US" dirty="0"/>
@@ -4518,35 +4608,35 @@
           <a:p>
             <a:pPr lvl="0"/>
             <a:r>
-              <a:rPr lang="en-US" smtClean="0"/>
+              <a:rPr lang="en-US"/>
               <a:t>Click to edit Master text styles</a:t>
             </a:r>
           </a:p>
           <a:p>
             <a:pPr lvl="1"/>
             <a:r>
-              <a:rPr lang="en-US" smtClean="0"/>
+              <a:rPr lang="en-US"/>
               <a:t>Second level</a:t>
             </a:r>
           </a:p>
           <a:p>
             <a:pPr lvl="2"/>
             <a:r>
-              <a:rPr lang="en-US" smtClean="0"/>
+              <a:rPr lang="en-US"/>
               <a:t>Third level</a:t>
             </a:r>
           </a:p>
           <a:p>
             <a:pPr lvl="3"/>
             <a:r>
-              <a:rPr lang="en-US" smtClean="0"/>
+              <a:rPr lang="en-US"/>
               <a:t>Fourth level</a:t>
             </a:r>
           </a:p>
           <a:p>
             <a:pPr lvl="4"/>
             <a:r>
-              <a:rPr lang="en-US" smtClean="0"/>
+              <a:rPr lang="en-US"/>
               <a:t>Fifth level</a:t>
             </a:r>
             <a:endParaRPr lang="en-US" dirty="0"/>
@@ -4575,35 +4665,35 @@
           <a:p>
             <a:pPr lvl="0"/>
             <a:r>
-              <a:rPr lang="en-US" smtClean="0"/>
+              <a:rPr lang="en-US"/>
               <a:t>Click to edit Master text styles</a:t>
             </a:r>
           </a:p>
           <a:p>
             <a:pPr lvl="1"/>
             <a:r>
-              <a:rPr lang="en-US" smtClean="0"/>
+              <a:rPr lang="en-US"/>
               <a:t>Second level</a:t>
             </a:r>
           </a:p>
           <a:p>
             <a:pPr lvl="2"/>
             <a:r>
-              <a:rPr lang="en-US" smtClean="0"/>
+              <a:rPr lang="en-US"/>
               <a:t>Third level</a:t>
             </a:r>
           </a:p>
           <a:p>
             <a:pPr lvl="3"/>
             <a:r>
-              <a:rPr lang="en-US" smtClean="0"/>
+              <a:rPr lang="en-US"/>
               <a:t>Fourth level</a:t>
             </a:r>
           </a:p>
           <a:p>
             <a:pPr lvl="4"/>
             <a:r>
-              <a:rPr lang="en-US" smtClean="0"/>
+              <a:rPr lang="en-US"/>
               <a:t>Fifth level</a:t>
             </a:r>
             <a:endParaRPr lang="en-US" dirty="0"/>
@@ -4627,7 +4717,7 @@
           <a:p>
             <a:fld id="{E147C991-5936-49D3-B8BD-885B9AA452C4}" type="datetimeFigureOut">
               <a:rPr lang="en-US" smtClean="0"/>
-              <a:t>7/28/2020</a:t>
+              <a:t>7/29/2020</a:t>
             </a:fld>
             <a:endParaRPr lang="en-US"/>
           </a:p>
@@ -4725,7 +4815,7 @@
           </a:lstStyle>
           <a:p>
             <a:r>
-              <a:rPr lang="en-US" smtClean="0"/>
+              <a:rPr lang="en-US"/>
               <a:t>Click to edit Master title style</a:t>
             </a:r>
             <a:endParaRPr lang="en-US" dirty="0"/>
@@ -4793,7 +4883,7 @@
           <a:p>
             <a:pPr lvl="0"/>
             <a:r>
-              <a:rPr lang="en-US" smtClean="0"/>
+              <a:rPr lang="en-US"/>
               <a:t>Click to edit Master text styles</a:t>
             </a:r>
           </a:p>
@@ -4823,35 +4913,35 @@
           <a:p>
             <a:pPr lvl="0"/>
             <a:r>
-              <a:rPr lang="en-US" smtClean="0"/>
+              <a:rPr lang="en-US"/>
               <a:t>Click to edit Master text styles</a:t>
             </a:r>
           </a:p>
           <a:p>
             <a:pPr lvl="1"/>
             <a:r>
-              <a:rPr lang="en-US" smtClean="0"/>
+              <a:rPr lang="en-US"/>
               <a:t>Second level</a:t>
             </a:r>
           </a:p>
           <a:p>
             <a:pPr lvl="2"/>
             <a:r>
-              <a:rPr lang="en-US" smtClean="0"/>
+              <a:rPr lang="en-US"/>
               <a:t>Third level</a:t>
             </a:r>
           </a:p>
           <a:p>
             <a:pPr lvl="3"/>
             <a:r>
-              <a:rPr lang="en-US" smtClean="0"/>
+              <a:rPr lang="en-US"/>
               <a:t>Fourth level</a:t>
             </a:r>
           </a:p>
           <a:p>
             <a:pPr lvl="4"/>
             <a:r>
-              <a:rPr lang="en-US" smtClean="0"/>
+              <a:rPr lang="en-US"/>
               <a:t>Fifth level</a:t>
             </a:r>
             <a:endParaRPr lang="en-US" dirty="0"/>
@@ -4919,7 +5009,7 @@
           <a:p>
             <a:pPr lvl="0"/>
             <a:r>
-              <a:rPr lang="en-US" smtClean="0"/>
+              <a:rPr lang="en-US"/>
               <a:t>Click to edit Master text styles</a:t>
             </a:r>
           </a:p>
@@ -4949,35 +5039,35 @@
           <a:p>
             <a:pPr lvl="0"/>
             <a:r>
-              <a:rPr lang="en-US" smtClean="0"/>
+              <a:rPr lang="en-US"/>
               <a:t>Click to edit Master text styles</a:t>
             </a:r>
           </a:p>
           <a:p>
             <a:pPr lvl="1"/>
             <a:r>
-              <a:rPr lang="en-US" smtClean="0"/>
+              <a:rPr lang="en-US"/>
               <a:t>Second level</a:t>
             </a:r>
           </a:p>
           <a:p>
             <a:pPr lvl="2"/>
             <a:r>
-              <a:rPr lang="en-US" smtClean="0"/>
+              <a:rPr lang="en-US"/>
               <a:t>Third level</a:t>
             </a:r>
           </a:p>
           <a:p>
             <a:pPr lvl="3"/>
             <a:r>
-              <a:rPr lang="en-US" smtClean="0"/>
+              <a:rPr lang="en-US"/>
               <a:t>Fourth level</a:t>
             </a:r>
           </a:p>
           <a:p>
             <a:pPr lvl="4"/>
             <a:r>
-              <a:rPr lang="en-US" smtClean="0"/>
+              <a:rPr lang="en-US"/>
               <a:t>Fifth level</a:t>
             </a:r>
             <a:endParaRPr lang="en-US" dirty="0"/>
@@ -5001,7 +5091,7 @@
           <a:p>
             <a:fld id="{E147C991-5936-49D3-B8BD-885B9AA452C4}" type="datetimeFigureOut">
               <a:rPr lang="en-US" smtClean="0"/>
-              <a:t>7/28/2020</a:t>
+              <a:t>7/29/2020</a:t>
             </a:fld>
             <a:endParaRPr lang="en-US"/>
           </a:p>
@@ -5100,7 +5190,7 @@
           <a:lstStyle/>
           <a:p>
             <a:r>
-              <a:rPr lang="en-US" smtClean="0"/>
+              <a:rPr lang="en-US"/>
               <a:t>Click to edit Master title style</a:t>
             </a:r>
             <a:endParaRPr lang="en-US" dirty="0"/>
@@ -5124,7 +5214,7 @@
           <a:p>
             <a:fld id="{E147C991-5936-49D3-B8BD-885B9AA452C4}" type="datetimeFigureOut">
               <a:rPr lang="en-US" smtClean="0"/>
-              <a:t>7/28/2020</a:t>
+              <a:t>7/29/2020</a:t>
             </a:fld>
             <a:endParaRPr lang="en-US"/>
           </a:p>
@@ -5219,7 +5309,7 @@
           <a:p>
             <a:fld id="{E147C991-5936-49D3-B8BD-885B9AA452C4}" type="datetimeFigureOut">
               <a:rPr lang="en-US" smtClean="0"/>
-              <a:t>7/28/2020</a:t>
+              <a:t>7/29/2020</a:t>
             </a:fld>
             <a:endParaRPr lang="en-US"/>
           </a:p>
@@ -5324,7 +5414,7 @@
           </a:lstStyle>
           <a:p>
             <a:r>
-              <a:rPr lang="en-US" smtClean="0"/>
+              <a:rPr lang="en-US"/>
               <a:t>Click to edit Master title style</a:t>
             </a:r>
             <a:endParaRPr lang="en-US" dirty="0"/>
@@ -5355,35 +5445,35 @@
           <a:p>
             <a:pPr lvl="0"/>
             <a:r>
-              <a:rPr lang="en-US" smtClean="0"/>
+              <a:rPr lang="en-US"/>
               <a:t>Click to edit Master text styles</a:t>
             </a:r>
           </a:p>
           <a:p>
             <a:pPr lvl="1"/>
             <a:r>
-              <a:rPr lang="en-US" smtClean="0"/>
+              <a:rPr lang="en-US"/>
               <a:t>Second level</a:t>
             </a:r>
           </a:p>
           <a:p>
             <a:pPr lvl="2"/>
             <a:r>
-              <a:rPr lang="en-US" smtClean="0"/>
+              <a:rPr lang="en-US"/>
               <a:t>Third level</a:t>
             </a:r>
           </a:p>
           <a:p>
             <a:pPr lvl="3"/>
             <a:r>
-              <a:rPr lang="en-US" smtClean="0"/>
+              <a:rPr lang="en-US"/>
               <a:t>Fourth level</a:t>
             </a:r>
           </a:p>
           <a:p>
             <a:pPr lvl="4"/>
             <a:r>
-              <a:rPr lang="en-US" smtClean="0"/>
+              <a:rPr lang="en-US"/>
               <a:t>Fifth level</a:t>
             </a:r>
             <a:endParaRPr lang="en-US" dirty="0"/>
@@ -5451,7 +5541,7 @@
           <a:p>
             <a:pPr lvl="0"/>
             <a:r>
-              <a:rPr lang="en-US" smtClean="0"/>
+              <a:rPr lang="en-US"/>
               <a:t>Click to edit Master text styles</a:t>
             </a:r>
           </a:p>
@@ -5474,7 +5564,7 @@
           <a:p>
             <a:fld id="{E147C991-5936-49D3-B8BD-885B9AA452C4}" type="datetimeFigureOut">
               <a:rPr lang="en-US" smtClean="0"/>
-              <a:t>7/28/2020</a:t>
+              <a:t>7/29/2020</a:t>
             </a:fld>
             <a:endParaRPr lang="en-US"/>
           </a:p>
@@ -5579,7 +5669,7 @@
           </a:lstStyle>
           <a:p>
             <a:r>
-              <a:rPr lang="en-US" smtClean="0"/>
+              <a:rPr lang="en-US"/>
               <a:t>Click to edit Master title style</a:t>
             </a:r>
             <a:endParaRPr lang="en-US" dirty="0"/>
@@ -5646,7 +5736,7 @@
           </a:lstStyle>
           <a:p>
             <a:r>
-              <a:rPr lang="en-US" smtClean="0"/>
+              <a:rPr lang="en-US"/>
               <a:t>Click icon to add picture</a:t>
             </a:r>
             <a:endParaRPr lang="en-US" dirty="0"/>
@@ -5714,7 +5804,7 @@
           <a:p>
             <a:pPr lvl="0"/>
             <a:r>
-              <a:rPr lang="en-US" smtClean="0"/>
+              <a:rPr lang="en-US"/>
               <a:t>Click to edit Master text styles</a:t>
             </a:r>
           </a:p>
@@ -5737,7 +5827,7 @@
           <a:p>
             <a:fld id="{E147C991-5936-49D3-B8BD-885B9AA452C4}" type="datetimeFigureOut">
               <a:rPr lang="en-US" smtClean="0"/>
-              <a:t>7/28/2020</a:t>
+              <a:t>7/29/2020</a:t>
             </a:fld>
             <a:endParaRPr lang="en-US"/>
           </a:p>
@@ -6376,7 +6466,7 @@
           <a:lstStyle/>
           <a:p>
             <a:r>
-              <a:rPr lang="en-US" smtClean="0"/>
+              <a:rPr lang="en-US"/>
               <a:t>Click to edit Master title style</a:t>
             </a:r>
             <a:endParaRPr lang="en-US" dirty="0"/>
@@ -6410,35 +6500,35 @@
           <a:p>
             <a:pPr lvl="0"/>
             <a:r>
-              <a:rPr lang="en-US" smtClean="0"/>
+              <a:rPr lang="en-US"/>
               <a:t>Click to edit Master text styles</a:t>
             </a:r>
           </a:p>
           <a:p>
             <a:pPr lvl="1"/>
             <a:r>
-              <a:rPr lang="en-US" smtClean="0"/>
+              <a:rPr lang="en-US"/>
               <a:t>Second level</a:t>
             </a:r>
           </a:p>
           <a:p>
             <a:pPr lvl="2"/>
             <a:r>
-              <a:rPr lang="en-US" smtClean="0"/>
+              <a:rPr lang="en-US"/>
               <a:t>Third level</a:t>
             </a:r>
           </a:p>
           <a:p>
             <a:pPr lvl="3"/>
             <a:r>
-              <a:rPr lang="en-US" smtClean="0"/>
+              <a:rPr lang="en-US"/>
               <a:t>Fourth level</a:t>
             </a:r>
           </a:p>
           <a:p>
             <a:pPr lvl="4"/>
             <a:r>
-              <a:rPr lang="en-US" smtClean="0"/>
+              <a:rPr lang="en-US"/>
               <a:t>Fifth level</a:t>
             </a:r>
             <a:endParaRPr lang="en-US" dirty="0"/>
@@ -6480,7 +6570,7 @@
           <a:p>
             <a:fld id="{E147C991-5936-49D3-B8BD-885B9AA452C4}" type="datetimeFigureOut">
               <a:rPr lang="en-US" smtClean="0"/>
-              <a:t>7/28/2020</a:t>
+              <a:t>7/29/2020</a:t>
             </a:fld>
             <a:endParaRPr lang="en-US"/>
           </a:p>
@@ -7021,10 +7111,9 @@
           <a:p>
             <a:pPr algn="l"/>
             <a:r>
-              <a:rPr lang="en-US" dirty="0" smtClean="0"/>
+              <a:rPr lang="en-US" dirty="0"/>
               <a:t>Identifying Cars with CNN</a:t>
             </a:r>
-            <a:endParaRPr lang="en-US" dirty="0"/>
           </a:p>
         </p:txBody>
       </p:sp>
@@ -7045,31 +7134,27 @@
           <a:p>
             <a:pPr algn="l"/>
             <a:r>
-              <a:rPr lang="en-US" dirty="0" smtClean="0"/>
+              <a:rPr lang="en-US" dirty="0"/>
               <a:t>Andrew </a:t>
             </a:r>
             <a:r>
               <a:rPr lang="en-US" dirty="0" err="1"/>
-              <a:t>M</a:t>
-            </a:r>
-            <a:r>
-              <a:rPr lang="en-US" dirty="0" err="1" smtClean="0"/>
-              <a:t>aximos</a:t>
-            </a:r>
-            <a:r>
-              <a:rPr lang="en-US" dirty="0" smtClean="0"/>
+              <a:t>Maximos</a:t>
+            </a:r>
+            <a:r>
+              <a:rPr lang="en-US" dirty="0"/>
               <a:t>, Eric Pacheco, </a:t>
             </a:r>
             <a:r>
-              <a:rPr lang="en-US" dirty="0" err="1" smtClean="0"/>
+              <a:rPr lang="en-US" dirty="0" err="1"/>
               <a:t>Rimsha</a:t>
             </a:r>
             <a:r>
-              <a:rPr lang="en-US" dirty="0" smtClean="0"/>
+              <a:rPr lang="en-US" dirty="0"/>
               <a:t> Aziz, Shreya </a:t>
             </a:r>
             <a:r>
-              <a:rPr lang="en-US" dirty="0" err="1" smtClean="0"/>
+              <a:rPr lang="en-US" dirty="0" err="1"/>
               <a:t>Sachdev</a:t>
             </a:r>
             <a:endParaRPr lang="en-US" dirty="0"/>
@@ -7122,10 +7207,9 @@
           <a:lstStyle/>
           <a:p>
             <a:r>
-              <a:rPr lang="en-US" dirty="0" smtClean="0"/>
+              <a:rPr lang="en-US" dirty="0"/>
               <a:t>CNN Overview</a:t>
             </a:r>
-            <a:endParaRPr lang="en-US" dirty="0"/>
           </a:p>
         </p:txBody>
       </p:sp>
@@ -7145,19 +7229,19 @@
           <a:lstStyle/>
           <a:p>
             <a:r>
-              <a:rPr lang="en-US" dirty="0" smtClean="0"/>
+              <a:rPr lang="en-US" dirty="0"/>
               <a:t>Integral to image classification when building machine learning models</a:t>
             </a:r>
           </a:p>
           <a:p>
             <a:r>
-              <a:rPr lang="en-US" dirty="0" smtClean="0"/>
+              <a:rPr lang="en-US" dirty="0"/>
               <a:t>Breaks down image into smaller portions to filter noise</a:t>
             </a:r>
           </a:p>
           <a:p>
             <a:r>
-              <a:rPr lang="en-US" dirty="0" smtClean="0"/>
+              <a:rPr lang="en-US" dirty="0"/>
               <a:t>Detects patterns and objects within similar images</a:t>
             </a:r>
           </a:p>
@@ -7220,10 +7304,9 @@
           <a:lstStyle/>
           <a:p>
             <a:r>
-              <a:rPr lang="en-US" dirty="0" smtClean="0"/>
+              <a:rPr lang="en-US" dirty="0"/>
               <a:t>What We Did</a:t>
             </a:r>
-            <a:endParaRPr lang="en-US" dirty="0"/>
           </a:p>
         </p:txBody>
       </p:sp>
@@ -7247,23 +7330,16 @@
               <a:buAutoNum type="arabicPeriod"/>
             </a:pPr>
             <a:r>
-              <a:rPr lang="en-US" dirty="0" smtClean="0"/>
+              <a:rPr lang="en-US" dirty="0"/>
               <a:t>Train model from </a:t>
             </a:r>
             <a:r>
-              <a:rPr lang="en-US" dirty="0" err="1" smtClean="0"/>
+              <a:rPr lang="en-US" dirty="0" err="1"/>
               <a:t>Kaggle</a:t>
             </a:r>
             <a:r>
-              <a:rPr lang="en-US" dirty="0" smtClean="0"/>
+              <a:rPr lang="en-US" dirty="0"/>
               <a:t> library of various cars</a:t>
-            </a:r>
-          </a:p>
-          <a:p>
-            <a:pPr lvl="1"/>
-            <a:r>
-              <a:rPr lang="en-US" dirty="0" smtClean="0"/>
-              <a:t>Pandas</a:t>
             </a:r>
           </a:p>
           <a:p>
@@ -7272,17 +7348,17 @@
               <a:buAutoNum type="arabicPeriod"/>
             </a:pPr>
             <a:r>
-              <a:rPr lang="en-US" dirty="0" smtClean="0"/>
+              <a:rPr lang="en-US" dirty="0"/>
               <a:t>Send pictures from webcam to model for prediction</a:t>
             </a:r>
           </a:p>
           <a:p>
             <a:pPr lvl="1"/>
             <a:r>
-              <a:rPr lang="en-US" dirty="0" err="1" smtClean="0"/>
+              <a:rPr lang="en-US" dirty="0" err="1"/>
               <a:t>OpenCV</a:t>
             </a:r>
-            <a:endParaRPr lang="en-US" dirty="0" smtClean="0"/>
+            <a:endParaRPr lang="en-US" dirty="0"/>
           </a:p>
           <a:p>
             <a:pPr marL="514350" indent="-514350">
@@ -7290,14 +7366,14 @@
               <a:buAutoNum type="arabicPeriod"/>
             </a:pPr>
             <a:r>
-              <a:rPr lang="en-US" dirty="0" smtClean="0"/>
+              <a:rPr lang="en-US" dirty="0"/>
               <a:t>Upload pictures from webpage to model for prediction</a:t>
             </a:r>
           </a:p>
           <a:p>
             <a:pPr lvl="1"/>
             <a:r>
-              <a:rPr lang="en-US" dirty="0" smtClean="0"/>
+              <a:rPr lang="en-US" dirty="0"/>
               <a:t>Flask, HTML</a:t>
             </a:r>
           </a:p>
@@ -7307,14 +7383,14 @@
               <a:buAutoNum type="arabicPeriod"/>
             </a:pPr>
             <a:r>
-              <a:rPr lang="en-US" dirty="0" smtClean="0"/>
+              <a:rPr lang="en-US" dirty="0"/>
               <a:t>Scrape images from auto trader to model for prediction</a:t>
             </a:r>
           </a:p>
           <a:p>
             <a:pPr lvl="1"/>
             <a:r>
-              <a:rPr lang="en-US" dirty="0" smtClean="0"/>
+              <a:rPr lang="en-US" dirty="0"/>
               <a:t>Flask</a:t>
             </a:r>
           </a:p>
@@ -7366,10 +7442,9 @@
           <a:lstStyle/>
           <a:p>
             <a:r>
-              <a:rPr lang="en-US" dirty="0" smtClean="0"/>
+              <a:rPr lang="en-US" dirty="0"/>
               <a:t>Ambitions</a:t>
             </a:r>
-            <a:endParaRPr lang="en-US" dirty="0"/>
           </a:p>
         </p:txBody>
       </p:sp>
@@ -7389,30 +7464,29 @@
           <a:lstStyle/>
           <a:p>
             <a:r>
-              <a:rPr lang="en-US" dirty="0" smtClean="0"/>
+              <a:rPr lang="en-US" dirty="0"/>
               <a:t>Accurately identify 42 classes of cars</a:t>
             </a:r>
           </a:p>
           <a:p>
             <a:pPr lvl="1"/>
             <a:r>
-              <a:rPr lang="en-US" dirty="0" smtClean="0"/>
+              <a:rPr lang="en-US" dirty="0"/>
               <a:t>Low accuracy</a:t>
             </a:r>
           </a:p>
           <a:p>
             <a:r>
-              <a:rPr lang="en-US" dirty="0" smtClean="0"/>
+              <a:rPr lang="en-US" dirty="0"/>
               <a:t>AWS buckets to store images</a:t>
             </a:r>
           </a:p>
           <a:p>
             <a:pPr lvl="1"/>
             <a:r>
-              <a:rPr lang="en-US" dirty="0" smtClean="0"/>
+              <a:rPr lang="en-US" dirty="0"/>
               <a:t>Too many photos and $$</a:t>
             </a:r>
-            <a:endParaRPr lang="en-US" dirty="0"/>
           </a:p>
           <a:p>
             <a:r>
@@ -7425,17 +7499,13 @@
             </a:r>
             <a:r>
               <a:rPr lang="en-US" dirty="0"/>
-              <a:t> </a:t>
-            </a:r>
-            <a:r>
-              <a:rPr lang="en-US" dirty="0" smtClean="0"/>
-              <a:t>images</a:t>
+              <a:t> images</a:t>
             </a:r>
           </a:p>
           <a:p>
             <a:pPr lvl="1"/>
             <a:r>
-              <a:rPr lang="en-US" dirty="0" smtClean="0"/>
+              <a:rPr lang="en-US" dirty="0"/>
               <a:t>Too much variance, mostly pictures from interior</a:t>
             </a:r>
           </a:p>
@@ -7487,10 +7557,9 @@
           <a:lstStyle/>
           <a:p>
             <a:r>
-              <a:rPr lang="en-US" dirty="0" smtClean="0"/>
+              <a:rPr lang="en-US" dirty="0"/>
               <a:t>Results</a:t>
             </a:r>
-            <a:endParaRPr lang="en-US" dirty="0"/>
           </a:p>
         </p:txBody>
       </p:sp>
@@ -7517,61 +7586,8 @@
           <a:lstStyle/>
           <a:p>
             <a:r>
-              <a:rPr lang="en-US" dirty="0" smtClean="0"/>
-              <a:t>Our </a:t>
-            </a:r>
-            <a:r>
-              <a:rPr lang="en-US" dirty="0" smtClean="0"/>
-              <a:t>most accurate model </a:t>
-            </a:r>
-            <a:r>
-              <a:rPr lang="en-US" dirty="0" smtClean="0"/>
-              <a:t>can identify cars with </a:t>
-            </a:r>
-            <a:r>
-              <a:rPr lang="en-US" dirty="0" smtClean="0">
-                <a:solidFill>
-                  <a:srgbClr val="FF0000"/>
-                </a:solidFill>
-              </a:rPr>
-              <a:t>85%</a:t>
-            </a:r>
-            <a:r>
-              <a:rPr lang="en-US" dirty="0" smtClean="0">
-                <a:solidFill>
-                  <a:srgbClr val="FF0000"/>
-                </a:solidFill>
-              </a:rPr>
-              <a:t> </a:t>
-            </a:r>
-            <a:r>
-              <a:rPr lang="en-US" dirty="0" smtClean="0"/>
-              <a:t>accuracy for the </a:t>
-            </a:r>
-            <a:r>
-              <a:rPr lang="en-US" dirty="0" smtClean="0"/>
-              <a:t>2 car makes, Mazda and Jeep.</a:t>
-            </a:r>
-          </a:p>
-          <a:p>
-            <a:endParaRPr lang="en-US" dirty="0"/>
-          </a:p>
-          <a:p>
-            <a:r>
-              <a:rPr lang="en-US" dirty="0" smtClean="0"/>
-              <a:t>Our original model </a:t>
-            </a:r>
-            <a:r>
               <a:rPr lang="en-US" dirty="0"/>
-              <a:t>can identify cars with </a:t>
-            </a:r>
-            <a:r>
-              <a:rPr lang="en-US" dirty="0" smtClean="0">
-                <a:solidFill>
-                  <a:srgbClr val="FF0000"/>
-                </a:solidFill>
-              </a:rPr>
-              <a:t>55</a:t>
+              <a:t>Our most accurate model can identify cars with </a:t>
             </a:r>
             <a:r>
               <a:rPr lang="en-US" dirty="0">
@@ -7579,17 +7595,33 @@
                   <a:srgbClr val="FF0000"/>
                 </a:solidFill>
               </a:rPr>
-              <a:t>% </a:t>
+              <a:t>85% </a:t>
             </a:r>
             <a:r>
               <a:rPr lang="en-US" dirty="0"/>
-              <a:t>accuracy </a:t>
-            </a:r>
-            <a:r>
-              <a:rPr lang="en-US" dirty="0" smtClean="0"/>
-              <a:t>for 42 different car makes.</a:t>
-            </a:r>
-            <a:endParaRPr lang="en-US" dirty="0" smtClean="0"/>
+              <a:t>accuracy for the 2 car makes, Mazda and Jeep.</a:t>
+            </a:r>
+          </a:p>
+          <a:p>
+            <a:endParaRPr lang="en-US" dirty="0"/>
+          </a:p>
+          <a:p>
+            <a:r>
+              <a:rPr lang="en-US" dirty="0"/>
+              <a:t>Our original model can identify cars with </a:t>
+            </a:r>
+            <a:r>
+              <a:rPr lang="en-US" dirty="0">
+                <a:solidFill>
+                  <a:srgbClr val="FF0000"/>
+                </a:solidFill>
+              </a:rPr>
+              <a:t>55% </a:t>
+            </a:r>
+            <a:r>
+              <a:rPr lang="en-US" dirty="0"/>
+              <a:t>accuracy for 42 different car makes.</a:t>
+            </a:r>
           </a:p>
         </p:txBody>
       </p:sp>
@@ -7639,10 +7671,9 @@
           <a:lstStyle/>
           <a:p>
             <a:r>
-              <a:rPr lang="en-US" dirty="0" smtClean="0"/>
+              <a:rPr lang="en-US" dirty="0"/>
               <a:t>Problems with CNN</a:t>
             </a:r>
-            <a:endParaRPr lang="en-US" dirty="0"/>
           </a:p>
         </p:txBody>
       </p:sp>
@@ -7662,50 +7693,45 @@
           <a:lstStyle/>
           <a:p>
             <a:r>
-              <a:rPr lang="en-US" dirty="0" smtClean="0"/>
+              <a:rPr lang="en-US" dirty="0"/>
               <a:t>Too many images for repo and AWS, computer crashed!</a:t>
             </a:r>
           </a:p>
           <a:p>
             <a:r>
-              <a:rPr lang="en-US" dirty="0" smtClean="0"/>
+              <a:rPr lang="en-US" dirty="0"/>
               <a:t>*Cars look too similar to each other*</a:t>
             </a:r>
           </a:p>
           <a:p>
             <a:r>
-              <a:rPr lang="en-US" dirty="0" smtClean="0"/>
+              <a:rPr lang="en-US" dirty="0"/>
               <a:t>Took 3 days to train</a:t>
             </a:r>
           </a:p>
           <a:p>
             <a:r>
-              <a:rPr lang="en-US" dirty="0" smtClean="0"/>
+              <a:rPr lang="en-US" dirty="0"/>
               <a:t>Overfitting</a:t>
             </a:r>
           </a:p>
           <a:p>
             <a:r>
-              <a:rPr lang="en-US" dirty="0" smtClean="0"/>
-              <a:t>Image data generator caused memory </a:t>
-            </a:r>
-            <a:r>
-              <a:rPr lang="en-US" dirty="0" smtClean="0"/>
-              <a:t>issues</a:t>
-            </a:r>
-          </a:p>
-          <a:p>
-            <a:r>
-              <a:rPr lang="en-US" dirty="0" smtClean="0"/>
+              <a:rPr lang="en-US" dirty="0"/>
+              <a:t>Image data generator caused memory issues</a:t>
+            </a:r>
+          </a:p>
+          <a:p>
+            <a:r>
+              <a:rPr lang="en-US" dirty="0"/>
               <a:t>Unequal number of car images between makes</a:t>
             </a:r>
           </a:p>
           <a:p>
             <a:r>
-              <a:rPr lang="en-US" dirty="0" smtClean="0"/>
+              <a:rPr lang="en-US" dirty="0"/>
               <a:t>Not enough images</a:t>
             </a:r>
-            <a:endParaRPr lang="en-US" dirty="0" smtClean="0"/>
           </a:p>
         </p:txBody>
       </p:sp>
@@ -7755,10 +7781,9 @@
           <a:lstStyle/>
           <a:p>
             <a:r>
-              <a:rPr lang="en-US" dirty="0" smtClean="0"/>
+              <a:rPr lang="en-US" dirty="0"/>
               <a:t>WALKTHROUGH</a:t>
             </a:r>
-            <a:endParaRPr lang="en-US" dirty="0"/>
           </a:p>
         </p:txBody>
       </p:sp>
@@ -7808,10 +7833,9 @@
           <a:lstStyle/>
           <a:p>
             <a:r>
-              <a:rPr lang="en-US" dirty="0" smtClean="0"/>
+              <a:rPr lang="en-US" dirty="0"/>
               <a:t>Potential Next Steps</a:t>
             </a:r>
-            <a:endParaRPr lang="en-US" dirty="0"/>
           </a:p>
         </p:txBody>
       </p:sp>
@@ -7832,29 +7856,24 @@
           <a:p>
             <a:r>
               <a:rPr lang="en-US" dirty="0"/>
-              <a:t>Recognizing Cars from </a:t>
-            </a:r>
-            <a:r>
-              <a:rPr lang="en-US" dirty="0" smtClean="0"/>
-              <a:t>street view footage</a:t>
-            </a:r>
-            <a:endParaRPr lang="en-US" dirty="0"/>
-          </a:p>
-          <a:p>
-            <a:r>
-              <a:rPr lang="en-US" dirty="0" smtClean="0"/>
+              <a:t>Recognizing Cars from street view footage</a:t>
+            </a:r>
+          </a:p>
+          <a:p>
+            <a:r>
+              <a:rPr lang="en-US" dirty="0"/>
               <a:t>Increase accuracy of model recognizing 42 cars</a:t>
             </a:r>
           </a:p>
           <a:p>
             <a:r>
-              <a:rPr lang="en-US" dirty="0" smtClean="0"/>
+              <a:rPr lang="en-US" dirty="0"/>
               <a:t>Using AWS buckets to collect and store more images</a:t>
             </a:r>
           </a:p>
           <a:p>
             <a:r>
-              <a:rPr lang="en-US" dirty="0" smtClean="0"/>
+              <a:rPr lang="en-US" dirty="0"/>
               <a:t>Has useful real-world application</a:t>
             </a:r>
           </a:p>
